--- a/D/08-Oct14/Operators.pptx
+++ b/D/08-Oct14/Operators.pptx
@@ -14,16 +14,13 @@
     <p:sldId id="264" r:id="rId8"/>
     <p:sldId id="265" r:id="rId9"/>
     <p:sldId id="266" r:id="rId10"/>
-    <p:sldId id="267" r:id="rId11"/>
-    <p:sldId id="268" r:id="rId12"/>
-    <p:sldId id="269" r:id="rId13"/>
-    <p:sldId id="270" r:id="rId14"/>
-    <p:sldId id="271" r:id="rId15"/>
-    <p:sldId id="272" r:id="rId16"/>
-    <p:sldId id="273" r:id="rId17"/>
-    <p:sldId id="274" r:id="rId18"/>
-    <p:sldId id="275" r:id="rId19"/>
-    <p:sldId id="276" r:id="rId20"/>
+    <p:sldId id="268" r:id="rId11"/>
+    <p:sldId id="269" r:id="rId12"/>
+    <p:sldId id="271" r:id="rId13"/>
+    <p:sldId id="272" r:id="rId14"/>
+    <p:sldId id="273" r:id="rId15"/>
+    <p:sldId id="274" r:id="rId16"/>
+    <p:sldId id="276" r:id="rId17"/>
   </p:sldIdLst>
   <p:sldSz cx="12192000" cy="6858000"/>
   <p:notesSz cx="6858000" cy="9144000"/>
@@ -279,7 +276,7 @@
           <a:p>
             <a:fld id="{3B51BCF5-BB10-4D8A-91B1-C2F05836FE83}" type="datetimeFigureOut">
               <a:rPr lang="en-CA" smtClean="0"/>
-              <a:t>2020-10-14</a:t>
+              <a:t>2020-10-15</a:t>
             </a:fld>
             <a:endParaRPr lang="en-CA"/>
           </a:p>
@@ -479,7 +476,7 @@
           <a:p>
             <a:fld id="{3B51BCF5-BB10-4D8A-91B1-C2F05836FE83}" type="datetimeFigureOut">
               <a:rPr lang="en-CA" smtClean="0"/>
-              <a:t>2020-10-14</a:t>
+              <a:t>2020-10-15</a:t>
             </a:fld>
             <a:endParaRPr lang="en-CA"/>
           </a:p>
@@ -689,7 +686,7 @@
           <a:p>
             <a:fld id="{3B51BCF5-BB10-4D8A-91B1-C2F05836FE83}" type="datetimeFigureOut">
               <a:rPr lang="en-CA" smtClean="0"/>
-              <a:t>2020-10-14</a:t>
+              <a:t>2020-10-15</a:t>
             </a:fld>
             <a:endParaRPr lang="en-CA"/>
           </a:p>
@@ -889,7 +886,7 @@
           <a:p>
             <a:fld id="{3B51BCF5-BB10-4D8A-91B1-C2F05836FE83}" type="datetimeFigureOut">
               <a:rPr lang="en-CA" smtClean="0"/>
-              <a:t>2020-10-14</a:t>
+              <a:t>2020-10-15</a:t>
             </a:fld>
             <a:endParaRPr lang="en-CA"/>
           </a:p>
@@ -1165,7 +1162,7 @@
           <a:p>
             <a:fld id="{3B51BCF5-BB10-4D8A-91B1-C2F05836FE83}" type="datetimeFigureOut">
               <a:rPr lang="en-CA" smtClean="0"/>
-              <a:t>2020-10-14</a:t>
+              <a:t>2020-10-15</a:t>
             </a:fld>
             <a:endParaRPr lang="en-CA"/>
           </a:p>
@@ -1433,7 +1430,7 @@
           <a:p>
             <a:fld id="{3B51BCF5-BB10-4D8A-91B1-C2F05836FE83}" type="datetimeFigureOut">
               <a:rPr lang="en-CA" smtClean="0"/>
-              <a:t>2020-10-14</a:t>
+              <a:t>2020-10-15</a:t>
             </a:fld>
             <a:endParaRPr lang="en-CA"/>
           </a:p>
@@ -1848,7 +1845,7 @@
           <a:p>
             <a:fld id="{3B51BCF5-BB10-4D8A-91B1-C2F05836FE83}" type="datetimeFigureOut">
               <a:rPr lang="en-CA" smtClean="0"/>
-              <a:t>2020-10-14</a:t>
+              <a:t>2020-10-15</a:t>
             </a:fld>
             <a:endParaRPr lang="en-CA"/>
           </a:p>
@@ -1990,7 +1987,7 @@
           <a:p>
             <a:fld id="{3B51BCF5-BB10-4D8A-91B1-C2F05836FE83}" type="datetimeFigureOut">
               <a:rPr lang="en-CA" smtClean="0"/>
-              <a:t>2020-10-14</a:t>
+              <a:t>2020-10-15</a:t>
             </a:fld>
             <a:endParaRPr lang="en-CA"/>
           </a:p>
@@ -2103,7 +2100,7 @@
           <a:p>
             <a:fld id="{3B51BCF5-BB10-4D8A-91B1-C2F05836FE83}" type="datetimeFigureOut">
               <a:rPr lang="en-CA" smtClean="0"/>
-              <a:t>2020-10-14</a:t>
+              <a:t>2020-10-15</a:t>
             </a:fld>
             <a:endParaRPr lang="en-CA"/>
           </a:p>
@@ -2416,7 +2413,7 @@
           <a:p>
             <a:fld id="{3B51BCF5-BB10-4D8A-91B1-C2F05836FE83}" type="datetimeFigureOut">
               <a:rPr lang="en-CA" smtClean="0"/>
-              <a:t>2020-10-14</a:t>
+              <a:t>2020-10-15</a:t>
             </a:fld>
             <a:endParaRPr lang="en-CA"/>
           </a:p>
@@ -2705,7 +2702,7 @@
           <a:p>
             <a:fld id="{3B51BCF5-BB10-4D8A-91B1-C2F05836FE83}" type="datetimeFigureOut">
               <a:rPr lang="en-CA" smtClean="0"/>
-              <a:t>2020-10-14</a:t>
+              <a:t>2020-10-15</a:t>
             </a:fld>
             <a:endParaRPr lang="en-CA"/>
           </a:p>
@@ -2948,7 +2945,7 @@
           <a:p>
             <a:fld id="{3B51BCF5-BB10-4D8A-91B1-C2F05836FE83}" type="datetimeFigureOut">
               <a:rPr lang="en-CA" smtClean="0"/>
-              <a:t>2020-10-14</a:t>
+              <a:t>2020-10-15</a:t>
             </a:fld>
             <a:endParaRPr lang="en-CA"/>
           </a:p>
@@ -3466,7 +3463,12 @@
             <p:ph type="title"/>
           </p:nvPr>
         </p:nvSpPr>
-        <p:spPr/>
+        <p:spPr>
+          <a:xfrm>
+            <a:off x="838200" y="365125"/>
+            <a:ext cx="10515600" cy="5064125"/>
+          </a:xfrm>
+        </p:spPr>
         <p:txBody>
           <a:bodyPr/>
           <a:lstStyle/>
@@ -3476,173 +3478,23 @@
               <a:rPr lang="en-CA" dirty="0">
                 <a:latin typeface="Berlin Sans FB Demi" panose="020E0802020502020306" pitchFamily="34" charset="0"/>
               </a:rPr>
-              <a:t>What is operator overloading?</a:t>
-            </a:r>
-          </a:p>
-        </p:txBody>
-      </p:sp>
-      <p:sp>
-        <p:nvSpPr>
-          <p:cNvPr id="3" name="Content Placeholder 2">
-            <a:extLst>
-              <a:ext uri="{FF2B5EF4-FFF2-40B4-BE49-F238E27FC236}">
-                <a16:creationId xmlns:a16="http://schemas.microsoft.com/office/drawing/2014/main" id="{F2058EDD-54BE-47E6-833B-B6081EF71F85}"/>
-              </a:ext>
-            </a:extLst>
-          </p:cNvPr>
-          <p:cNvSpPr>
-            <a:spLocks noGrp="1"/>
-          </p:cNvSpPr>
-          <p:nvPr>
-            <p:ph idx="1"/>
-          </p:nvPr>
-        </p:nvSpPr>
-        <p:spPr>
-          <a:xfrm>
-            <a:off x="838200" y="1825625"/>
-            <a:ext cx="10515600" cy="4184650"/>
-          </a:xfrm>
-        </p:spPr>
-        <p:txBody>
-          <a:bodyPr>
-            <a:normAutofit/>
-          </a:bodyPr>
-          <a:lstStyle/>
-          <a:p>
-            <a:pPr marL="0" indent="0">
-              <a:buNone/>
-            </a:pPr>
-            <a:r>
+              <a:t>Reimplement an operator?</a:t>
+            </a:r>
+            <a:br>
               <a:rPr lang="en-CA" dirty="0">
-                <a:solidFill>
-                  <a:schemeClr val="accent5">
-                    <a:lumMod val="75000"/>
-                  </a:schemeClr>
-                </a:solidFill>
-              </a:rPr>
-              <a:t>  </a:t>
-            </a:r>
-          </a:p>
-          <a:p>
-            <a:pPr marL="0" indent="0">
-              <a:buNone/>
-            </a:pPr>
-            <a:r>
+                <a:latin typeface="Berlin Sans FB Demi" panose="020E0802020502020306" pitchFamily="34" charset="0"/>
+              </a:rPr>
+            </a:br>
+            <a:br>
               <a:rPr lang="en-CA" dirty="0">
-                <a:solidFill>
-                  <a:schemeClr val="accent5">
-                    <a:lumMod val="75000"/>
-                  </a:schemeClr>
-                </a:solidFill>
-              </a:rPr>
-              <a:t>         </a:t>
-            </a:r>
+                <a:latin typeface="Berlin Sans FB Demi" panose="020E0802020502020306" pitchFamily="34" charset="0"/>
+              </a:rPr>
+            </a:br>
             <a:r>
               <a:rPr lang="en-CA" dirty="0">
-                <a:solidFill>
-                  <a:srgbClr val="FF0000"/>
-                </a:solidFill>
                 <a:latin typeface="Berlin Sans FB Demi" panose="020E0802020502020306" pitchFamily="34" charset="0"/>
               </a:rPr>
-              <a:t>To give </a:t>
-            </a:r>
-          </a:p>
-          <a:p>
-            <a:pPr marL="0" indent="0">
-              <a:buNone/>
-            </a:pPr>
-            <a:r>
-              <a:rPr lang="en-CA" dirty="0">
-                <a:solidFill>
-                  <a:srgbClr val="FF0000"/>
-                </a:solidFill>
-                <a:latin typeface="Berlin Sans FB Demi" panose="020E0802020502020306" pitchFamily="34" charset="0"/>
-              </a:rPr>
-              <a:t>            </a:t>
-            </a:r>
-            <a:r>
-              <a:rPr lang="en-CA" sz="4800" dirty="0">
-                <a:solidFill>
-                  <a:srgbClr val="FF0000"/>
-                </a:solidFill>
-                <a:latin typeface="Berlin Sans FB Demi" panose="020E0802020502020306" pitchFamily="34" charset="0"/>
-              </a:rPr>
-              <a:t>an </a:t>
-            </a:r>
-            <a:r>
-              <a:rPr lang="en-CA" sz="4800" b="1" dirty="0">
-                <a:solidFill>
-                  <a:srgbClr val="FF0000"/>
-                </a:solidFill>
-                <a:latin typeface="Berlin Sans FB Demi" panose="020E0802020502020306" pitchFamily="34" charset="0"/>
-              </a:rPr>
-              <a:t>already existing </a:t>
-            </a:r>
-            <a:r>
-              <a:rPr lang="en-CA" sz="4800" dirty="0">
-                <a:solidFill>
-                  <a:srgbClr val="FF0000"/>
-                </a:solidFill>
-                <a:latin typeface="Berlin Sans FB Demi" panose="020E0802020502020306" pitchFamily="34" charset="0"/>
-              </a:rPr>
-              <a:t>operator </a:t>
-            </a:r>
-          </a:p>
-          <a:p>
-            <a:pPr marL="0" indent="0">
-              <a:buNone/>
-            </a:pPr>
-            <a:r>
-              <a:rPr lang="en-CA" sz="4800" dirty="0">
-                <a:solidFill>
-                  <a:srgbClr val="FF0000"/>
-                </a:solidFill>
-                <a:latin typeface="Berlin Sans FB Demi" panose="020E0802020502020306" pitchFamily="34" charset="0"/>
-              </a:rPr>
-              <a:t>                                             </a:t>
-            </a:r>
-            <a:r>
-              <a:rPr lang="en-CA" sz="3600" dirty="0">
-                <a:solidFill>
-                  <a:srgbClr val="FF0000"/>
-                </a:solidFill>
-                <a:latin typeface="Berlin Sans FB Demi" panose="020E0802020502020306" pitchFamily="34" charset="0"/>
-              </a:rPr>
-              <a:t>a new meaning!</a:t>
-            </a:r>
-          </a:p>
-          <a:p>
-            <a:pPr marL="0" indent="0">
-              <a:buNone/>
-            </a:pPr>
-            <a:r>
-              <a:rPr lang="en-CA" sz="3600" b="1" dirty="0">
-                <a:solidFill>
-                  <a:schemeClr val="accent5">
-                    <a:lumMod val="75000"/>
-                  </a:schemeClr>
-                </a:solidFill>
-              </a:rPr>
-              <a:t>     by reimplementing it;</a:t>
-            </a:r>
-            <a:br>
-              <a:rPr lang="en-CA" sz="3600" b="1" dirty="0">
-                <a:solidFill>
-                  <a:schemeClr val="accent5">
-                    <a:lumMod val="75000"/>
-                  </a:schemeClr>
-                </a:solidFill>
-              </a:rPr>
-            </a:br>
-            <a:r>
-              <a:rPr lang="en-CA" sz="3600" b="1" dirty="0">
-                <a:solidFill>
-                  <a:schemeClr val="accent5">
-                    <a:lumMod val="75000"/>
-                  </a:schemeClr>
-                </a:solidFill>
-              </a:rPr>
-              <a:t>              using its name and changing its arguments!</a:t>
+              <a:t>How do I do that?</a:t>
             </a:r>
           </a:p>
         </p:txBody>
@@ -3650,7 +3502,7 @@
     </p:spTree>
     <p:extLst>
       <p:ext uri="{BB962C8B-B14F-4D97-AF65-F5344CB8AC3E}">
-        <p14:creationId xmlns:p14="http://schemas.microsoft.com/office/powerpoint/2010/main" val="2136743669"/>
+        <p14:creationId xmlns:p14="http://schemas.microsoft.com/office/powerpoint/2010/main" val="2629970068"/>
       </p:ext>
     </p:extLst>
   </p:cSld>
@@ -3703,18 +3555,23 @@
           <a:bodyPr/>
           <a:lstStyle/>
           <a:p>
-            <a:pPr algn="ctr"/>
-            <a:r>
-              <a:rPr lang="en-CA" dirty="0">
+            <a:r>
+              <a:rPr lang="en-CA" sz="8000" dirty="0">
                 <a:latin typeface="Berlin Sans FB Demi" panose="020E0802020502020306" pitchFamily="34" charset="0"/>
               </a:rPr>
-              <a:t>Reimplement an operator?</a:t>
+              <a:t>C++ </a:t>
             </a:r>
             <a:br>
               <a:rPr lang="en-CA" dirty="0">
                 <a:latin typeface="Berlin Sans FB Demi" panose="020E0802020502020306" pitchFamily="34" charset="0"/>
               </a:rPr>
             </a:br>
+            <a:r>
+              <a:rPr lang="en-CA" dirty="0">
+                <a:latin typeface="Berlin Sans FB Demi" panose="020E0802020502020306" pitchFamily="34" charset="0"/>
+              </a:rPr>
+              <a:t>      created </a:t>
+            </a:r>
             <a:br>
               <a:rPr lang="en-CA" dirty="0">
                 <a:latin typeface="Berlin Sans FB Demi" panose="020E0802020502020306" pitchFamily="34" charset="0"/>
@@ -3724,7 +3581,27 @@
               <a:rPr lang="en-CA" dirty="0">
                 <a:latin typeface="Berlin Sans FB Demi" panose="020E0802020502020306" pitchFamily="34" charset="0"/>
               </a:rPr>
-              <a:t>How do I do that?</a:t>
+              <a:t>            </a:t>
+            </a:r>
+            <a:r>
+              <a:rPr lang="en-CA" sz="5400" dirty="0">
+                <a:solidFill>
+                  <a:srgbClr val="00B050"/>
+                </a:solidFill>
+                <a:latin typeface="Berlin Sans FB Demi" panose="020E0802020502020306" pitchFamily="34" charset="0"/>
+              </a:rPr>
+              <a:t>function representations </a:t>
+            </a:r>
+            <a:br>
+              <a:rPr lang="en-CA" dirty="0">
+                <a:latin typeface="Berlin Sans FB Demi" panose="020E0802020502020306" pitchFamily="34" charset="0"/>
+              </a:rPr>
+            </a:br>
+            <a:r>
+              <a:rPr lang="en-CA" dirty="0">
+                <a:latin typeface="Berlin Sans FB Demi" panose="020E0802020502020306" pitchFamily="34" charset="0"/>
+              </a:rPr>
+              <a:t>                          for all types of operators.</a:t>
             </a:r>
           </a:p>
         </p:txBody>
@@ -3732,7 +3609,7 @@
     </p:spTree>
     <p:extLst>
       <p:ext uri="{BB962C8B-B14F-4D97-AF65-F5344CB8AC3E}">
-        <p14:creationId xmlns:p14="http://schemas.microsoft.com/office/powerpoint/2010/main" val="2629970068"/>
+        <p14:creationId xmlns:p14="http://schemas.microsoft.com/office/powerpoint/2010/main" val="633342143"/>
       </p:ext>
     </p:extLst>
   </p:cSld>
@@ -3775,71 +3652,199 @@
             <p:ph type="title"/>
           </p:nvPr>
         </p:nvSpPr>
-        <p:spPr>
-          <a:xfrm>
-            <a:off x="838200" y="365125"/>
-            <a:ext cx="10515600" cy="5064125"/>
-          </a:xfrm>
-        </p:spPr>
+        <p:spPr/>
         <p:txBody>
           <a:bodyPr/>
           <a:lstStyle/>
           <a:p>
-            <a:r>
-              <a:rPr lang="en-CA" sz="8000" dirty="0">
-                <a:latin typeface="Berlin Sans FB Demi" panose="020E0802020502020306" pitchFamily="34" charset="0"/>
-              </a:rPr>
-              <a:t>C++ </a:t>
-            </a:r>
-            <a:br>
+            <a:pPr algn="ctr"/>
+            <a:r>
               <a:rPr lang="en-CA" dirty="0">
                 <a:latin typeface="Berlin Sans FB Demi" panose="020E0802020502020306" pitchFamily="34" charset="0"/>
               </a:rPr>
+              <a:t>Two types of function representation for Operators</a:t>
+            </a:r>
+          </a:p>
+        </p:txBody>
+      </p:sp>
+      <p:sp>
+        <p:nvSpPr>
+          <p:cNvPr id="3" name="Content Placeholder 2">
+            <a:extLst>
+              <a:ext uri="{FF2B5EF4-FFF2-40B4-BE49-F238E27FC236}">
+                <a16:creationId xmlns:a16="http://schemas.microsoft.com/office/drawing/2014/main" id="{F2058EDD-54BE-47E6-833B-B6081EF71F85}"/>
+              </a:ext>
+            </a:extLst>
+          </p:cNvPr>
+          <p:cNvSpPr>
+            <a:spLocks noGrp="1"/>
+          </p:cNvSpPr>
+          <p:nvPr>
+            <p:ph idx="1"/>
+          </p:nvPr>
+        </p:nvSpPr>
+        <p:spPr>
+          <a:xfrm>
+            <a:off x="838200" y="1619250"/>
+            <a:ext cx="10515600" cy="4743450"/>
+          </a:xfrm>
+        </p:spPr>
+        <p:txBody>
+          <a:bodyPr>
+            <a:normAutofit/>
+          </a:bodyPr>
+          <a:lstStyle/>
+          <a:p>
+            <a:pPr marL="0" indent="0">
+              <a:buNone/>
+            </a:pPr>
+            <a:r>
+              <a:rPr lang="en-CA" dirty="0">
+                <a:solidFill>
+                  <a:schemeClr val="accent5">
+                    <a:lumMod val="75000"/>
+                  </a:schemeClr>
+                </a:solidFill>
+              </a:rPr>
+              <a:t>   </a:t>
+            </a:r>
+            <a:endParaRPr lang="en-CA" sz="3600" dirty="0">
+              <a:solidFill>
+                <a:srgbClr val="00B050"/>
+              </a:solidFill>
+              <a:latin typeface="Berlin Sans FB Demi" panose="020E0802020502020306" pitchFamily="34" charset="0"/>
+            </a:endParaRPr>
+          </a:p>
+          <a:p>
+            <a:pPr marL="514350" indent="-514350">
+              <a:buFont typeface="+mj-lt"/>
+              <a:buAutoNum type="arabicPeriod"/>
+            </a:pPr>
+            <a:r>
+              <a:rPr lang="en-CA" sz="3600" dirty="0">
+                <a:solidFill>
+                  <a:srgbClr val="00B050"/>
+                </a:solidFill>
+                <a:latin typeface="Berlin Sans FB Demi" panose="020E0802020502020306" pitchFamily="34" charset="0"/>
+              </a:rPr>
+              <a:t>Member operators </a:t>
+            </a:r>
+            <a:r>
+              <a:rPr lang="en-CA" sz="2000" dirty="0">
+                <a:solidFill>
+                  <a:srgbClr val="FF0000"/>
+                </a:solidFill>
+                <a:latin typeface="Berlin Sans FB Demi" panose="020E0802020502020306" pitchFamily="34" charset="0"/>
+              </a:rPr>
+              <a:t>(preferred)</a:t>
+            </a:r>
+          </a:p>
+          <a:p>
+            <a:pPr marL="457200" lvl="1" indent="0">
+              <a:buNone/>
+            </a:pPr>
+            <a:r>
+              <a:rPr lang="en-CA" sz="2800" dirty="0"/>
+              <a:t>The operator functions are member functions of classes involved with the operation. </a:t>
+            </a:r>
+            <a:r>
+              <a:rPr lang="en-CA" sz="2800" dirty="0">
+                <a:solidFill>
+                  <a:srgbClr val="FF0000"/>
+                </a:solidFill>
+              </a:rPr>
+              <a:t>Your should always try to use this first</a:t>
+            </a:r>
+            <a:endParaRPr lang="en-CA" dirty="0">
+              <a:solidFill>
+                <a:srgbClr val="FF0000"/>
+              </a:solidFill>
+            </a:endParaRPr>
+          </a:p>
+          <a:p>
+            <a:pPr marL="514350" indent="-514350">
+              <a:buFont typeface="+mj-lt"/>
+              <a:buAutoNum type="arabicPeriod"/>
+            </a:pPr>
+            <a:r>
+              <a:rPr lang="en-CA" sz="4400" b="1" dirty="0">
+                <a:solidFill>
+                  <a:srgbClr val="00B050"/>
+                </a:solidFill>
+                <a:latin typeface="Chiller" panose="04020404031007020602" pitchFamily="82" charset="0"/>
+              </a:rPr>
+              <a:t>Non-member or standalone operators</a:t>
+            </a:r>
+            <a:r>
+              <a:rPr lang="en-CA" b="1" dirty="0">
+                <a:solidFill>
+                  <a:srgbClr val="00B050"/>
+                </a:solidFill>
+                <a:latin typeface="Chiller" panose="04020404031007020602" pitchFamily="82" charset="0"/>
+              </a:rPr>
+              <a:t> </a:t>
+            </a:r>
+            <a:br>
+              <a:rPr lang="en-CA" b="1" dirty="0">
+                <a:solidFill>
+                  <a:srgbClr val="00B050"/>
+                </a:solidFill>
+                <a:latin typeface="Chiller" panose="04020404031007020602" pitchFamily="82" charset="0"/>
+              </a:rPr>
             </a:br>
             <a:r>
+              <a:rPr lang="en-CA" sz="2400" dirty="0">
+                <a:solidFill>
+                  <a:srgbClr val="00B050"/>
+                </a:solidFill>
+                <a:latin typeface="Chiller" panose="04020404031007020602" pitchFamily="82" charset="0"/>
+              </a:rPr>
+              <a:t>                            </a:t>
+            </a:r>
+            <a:r>
+              <a:rPr lang="en-CA" sz="2400" dirty="0">
+                <a:solidFill>
+                  <a:srgbClr val="00B050"/>
+                </a:solidFill>
+              </a:rPr>
+              <a:t>(these are also called helper functions or helper operators) </a:t>
+            </a:r>
+            <a:br>
+              <a:rPr lang="en-CA" sz="4400" b="1" dirty="0">
+                <a:solidFill>
+                  <a:srgbClr val="00B050"/>
+                </a:solidFill>
+                <a:latin typeface="Chiller" panose="04020404031007020602" pitchFamily="82" charset="0"/>
+              </a:rPr>
+            </a:br>
+            <a:r>
+              <a:rPr lang="en-CA" dirty="0"/>
+              <a:t>The operator functions are NOT member functions. They are standalone  functions that accept operands as arguments. </a:t>
+            </a:r>
+            <a:br>
+              <a:rPr lang="en-CA" dirty="0"/>
+            </a:br>
+            <a:r>
               <a:rPr lang="en-CA" dirty="0">
-                <a:latin typeface="Berlin Sans FB Demi" panose="020E0802020502020306" pitchFamily="34" charset="0"/>
-              </a:rPr>
-              <a:t>      created </a:t>
-            </a:r>
-            <a:br>
-              <a:rPr lang="en-CA" dirty="0">
-                <a:latin typeface="Berlin Sans FB Demi" panose="020E0802020502020306" pitchFamily="34" charset="0"/>
-              </a:rPr>
-            </a:br>
-            <a:r>
-              <a:rPr lang="en-CA" dirty="0">
-                <a:latin typeface="Berlin Sans FB Demi" panose="020E0802020502020306" pitchFamily="34" charset="0"/>
-              </a:rPr>
-              <a:t>            </a:t>
-            </a:r>
-            <a:r>
-              <a:rPr lang="en-CA" sz="5400" dirty="0">
-                <a:solidFill>
-                  <a:srgbClr val="00B050"/>
-                </a:solidFill>
-                <a:latin typeface="Berlin Sans FB Demi" panose="020E0802020502020306" pitchFamily="34" charset="0"/>
-              </a:rPr>
-              <a:t>function representations </a:t>
-            </a:r>
-            <a:br>
-              <a:rPr lang="en-CA" dirty="0">
-                <a:latin typeface="Berlin Sans FB Demi" panose="020E0802020502020306" pitchFamily="34" charset="0"/>
-              </a:rPr>
-            </a:br>
-            <a:r>
-              <a:rPr lang="en-CA" dirty="0">
-                <a:latin typeface="Berlin Sans FB Demi" panose="020E0802020502020306" pitchFamily="34" charset="0"/>
-              </a:rPr>
-              <a:t>                          for all types of operators.</a:t>
-            </a:r>
+                <a:solidFill>
+                  <a:srgbClr val="FF0000"/>
+                </a:solidFill>
+              </a:rPr>
+              <a:t>You should not use these unless you have to.</a:t>
+            </a:r>
+            <a:endParaRPr lang="en-CA" sz="3600" b="1" dirty="0">
+              <a:solidFill>
+                <a:srgbClr val="FF0000"/>
+              </a:solidFill>
+              <a:latin typeface="Chiller" panose="04020404031007020602" pitchFamily="82" charset="0"/>
+            </a:endParaRPr>
           </a:p>
         </p:txBody>
       </p:sp>
     </p:spTree>
     <p:extLst>
       <p:ext uri="{BB962C8B-B14F-4D97-AF65-F5344CB8AC3E}">
-        <p14:creationId xmlns:p14="http://schemas.microsoft.com/office/powerpoint/2010/main" val="633342143"/>
+        <p14:creationId xmlns:p14="http://schemas.microsoft.com/office/powerpoint/2010/main" val="3220026340"/>
       </p:ext>
     </p:extLst>
   </p:cSld>
@@ -3871,7 +3876,7 @@
           <p:cNvPr id="2" name="Title 1">
             <a:extLst>
               <a:ext uri="{FF2B5EF4-FFF2-40B4-BE49-F238E27FC236}">
-                <a16:creationId xmlns:a16="http://schemas.microsoft.com/office/drawing/2014/main" id="{14E76716-829B-4EE4-80EB-8005D6048AE1}"/>
+                <a16:creationId xmlns:a16="http://schemas.microsoft.com/office/drawing/2014/main" id="{5B6EFDB8-2E15-45B9-A739-BEFFDFBED9B8}"/>
               </a:ext>
             </a:extLst>
           </p:cNvPr>
@@ -3889,11 +3894,18 @@
           <a:p>
             <a:pPr algn="ctr"/>
             <a:r>
-              <a:rPr lang="en-CA" dirty="0">
+              <a:rPr lang="en-CA" dirty="0"/>
+              <a:t> </a:t>
+            </a:r>
+            <a:r>
+              <a:rPr lang="en-CA" sz="4800" dirty="0">
                 <a:latin typeface="Berlin Sans FB Demi" panose="020E0802020502020306" pitchFamily="34" charset="0"/>
               </a:rPr>
-              <a:t>Two types of function representation for Operators</a:t>
-            </a:r>
+              <a:t>Member operators Implementation</a:t>
+            </a:r>
+            <a:endParaRPr lang="en-CA" dirty="0">
+              <a:latin typeface="Berlin Sans FB Demi" panose="020E0802020502020306" pitchFamily="34" charset="0"/>
+            </a:endParaRPr>
           </a:p>
         </p:txBody>
       </p:sp>
@@ -3902,7 +3914,7 @@
           <p:cNvPr id="3" name="Content Placeholder 2">
             <a:extLst>
               <a:ext uri="{FF2B5EF4-FFF2-40B4-BE49-F238E27FC236}">
-                <a16:creationId xmlns:a16="http://schemas.microsoft.com/office/drawing/2014/main" id="{F2058EDD-54BE-47E6-833B-B6081EF71F85}"/>
+                <a16:creationId xmlns:a16="http://schemas.microsoft.com/office/drawing/2014/main" id="{BA8DE507-D10A-4A9B-9D96-2820FC34328D}"/>
               </a:ext>
             </a:extLst>
           </p:cNvPr>
@@ -3915,8 +3927,8 @@
         </p:nvSpPr>
         <p:spPr>
           <a:xfrm>
-            <a:off x="838200" y="1619250"/>
-            <a:ext cx="10515600" cy="4743450"/>
+            <a:off x="1299317" y="2132115"/>
+            <a:ext cx="1540579" cy="701230"/>
           </a:xfrm>
         </p:spPr>
         <p:txBody>
@@ -3929,152 +3941,634 @@
               <a:buNone/>
             </a:pPr>
             <a:r>
-              <a:rPr lang="en-CA" dirty="0">
-                <a:solidFill>
-                  <a:schemeClr val="accent5">
+              <a:rPr lang="en-CA" sz="3200" dirty="0">
+                <a:solidFill>
+                  <a:schemeClr val="accent2">
                     <a:lumMod val="75000"/>
                   </a:schemeClr>
                 </a:solidFill>
               </a:rPr>
-              <a:t>   </a:t>
-            </a:r>
-            <a:endParaRPr lang="en-CA" sz="3600" dirty="0">
+              <a:t>A</a:t>
+            </a:r>
+            <a:r>
+              <a:rPr lang="en-CA" sz="3200" dirty="0"/>
+              <a:t>      </a:t>
+            </a:r>
+            <a:r>
+              <a:rPr lang="en-CA" sz="3200" dirty="0">
+                <a:solidFill>
+                  <a:srgbClr val="FF0000"/>
+                </a:solidFill>
+              </a:rPr>
+              <a:t>B</a:t>
+            </a:r>
+            <a:r>
+              <a:rPr lang="en-CA" sz="3600" dirty="0"/>
+              <a:t> </a:t>
+            </a:r>
+          </a:p>
+        </p:txBody>
+      </p:sp>
+      <p:pic>
+        <p:nvPicPr>
+          <p:cNvPr id="4" name="Content Placeholder 4" descr="Medical">
+            <a:extLst>
+              <a:ext uri="{FF2B5EF4-FFF2-40B4-BE49-F238E27FC236}">
+                <a16:creationId xmlns:a16="http://schemas.microsoft.com/office/drawing/2014/main" id="{C4330D96-084C-4217-8A84-3BCFDD7B0AC3}"/>
+              </a:ext>
+            </a:extLst>
+          </p:cNvPr>
+          <p:cNvPicPr>
+            <a:picLocks noChangeAspect="1"/>
+          </p:cNvPicPr>
+          <p:nvPr/>
+        </p:nvPicPr>
+        <p:blipFill>
+          <a:blip r:embed="rId2">
+            <a:extLst>
+              <a:ext uri="{28A0092B-C50C-407E-A947-70E740481C1C}">
+                <a14:useLocalDpi xmlns:a14="http://schemas.microsoft.com/office/drawing/2010/main" val="0"/>
+              </a:ext>
+              <a:ext uri="{96DAC541-7B7A-43D3-8B79-37D633B846F1}">
+                <asvg:svgBlip xmlns:asvg="http://schemas.microsoft.com/office/drawing/2016/SVG/main" r:embed="rId3"/>
+              </a:ext>
+            </a:extLst>
+          </a:blip>
+          <a:stretch>
+            <a:fillRect/>
+          </a:stretch>
+        </p:blipFill>
+        <p:spPr>
+          <a:xfrm>
+            <a:off x="1738281" y="2226619"/>
+            <a:ext cx="331325" cy="331325"/>
+          </a:xfrm>
+          <a:prstGeom prst="rect">
+            <a:avLst/>
+          </a:prstGeom>
+        </p:spPr>
+      </p:pic>
+      <p:sp>
+        <p:nvSpPr>
+          <p:cNvPr id="33" name="Rectangle: Rounded Corners 32">
+            <a:extLst>
+              <a:ext uri="{FF2B5EF4-FFF2-40B4-BE49-F238E27FC236}">
+                <a16:creationId xmlns:a16="http://schemas.microsoft.com/office/drawing/2014/main" id="{163050A5-C655-44C5-852B-0610DEE5B339}"/>
+              </a:ext>
+            </a:extLst>
+          </p:cNvPr>
+          <p:cNvSpPr/>
+          <p:nvPr/>
+        </p:nvSpPr>
+        <p:spPr>
+          <a:xfrm rot="2511204">
+            <a:off x="-13807" y="4748209"/>
+            <a:ext cx="2823693" cy="1169723"/>
+          </a:xfrm>
+          <a:prstGeom prst="roundRect">
+            <a:avLst/>
+          </a:prstGeom>
+          <a:solidFill>
+            <a:srgbClr val="FF0000"/>
+          </a:solidFill>
+        </p:spPr>
+        <p:style>
+          <a:lnRef idx="2">
+            <a:schemeClr val="accent1">
+              <a:shade val="50000"/>
+            </a:schemeClr>
+          </a:lnRef>
+          <a:fillRef idx="1">
+            <a:schemeClr val="accent1"/>
+          </a:fillRef>
+          <a:effectRef idx="0">
+            <a:schemeClr val="accent1"/>
+          </a:effectRef>
+          <a:fontRef idx="minor">
+            <a:schemeClr val="lt1"/>
+          </a:fontRef>
+        </p:style>
+        <p:txBody>
+          <a:bodyPr rtlCol="0" anchor="ctr"/>
+          <a:lstStyle/>
+          <a:p>
+            <a:pPr algn="ctr"/>
+            <a:r>
+              <a:rPr lang="en-CA" sz="6600" b="1" dirty="0">
+                <a:latin typeface="Bodoni MT Condensed" panose="02070606080606020203" pitchFamily="18" charset="0"/>
+              </a:rPr>
+              <a:t>Binary</a:t>
+            </a:r>
+            <a:endParaRPr lang="en-CA" b="1" dirty="0">
+              <a:latin typeface="Bodoni MT Condensed" panose="02070606080606020203" pitchFamily="18" charset="0"/>
+            </a:endParaRPr>
+          </a:p>
+        </p:txBody>
+      </p:sp>
+      <p:sp>
+        <p:nvSpPr>
+          <p:cNvPr id="16" name="Content Placeholder 2">
+            <a:extLst>
+              <a:ext uri="{FF2B5EF4-FFF2-40B4-BE49-F238E27FC236}">
+                <a16:creationId xmlns:a16="http://schemas.microsoft.com/office/drawing/2014/main" id="{2525FA46-6E1F-4C7F-91F5-20684ECEF6E9}"/>
+              </a:ext>
+            </a:extLst>
+          </p:cNvPr>
+          <p:cNvSpPr txBox="1">
+            <a:spLocks/>
+          </p:cNvSpPr>
+          <p:nvPr/>
+        </p:nvSpPr>
+        <p:spPr>
+          <a:xfrm>
+            <a:off x="3209925" y="1920738"/>
+            <a:ext cx="8210550" cy="4422911"/>
+          </a:xfrm>
+          <a:prstGeom prst="rect">
+            <a:avLst/>
+          </a:prstGeom>
+        </p:spPr>
+        <p:txBody>
+          <a:bodyPr vert="horz" lIns="91440" tIns="45720" rIns="91440" bIns="45720" rtlCol="0">
+            <a:normAutofit/>
+          </a:bodyPr>
+          <a:lstStyle>
+            <a:lvl1pPr marL="228600" indent="-228600" algn="l" defTabSz="914400" rtl="0" eaLnBrk="1" latinLnBrk="0" hangingPunct="1">
+              <a:lnSpc>
+                <a:spcPct val="90000"/>
+              </a:lnSpc>
+              <a:spcBef>
+                <a:spcPts val="1000"/>
+              </a:spcBef>
+              <a:buFont typeface="Arial" panose="020B0604020202020204" pitchFamily="34" charset="0"/>
+              <a:buChar char="•"/>
+              <a:defRPr sz="2800" kern="1200">
+                <a:solidFill>
+                  <a:schemeClr val="tx1"/>
+                </a:solidFill>
+                <a:latin typeface="+mn-lt"/>
+                <a:ea typeface="+mn-ea"/>
+                <a:cs typeface="+mn-cs"/>
+              </a:defRPr>
+            </a:lvl1pPr>
+            <a:lvl2pPr marL="685800" indent="-228600" algn="l" defTabSz="914400" rtl="0" eaLnBrk="1" latinLnBrk="0" hangingPunct="1">
+              <a:lnSpc>
+                <a:spcPct val="90000"/>
+              </a:lnSpc>
+              <a:spcBef>
+                <a:spcPts val="500"/>
+              </a:spcBef>
+              <a:buFont typeface="Arial" panose="020B0604020202020204" pitchFamily="34" charset="0"/>
+              <a:buChar char="•"/>
+              <a:defRPr sz="2400" kern="1200">
+                <a:solidFill>
+                  <a:schemeClr val="tx1"/>
+                </a:solidFill>
+                <a:latin typeface="+mn-lt"/>
+                <a:ea typeface="+mn-ea"/>
+                <a:cs typeface="+mn-cs"/>
+              </a:defRPr>
+            </a:lvl2pPr>
+            <a:lvl3pPr marL="1143000" indent="-228600" algn="l" defTabSz="914400" rtl="0" eaLnBrk="1" latinLnBrk="0" hangingPunct="1">
+              <a:lnSpc>
+                <a:spcPct val="90000"/>
+              </a:lnSpc>
+              <a:spcBef>
+                <a:spcPts val="500"/>
+              </a:spcBef>
+              <a:buFont typeface="Arial" panose="020B0604020202020204" pitchFamily="34" charset="0"/>
+              <a:buChar char="•"/>
+              <a:defRPr sz="2000" kern="1200">
+                <a:solidFill>
+                  <a:schemeClr val="tx1"/>
+                </a:solidFill>
+                <a:latin typeface="+mn-lt"/>
+                <a:ea typeface="+mn-ea"/>
+                <a:cs typeface="+mn-cs"/>
+              </a:defRPr>
+            </a:lvl3pPr>
+            <a:lvl4pPr marL="1600200" indent="-228600" algn="l" defTabSz="914400" rtl="0" eaLnBrk="1" latinLnBrk="0" hangingPunct="1">
+              <a:lnSpc>
+                <a:spcPct val="90000"/>
+              </a:lnSpc>
+              <a:spcBef>
+                <a:spcPts val="500"/>
+              </a:spcBef>
+              <a:buFont typeface="Arial" panose="020B0604020202020204" pitchFamily="34" charset="0"/>
+              <a:buChar char="•"/>
+              <a:defRPr sz="1800" kern="1200">
+                <a:solidFill>
+                  <a:schemeClr val="tx1"/>
+                </a:solidFill>
+                <a:latin typeface="+mn-lt"/>
+                <a:ea typeface="+mn-ea"/>
+                <a:cs typeface="+mn-cs"/>
+              </a:defRPr>
+            </a:lvl4pPr>
+            <a:lvl5pPr marL="2057400" indent="-228600" algn="l" defTabSz="914400" rtl="0" eaLnBrk="1" latinLnBrk="0" hangingPunct="1">
+              <a:lnSpc>
+                <a:spcPct val="90000"/>
+              </a:lnSpc>
+              <a:spcBef>
+                <a:spcPts val="500"/>
+              </a:spcBef>
+              <a:buFont typeface="Arial" panose="020B0604020202020204" pitchFamily="34" charset="0"/>
+              <a:buChar char="•"/>
+              <a:defRPr sz="1800" kern="1200">
+                <a:solidFill>
+                  <a:schemeClr val="tx1"/>
+                </a:solidFill>
+                <a:latin typeface="+mn-lt"/>
+                <a:ea typeface="+mn-ea"/>
+                <a:cs typeface="+mn-cs"/>
+              </a:defRPr>
+            </a:lvl5pPr>
+            <a:lvl6pPr marL="2514600" indent="-228600" algn="l" defTabSz="914400" rtl="0" eaLnBrk="1" latinLnBrk="0" hangingPunct="1">
+              <a:lnSpc>
+                <a:spcPct val="90000"/>
+              </a:lnSpc>
+              <a:spcBef>
+                <a:spcPts val="500"/>
+              </a:spcBef>
+              <a:buFont typeface="Arial" panose="020B0604020202020204" pitchFamily="34" charset="0"/>
+              <a:buChar char="•"/>
+              <a:defRPr sz="1800" kern="1200">
+                <a:solidFill>
+                  <a:schemeClr val="tx1"/>
+                </a:solidFill>
+                <a:latin typeface="+mn-lt"/>
+                <a:ea typeface="+mn-ea"/>
+                <a:cs typeface="+mn-cs"/>
+              </a:defRPr>
+            </a:lvl6pPr>
+            <a:lvl7pPr marL="2971800" indent="-228600" algn="l" defTabSz="914400" rtl="0" eaLnBrk="1" latinLnBrk="0" hangingPunct="1">
+              <a:lnSpc>
+                <a:spcPct val="90000"/>
+              </a:lnSpc>
+              <a:spcBef>
+                <a:spcPts val="500"/>
+              </a:spcBef>
+              <a:buFont typeface="Arial" panose="020B0604020202020204" pitchFamily="34" charset="0"/>
+              <a:buChar char="•"/>
+              <a:defRPr sz="1800" kern="1200">
+                <a:solidFill>
+                  <a:schemeClr val="tx1"/>
+                </a:solidFill>
+                <a:latin typeface="+mn-lt"/>
+                <a:ea typeface="+mn-ea"/>
+                <a:cs typeface="+mn-cs"/>
+              </a:defRPr>
+            </a:lvl7pPr>
+            <a:lvl8pPr marL="3429000" indent="-228600" algn="l" defTabSz="914400" rtl="0" eaLnBrk="1" latinLnBrk="0" hangingPunct="1">
+              <a:lnSpc>
+                <a:spcPct val="90000"/>
+              </a:lnSpc>
+              <a:spcBef>
+                <a:spcPts val="500"/>
+              </a:spcBef>
+              <a:buFont typeface="Arial" panose="020B0604020202020204" pitchFamily="34" charset="0"/>
+              <a:buChar char="•"/>
+              <a:defRPr sz="1800" kern="1200">
+                <a:solidFill>
+                  <a:schemeClr val="tx1"/>
+                </a:solidFill>
+                <a:latin typeface="+mn-lt"/>
+                <a:ea typeface="+mn-ea"/>
+                <a:cs typeface="+mn-cs"/>
+              </a:defRPr>
+            </a:lvl8pPr>
+            <a:lvl9pPr marL="3886200" indent="-228600" algn="l" defTabSz="914400" rtl="0" eaLnBrk="1" latinLnBrk="0" hangingPunct="1">
+              <a:lnSpc>
+                <a:spcPct val="90000"/>
+              </a:lnSpc>
+              <a:spcBef>
+                <a:spcPts val="500"/>
+              </a:spcBef>
+              <a:buFont typeface="Arial" panose="020B0604020202020204" pitchFamily="34" charset="0"/>
+              <a:buChar char="•"/>
+              <a:defRPr sz="1800" kern="1200">
+                <a:solidFill>
+                  <a:schemeClr val="tx1"/>
+                </a:solidFill>
+                <a:latin typeface="+mn-lt"/>
+                <a:ea typeface="+mn-ea"/>
+                <a:cs typeface="+mn-cs"/>
+              </a:defRPr>
+            </a:lvl9pPr>
+          </a:lstStyle>
+          <a:p>
+            <a:pPr marL="0" indent="0">
+              <a:buNone/>
+            </a:pPr>
+            <a:r>
+              <a:rPr lang="en-CA" dirty="0">
+                <a:latin typeface="Consolas" panose="020B0609020204030204" pitchFamily="49" charset="0"/>
+              </a:rPr>
+              <a:t>Foo </a:t>
+            </a:r>
+            <a:r>
+              <a:rPr lang="en-CA" sz="3200" dirty="0">
+                <a:solidFill>
+                  <a:schemeClr val="accent2">
+                    <a:lumMod val="75000"/>
+                  </a:schemeClr>
+                </a:solidFill>
+              </a:rPr>
+              <a:t>A</a:t>
+            </a:r>
+            <a:r>
+              <a:rPr lang="en-CA" dirty="0">
+                <a:latin typeface="Consolas" panose="020B0609020204030204" pitchFamily="49" charset="0"/>
+              </a:rPr>
+              <a:t>;</a:t>
+            </a:r>
+            <a:br>
+              <a:rPr lang="en-CA" dirty="0">
+                <a:latin typeface="Consolas" panose="020B0609020204030204" pitchFamily="49" charset="0"/>
+              </a:rPr>
+            </a:br>
+            <a:r>
+              <a:rPr lang="en-CA" dirty="0">
+                <a:latin typeface="Consolas" panose="020B0609020204030204" pitchFamily="49" charset="0"/>
+              </a:rPr>
+              <a:t>Faa </a:t>
+            </a:r>
+            <a:r>
+              <a:rPr lang="en-CA" sz="3200" dirty="0">
+                <a:solidFill>
+                  <a:srgbClr val="FF0000"/>
+                </a:solidFill>
+              </a:rPr>
+              <a:t>B</a:t>
+            </a:r>
+            <a:r>
+              <a:rPr lang="en-CA" dirty="0">
+                <a:latin typeface="Consolas" panose="020B0609020204030204" pitchFamily="49" charset="0"/>
+              </a:rPr>
+              <a:t>;</a:t>
+            </a:r>
+            <a:br>
+              <a:rPr lang="en-CA" dirty="0">
+                <a:latin typeface="Consolas" panose="020B0609020204030204" pitchFamily="49" charset="0"/>
+              </a:rPr>
+            </a:br>
+            <a:r>
+              <a:rPr lang="en-CA" dirty="0">
+                <a:latin typeface="Consolas" panose="020B0609020204030204" pitchFamily="49" charset="0"/>
+              </a:rPr>
+              <a:t>Whatever Foo::operator  (Faa </a:t>
+            </a:r>
+            <a:r>
+              <a:rPr lang="en-CA" sz="3200" dirty="0">
+                <a:solidFill>
+                  <a:srgbClr val="FF0000"/>
+                </a:solidFill>
+              </a:rPr>
+              <a:t>B</a:t>
+            </a:r>
+            <a:r>
+              <a:rPr lang="en-CA" dirty="0">
+                <a:latin typeface="Consolas" panose="020B0609020204030204" pitchFamily="49" charset="0"/>
+              </a:rPr>
+              <a:t>);</a:t>
+            </a:r>
+          </a:p>
+          <a:p>
+            <a:pPr marL="0" indent="0">
+              <a:buNone/>
+            </a:pPr>
+            <a:r>
+              <a:rPr lang="en-CA" dirty="0">
+                <a:latin typeface="Consolas" panose="020B0609020204030204" pitchFamily="49" charset="0"/>
+              </a:rPr>
+              <a:t>// </a:t>
+            </a:r>
+            <a:r>
+              <a:rPr lang="en-CA" sz="3200" dirty="0">
+                <a:solidFill>
+                  <a:schemeClr val="accent2">
+                    <a:lumMod val="75000"/>
+                  </a:schemeClr>
+                </a:solidFill>
+              </a:rPr>
+              <a:t>*this </a:t>
+            </a:r>
+            <a:r>
+              <a:rPr lang="en-CA" dirty="0">
+                <a:latin typeface="Consolas" panose="020B0609020204030204" pitchFamily="49" charset="0"/>
+              </a:rPr>
+              <a:t>is </a:t>
+            </a:r>
+            <a:r>
+              <a:rPr lang="en-CA" sz="3200" dirty="0">
+                <a:solidFill>
+                  <a:schemeClr val="accent2">
+                    <a:lumMod val="75000"/>
+                  </a:schemeClr>
+                </a:solidFill>
+              </a:rPr>
+              <a:t>A </a:t>
+            </a:r>
+            <a:r>
+              <a:rPr lang="en-CA" sz="2000" dirty="0">
+                <a:latin typeface="Consolas" panose="020B0609020204030204" pitchFamily="49" charset="0"/>
+              </a:rPr>
+              <a:t> (With side-effect, A will change)</a:t>
+            </a:r>
+          </a:p>
+          <a:p>
+            <a:pPr marL="0" indent="0">
+              <a:buNone/>
+            </a:pPr>
+            <a:r>
+              <a:rPr lang="en-CA" sz="3200" dirty="0">
+                <a:solidFill>
+                  <a:srgbClr val="FF0000"/>
+                </a:solidFill>
+              </a:rPr>
+              <a:t>A += B</a:t>
+            </a:r>
+          </a:p>
+          <a:p>
+            <a:pPr marL="0" indent="0">
+              <a:buNone/>
+            </a:pPr>
+            <a:r>
+              <a:rPr lang="en-CA" dirty="0">
+                <a:latin typeface="Consolas" panose="020B0609020204030204" pitchFamily="49" charset="0"/>
+              </a:rPr>
+              <a:t>Whatever Foo::operator  (Faa </a:t>
+            </a:r>
+            <a:r>
+              <a:rPr lang="en-CA" sz="3200" dirty="0">
+                <a:solidFill>
+                  <a:srgbClr val="FF0000"/>
+                </a:solidFill>
+              </a:rPr>
+              <a:t>B</a:t>
+            </a:r>
+            <a:r>
+              <a:rPr lang="en-CA" dirty="0">
+                <a:latin typeface="Consolas" panose="020B0609020204030204" pitchFamily="49" charset="0"/>
+              </a:rPr>
+              <a:t>)const;</a:t>
+            </a:r>
+          </a:p>
+          <a:p>
+            <a:pPr marL="0" indent="0">
+              <a:buNone/>
+            </a:pPr>
+            <a:r>
+              <a:rPr lang="en-CA" dirty="0">
+                <a:latin typeface="Consolas" panose="020B0609020204030204" pitchFamily="49" charset="0"/>
+              </a:rPr>
+              <a:t>// </a:t>
+            </a:r>
+            <a:r>
+              <a:rPr lang="en-CA" sz="3200" dirty="0">
+                <a:solidFill>
+                  <a:schemeClr val="accent2">
+                    <a:lumMod val="75000"/>
+                  </a:schemeClr>
+                </a:solidFill>
+              </a:rPr>
+              <a:t>*this </a:t>
+            </a:r>
+            <a:r>
+              <a:rPr lang="en-CA" dirty="0">
+                <a:latin typeface="Consolas" panose="020B0609020204030204" pitchFamily="49" charset="0"/>
+              </a:rPr>
+              <a:t>is </a:t>
+            </a:r>
+            <a:r>
+              <a:rPr lang="en-CA" sz="3200" dirty="0">
+                <a:solidFill>
+                  <a:schemeClr val="accent2">
+                    <a:lumMod val="75000"/>
+                  </a:schemeClr>
+                </a:solidFill>
+              </a:rPr>
+              <a:t>A </a:t>
+            </a:r>
+            <a:r>
+              <a:rPr lang="en-CA" sz="1800" dirty="0">
+                <a:latin typeface="Consolas" panose="020B0609020204030204" pitchFamily="49" charset="0"/>
+              </a:rPr>
+              <a:t>(Without side-effect, A is read only)</a:t>
+            </a:r>
+            <a:endParaRPr lang="en-CA" sz="3200" dirty="0">
               <a:solidFill>
-                <a:srgbClr val="00B050"/>
-              </a:solidFill>
-              <a:latin typeface="Berlin Sans FB Demi" panose="020E0802020502020306" pitchFamily="34" charset="0"/>
-            </a:endParaRPr>
-          </a:p>
-          <a:p>
-            <a:pPr marL="514350" indent="-514350">
-              <a:buFont typeface="+mj-lt"/>
-              <a:buAutoNum type="arabicPeriod"/>
-            </a:pPr>
-            <a:r>
-              <a:rPr lang="en-CA" sz="3600" dirty="0">
-                <a:solidFill>
-                  <a:srgbClr val="00B050"/>
-                </a:solidFill>
-                <a:latin typeface="Berlin Sans FB Demi" panose="020E0802020502020306" pitchFamily="34" charset="0"/>
-              </a:rPr>
-              <a:t>Member operators </a:t>
-            </a:r>
-            <a:r>
-              <a:rPr lang="en-CA" sz="2000" dirty="0">
-                <a:solidFill>
-                  <a:srgbClr val="FF0000"/>
-                </a:solidFill>
-                <a:latin typeface="Berlin Sans FB Demi" panose="020E0802020502020306" pitchFamily="34" charset="0"/>
-              </a:rPr>
-              <a:t>(preferred)</a:t>
-            </a:r>
-          </a:p>
-          <a:p>
-            <a:pPr marL="457200" lvl="1" indent="0">
-              <a:buNone/>
-            </a:pPr>
-            <a:r>
-              <a:rPr lang="en-CA" sz="2800" dirty="0"/>
-              <a:t>The operator functions are member functions of classes involved with the operation. </a:t>
-            </a:r>
-            <a:r>
-              <a:rPr lang="en-CA" sz="2800" dirty="0">
-                <a:solidFill>
-                  <a:srgbClr val="FF0000"/>
-                </a:solidFill>
-              </a:rPr>
-              <a:t>Your should always try to use this first</a:t>
-            </a:r>
-            <a:endParaRPr lang="en-CA" dirty="0">
-              <a:solidFill>
-                <a:srgbClr val="FF0000"/>
+                <a:schemeClr val="accent2">
+                  <a:lumMod val="75000"/>
+                </a:schemeClr>
               </a:solidFill>
             </a:endParaRPr>
           </a:p>
           <a:p>
-            <a:pPr marL="514350" indent="-514350">
-              <a:buFont typeface="+mj-lt"/>
-              <a:buAutoNum type="arabicPeriod"/>
+            <a:pPr marL="0" indent="0">
+              <a:buNone/>
             </a:pPr>
             <a:r>
-              <a:rPr lang="en-CA" sz="4400" b="1" dirty="0">
-                <a:solidFill>
-                  <a:srgbClr val="00B050"/>
-                </a:solidFill>
-                <a:latin typeface="Chiller" panose="04020404031007020602" pitchFamily="82" charset="0"/>
-              </a:rPr>
-              <a:t>Non-member or standalone operators</a:t>
-            </a:r>
-            <a:r>
-              <a:rPr lang="en-CA" b="1" dirty="0">
-                <a:solidFill>
-                  <a:srgbClr val="00B050"/>
-                </a:solidFill>
-                <a:latin typeface="Chiller" panose="04020404031007020602" pitchFamily="82" charset="0"/>
-              </a:rPr>
-              <a:t> </a:t>
-            </a:r>
-            <a:br>
-              <a:rPr lang="en-CA" b="1" dirty="0">
-                <a:solidFill>
-                  <a:srgbClr val="00B050"/>
-                </a:solidFill>
-                <a:latin typeface="Chiller" panose="04020404031007020602" pitchFamily="82" charset="0"/>
-              </a:rPr>
-            </a:br>
-            <a:r>
-              <a:rPr lang="en-CA" sz="2400" dirty="0">
-                <a:solidFill>
-                  <a:srgbClr val="00B050"/>
-                </a:solidFill>
-                <a:latin typeface="Chiller" panose="04020404031007020602" pitchFamily="82" charset="0"/>
-              </a:rPr>
-              <a:t>                            </a:t>
-            </a:r>
-            <a:r>
-              <a:rPr lang="en-CA" sz="2400" dirty="0">
-                <a:solidFill>
-                  <a:srgbClr val="00B050"/>
-                </a:solidFill>
-              </a:rPr>
-              <a:t>(these are also called helper functions or helper operators) </a:t>
-            </a:r>
-            <a:br>
-              <a:rPr lang="en-CA" sz="4400" b="1" dirty="0">
-                <a:solidFill>
-                  <a:srgbClr val="00B050"/>
-                </a:solidFill>
-                <a:latin typeface="Chiller" panose="04020404031007020602" pitchFamily="82" charset="0"/>
-              </a:rPr>
-            </a:br>
-            <a:r>
-              <a:rPr lang="en-CA" dirty="0"/>
-              <a:t>The operator functions are NOT member functions. They are standalone  functions that accept operands as arguments. </a:t>
-            </a:r>
-            <a:br>
-              <a:rPr lang="en-CA" dirty="0"/>
-            </a:br>
-            <a:r>
-              <a:rPr lang="en-CA" dirty="0">
+              <a:rPr lang="en-CA" sz="3600" dirty="0">
                 <a:solidFill>
                   <a:srgbClr val="FF0000"/>
                 </a:solidFill>
               </a:rPr>
-              <a:t>You should not use these unless you have to.</a:t>
-            </a:r>
-            <a:endParaRPr lang="en-CA" sz="3600" b="1" dirty="0">
-              <a:solidFill>
-                <a:srgbClr val="FF0000"/>
-              </a:solidFill>
-              <a:latin typeface="Chiller" panose="04020404031007020602" pitchFamily="82" charset="0"/>
+              <a:t>A + B</a:t>
+            </a:r>
+          </a:p>
+          <a:p>
+            <a:pPr marL="0" indent="0">
+              <a:buNone/>
+            </a:pPr>
+            <a:endParaRPr lang="en-CA" sz="3600" dirty="0">
+              <a:latin typeface="Consolas" panose="020B0609020204030204" pitchFamily="49" charset="0"/>
             </a:endParaRPr>
           </a:p>
         </p:txBody>
       </p:sp>
+      <p:pic>
+        <p:nvPicPr>
+          <p:cNvPr id="17" name="Content Placeholder 4" descr="Medical">
+            <a:extLst>
+              <a:ext uri="{FF2B5EF4-FFF2-40B4-BE49-F238E27FC236}">
+                <a16:creationId xmlns:a16="http://schemas.microsoft.com/office/drawing/2014/main" id="{B32922FD-12AF-4F2A-B3EA-04CE9DA232C0}"/>
+              </a:ext>
+            </a:extLst>
+          </p:cNvPr>
+          <p:cNvPicPr>
+            <a:picLocks noChangeAspect="1"/>
+          </p:cNvPicPr>
+          <p:nvPr/>
+        </p:nvPicPr>
+        <p:blipFill>
+          <a:blip r:embed="rId2">
+            <a:extLst>
+              <a:ext uri="{28A0092B-C50C-407E-A947-70E740481C1C}">
+                <a14:useLocalDpi xmlns:a14="http://schemas.microsoft.com/office/drawing/2010/main" val="0"/>
+              </a:ext>
+              <a:ext uri="{96DAC541-7B7A-43D3-8B79-37D633B846F1}">
+                <asvg:svgBlip xmlns:asvg="http://schemas.microsoft.com/office/drawing/2016/SVG/main" r:embed="rId3"/>
+              </a:ext>
+            </a:extLst>
+          </a:blip>
+          <a:stretch>
+            <a:fillRect/>
+          </a:stretch>
+        </p:blipFill>
+        <p:spPr>
+          <a:xfrm>
+            <a:off x="7612493" y="2916155"/>
+            <a:ext cx="331325" cy="331325"/>
+          </a:xfrm>
+          <a:prstGeom prst="rect">
+            <a:avLst/>
+          </a:prstGeom>
+        </p:spPr>
+      </p:pic>
+      <p:pic>
+        <p:nvPicPr>
+          <p:cNvPr id="18" name="Content Placeholder 4" descr="Medical">
+            <a:extLst>
+              <a:ext uri="{FF2B5EF4-FFF2-40B4-BE49-F238E27FC236}">
+                <a16:creationId xmlns:a16="http://schemas.microsoft.com/office/drawing/2014/main" id="{2A1D2053-DA21-4601-9C85-1B3F09D915E4}"/>
+              </a:ext>
+            </a:extLst>
+          </p:cNvPr>
+          <p:cNvPicPr>
+            <a:picLocks noChangeAspect="1"/>
+          </p:cNvPicPr>
+          <p:nvPr/>
+        </p:nvPicPr>
+        <p:blipFill>
+          <a:blip r:embed="rId2">
+            <a:extLst>
+              <a:ext uri="{28A0092B-C50C-407E-A947-70E740481C1C}">
+                <a14:useLocalDpi xmlns:a14="http://schemas.microsoft.com/office/drawing/2010/main" val="0"/>
+              </a:ext>
+              <a:ext uri="{96DAC541-7B7A-43D3-8B79-37D633B846F1}">
+                <asvg:svgBlip xmlns:asvg="http://schemas.microsoft.com/office/drawing/2016/SVG/main" r:embed="rId3"/>
+              </a:ext>
+            </a:extLst>
+          </a:blip>
+          <a:stretch>
+            <a:fillRect/>
+          </a:stretch>
+        </p:blipFill>
+        <p:spPr>
+          <a:xfrm>
+            <a:off x="7612493" y="4602176"/>
+            <a:ext cx="331325" cy="331325"/>
+          </a:xfrm>
+          <a:prstGeom prst="rect">
+            <a:avLst/>
+          </a:prstGeom>
+        </p:spPr>
+      </p:pic>
     </p:spTree>
     <p:extLst>
       <p:ext uri="{BB962C8B-B14F-4D97-AF65-F5344CB8AC3E}">
-        <p14:creationId xmlns:p14="http://schemas.microsoft.com/office/powerpoint/2010/main" val="3441163624"/>
+        <p14:creationId xmlns:p14="http://schemas.microsoft.com/office/powerpoint/2010/main" val="1062576644"/>
       </p:ext>
     </p:extLst>
   </p:cSld>
@@ -4106,7 +4600,7 @@
           <p:cNvPr id="2" name="Title 1">
             <a:extLst>
               <a:ext uri="{FF2B5EF4-FFF2-40B4-BE49-F238E27FC236}">
-                <a16:creationId xmlns:a16="http://schemas.microsoft.com/office/drawing/2014/main" id="{14E76716-829B-4EE4-80EB-8005D6048AE1}"/>
+                <a16:creationId xmlns:a16="http://schemas.microsoft.com/office/drawing/2014/main" id="{5B6EFDB8-2E15-45B9-A739-BEFFDFBED9B8}"/>
               </a:ext>
             </a:extLst>
           </p:cNvPr>
@@ -4124,11 +4618,18 @@
           <a:p>
             <a:pPr algn="ctr"/>
             <a:r>
-              <a:rPr lang="en-CA" dirty="0">
+              <a:rPr lang="en-CA" dirty="0"/>
+              <a:t> </a:t>
+            </a:r>
+            <a:r>
+              <a:rPr lang="en-CA" sz="4800" dirty="0">
                 <a:latin typeface="Berlin Sans FB Demi" panose="020E0802020502020306" pitchFamily="34" charset="0"/>
               </a:rPr>
-              <a:t>Two types of function representation for Operators</a:t>
-            </a:r>
+              <a:t>Member operators Implementation</a:t>
+            </a:r>
+            <a:endParaRPr lang="en-CA" dirty="0">
+              <a:latin typeface="Berlin Sans FB Demi" panose="020E0802020502020306" pitchFamily="34" charset="0"/>
+            </a:endParaRPr>
           </a:p>
         </p:txBody>
       </p:sp>
@@ -4137,7 +4638,7 @@
           <p:cNvPr id="3" name="Content Placeholder 2">
             <a:extLst>
               <a:ext uri="{FF2B5EF4-FFF2-40B4-BE49-F238E27FC236}">
-                <a16:creationId xmlns:a16="http://schemas.microsoft.com/office/drawing/2014/main" id="{F2058EDD-54BE-47E6-833B-B6081EF71F85}"/>
+                <a16:creationId xmlns:a16="http://schemas.microsoft.com/office/drawing/2014/main" id="{BA8DE507-D10A-4A9B-9D96-2820FC34328D}"/>
               </a:ext>
             </a:extLst>
           </p:cNvPr>
@@ -4150,8 +4651,8 @@
         </p:nvSpPr>
         <p:spPr>
           <a:xfrm>
-            <a:off x="838200" y="1619250"/>
-            <a:ext cx="10515600" cy="4743450"/>
+            <a:off x="1299317" y="2132115"/>
+            <a:ext cx="1540579" cy="701230"/>
           </a:xfrm>
         </p:spPr>
         <p:txBody>
@@ -4164,144 +4665,582 @@
               <a:buNone/>
             </a:pPr>
             <a:r>
+              <a:rPr lang="en-CA" sz="3200" dirty="0"/>
+              <a:t>      </a:t>
+            </a:r>
+            <a:r>
+              <a:rPr lang="en-CA" sz="3200" dirty="0">
+                <a:solidFill>
+                  <a:srgbClr val="FF0000"/>
+                </a:solidFill>
+              </a:rPr>
+              <a:t>B</a:t>
+            </a:r>
+            <a:r>
+              <a:rPr lang="en-CA" sz="3600" dirty="0"/>
+              <a:t> </a:t>
+            </a:r>
+          </a:p>
+        </p:txBody>
+      </p:sp>
+      <p:pic>
+        <p:nvPicPr>
+          <p:cNvPr id="4" name="Content Placeholder 4" descr="Medical">
+            <a:extLst>
+              <a:ext uri="{FF2B5EF4-FFF2-40B4-BE49-F238E27FC236}">
+                <a16:creationId xmlns:a16="http://schemas.microsoft.com/office/drawing/2014/main" id="{C4330D96-084C-4217-8A84-3BCFDD7B0AC3}"/>
+              </a:ext>
+            </a:extLst>
+          </p:cNvPr>
+          <p:cNvPicPr>
+            <a:picLocks noChangeAspect="1"/>
+          </p:cNvPicPr>
+          <p:nvPr/>
+        </p:nvPicPr>
+        <p:blipFill>
+          <a:blip r:embed="rId2">
+            <a:extLst>
+              <a:ext uri="{28A0092B-C50C-407E-A947-70E740481C1C}">
+                <a14:useLocalDpi xmlns:a14="http://schemas.microsoft.com/office/drawing/2010/main" val="0"/>
+              </a:ext>
+              <a:ext uri="{96DAC541-7B7A-43D3-8B79-37D633B846F1}">
+                <asvg:svgBlip xmlns:asvg="http://schemas.microsoft.com/office/drawing/2016/SVG/main" r:embed="rId3"/>
+              </a:ext>
+            </a:extLst>
+          </a:blip>
+          <a:stretch>
+            <a:fillRect/>
+          </a:stretch>
+        </p:blipFill>
+        <p:spPr>
+          <a:xfrm>
+            <a:off x="1566831" y="2285324"/>
+            <a:ext cx="331325" cy="331325"/>
+          </a:xfrm>
+          <a:prstGeom prst="rect">
+            <a:avLst/>
+          </a:prstGeom>
+        </p:spPr>
+      </p:pic>
+      <p:sp>
+        <p:nvSpPr>
+          <p:cNvPr id="16" name="Content Placeholder 2">
+            <a:extLst>
+              <a:ext uri="{FF2B5EF4-FFF2-40B4-BE49-F238E27FC236}">
+                <a16:creationId xmlns:a16="http://schemas.microsoft.com/office/drawing/2014/main" id="{2525FA46-6E1F-4C7F-91F5-20684ECEF6E9}"/>
+              </a:ext>
+            </a:extLst>
+          </p:cNvPr>
+          <p:cNvSpPr txBox="1">
+            <a:spLocks/>
+          </p:cNvSpPr>
+          <p:nvPr/>
+        </p:nvSpPr>
+        <p:spPr>
+          <a:xfrm>
+            <a:off x="3209925" y="1913039"/>
+            <a:ext cx="8210550" cy="4422911"/>
+          </a:xfrm>
+          <a:prstGeom prst="rect">
+            <a:avLst/>
+          </a:prstGeom>
+        </p:spPr>
+        <p:txBody>
+          <a:bodyPr vert="horz" lIns="91440" tIns="45720" rIns="91440" bIns="45720" rtlCol="0">
+            <a:normAutofit/>
+          </a:bodyPr>
+          <a:lstStyle>
+            <a:lvl1pPr marL="228600" indent="-228600" algn="l" defTabSz="914400" rtl="0" eaLnBrk="1" latinLnBrk="0" hangingPunct="1">
+              <a:lnSpc>
+                <a:spcPct val="90000"/>
+              </a:lnSpc>
+              <a:spcBef>
+                <a:spcPts val="1000"/>
+              </a:spcBef>
+              <a:buFont typeface="Arial" panose="020B0604020202020204" pitchFamily="34" charset="0"/>
+              <a:buChar char="•"/>
+              <a:defRPr sz="2800" kern="1200">
+                <a:solidFill>
+                  <a:schemeClr val="tx1"/>
+                </a:solidFill>
+                <a:latin typeface="+mn-lt"/>
+                <a:ea typeface="+mn-ea"/>
+                <a:cs typeface="+mn-cs"/>
+              </a:defRPr>
+            </a:lvl1pPr>
+            <a:lvl2pPr marL="685800" indent="-228600" algn="l" defTabSz="914400" rtl="0" eaLnBrk="1" latinLnBrk="0" hangingPunct="1">
+              <a:lnSpc>
+                <a:spcPct val="90000"/>
+              </a:lnSpc>
+              <a:spcBef>
+                <a:spcPts val="500"/>
+              </a:spcBef>
+              <a:buFont typeface="Arial" panose="020B0604020202020204" pitchFamily="34" charset="0"/>
+              <a:buChar char="•"/>
+              <a:defRPr sz="2400" kern="1200">
+                <a:solidFill>
+                  <a:schemeClr val="tx1"/>
+                </a:solidFill>
+                <a:latin typeface="+mn-lt"/>
+                <a:ea typeface="+mn-ea"/>
+                <a:cs typeface="+mn-cs"/>
+              </a:defRPr>
+            </a:lvl2pPr>
+            <a:lvl3pPr marL="1143000" indent="-228600" algn="l" defTabSz="914400" rtl="0" eaLnBrk="1" latinLnBrk="0" hangingPunct="1">
+              <a:lnSpc>
+                <a:spcPct val="90000"/>
+              </a:lnSpc>
+              <a:spcBef>
+                <a:spcPts val="500"/>
+              </a:spcBef>
+              <a:buFont typeface="Arial" panose="020B0604020202020204" pitchFamily="34" charset="0"/>
+              <a:buChar char="•"/>
+              <a:defRPr sz="2000" kern="1200">
+                <a:solidFill>
+                  <a:schemeClr val="tx1"/>
+                </a:solidFill>
+                <a:latin typeface="+mn-lt"/>
+                <a:ea typeface="+mn-ea"/>
+                <a:cs typeface="+mn-cs"/>
+              </a:defRPr>
+            </a:lvl3pPr>
+            <a:lvl4pPr marL="1600200" indent="-228600" algn="l" defTabSz="914400" rtl="0" eaLnBrk="1" latinLnBrk="0" hangingPunct="1">
+              <a:lnSpc>
+                <a:spcPct val="90000"/>
+              </a:lnSpc>
+              <a:spcBef>
+                <a:spcPts val="500"/>
+              </a:spcBef>
+              <a:buFont typeface="Arial" panose="020B0604020202020204" pitchFamily="34" charset="0"/>
+              <a:buChar char="•"/>
+              <a:defRPr sz="1800" kern="1200">
+                <a:solidFill>
+                  <a:schemeClr val="tx1"/>
+                </a:solidFill>
+                <a:latin typeface="+mn-lt"/>
+                <a:ea typeface="+mn-ea"/>
+                <a:cs typeface="+mn-cs"/>
+              </a:defRPr>
+            </a:lvl4pPr>
+            <a:lvl5pPr marL="2057400" indent="-228600" algn="l" defTabSz="914400" rtl="0" eaLnBrk="1" latinLnBrk="0" hangingPunct="1">
+              <a:lnSpc>
+                <a:spcPct val="90000"/>
+              </a:lnSpc>
+              <a:spcBef>
+                <a:spcPts val="500"/>
+              </a:spcBef>
+              <a:buFont typeface="Arial" panose="020B0604020202020204" pitchFamily="34" charset="0"/>
+              <a:buChar char="•"/>
+              <a:defRPr sz="1800" kern="1200">
+                <a:solidFill>
+                  <a:schemeClr val="tx1"/>
+                </a:solidFill>
+                <a:latin typeface="+mn-lt"/>
+                <a:ea typeface="+mn-ea"/>
+                <a:cs typeface="+mn-cs"/>
+              </a:defRPr>
+            </a:lvl5pPr>
+            <a:lvl6pPr marL="2514600" indent="-228600" algn="l" defTabSz="914400" rtl="0" eaLnBrk="1" latinLnBrk="0" hangingPunct="1">
+              <a:lnSpc>
+                <a:spcPct val="90000"/>
+              </a:lnSpc>
+              <a:spcBef>
+                <a:spcPts val="500"/>
+              </a:spcBef>
+              <a:buFont typeface="Arial" panose="020B0604020202020204" pitchFamily="34" charset="0"/>
+              <a:buChar char="•"/>
+              <a:defRPr sz="1800" kern="1200">
+                <a:solidFill>
+                  <a:schemeClr val="tx1"/>
+                </a:solidFill>
+                <a:latin typeface="+mn-lt"/>
+                <a:ea typeface="+mn-ea"/>
+                <a:cs typeface="+mn-cs"/>
+              </a:defRPr>
+            </a:lvl6pPr>
+            <a:lvl7pPr marL="2971800" indent="-228600" algn="l" defTabSz="914400" rtl="0" eaLnBrk="1" latinLnBrk="0" hangingPunct="1">
+              <a:lnSpc>
+                <a:spcPct val="90000"/>
+              </a:lnSpc>
+              <a:spcBef>
+                <a:spcPts val="500"/>
+              </a:spcBef>
+              <a:buFont typeface="Arial" panose="020B0604020202020204" pitchFamily="34" charset="0"/>
+              <a:buChar char="•"/>
+              <a:defRPr sz="1800" kern="1200">
+                <a:solidFill>
+                  <a:schemeClr val="tx1"/>
+                </a:solidFill>
+                <a:latin typeface="+mn-lt"/>
+                <a:ea typeface="+mn-ea"/>
+                <a:cs typeface="+mn-cs"/>
+              </a:defRPr>
+            </a:lvl7pPr>
+            <a:lvl8pPr marL="3429000" indent="-228600" algn="l" defTabSz="914400" rtl="0" eaLnBrk="1" latinLnBrk="0" hangingPunct="1">
+              <a:lnSpc>
+                <a:spcPct val="90000"/>
+              </a:lnSpc>
+              <a:spcBef>
+                <a:spcPts val="500"/>
+              </a:spcBef>
+              <a:buFont typeface="Arial" panose="020B0604020202020204" pitchFamily="34" charset="0"/>
+              <a:buChar char="•"/>
+              <a:defRPr sz="1800" kern="1200">
+                <a:solidFill>
+                  <a:schemeClr val="tx1"/>
+                </a:solidFill>
+                <a:latin typeface="+mn-lt"/>
+                <a:ea typeface="+mn-ea"/>
+                <a:cs typeface="+mn-cs"/>
+              </a:defRPr>
+            </a:lvl8pPr>
+            <a:lvl9pPr marL="3886200" indent="-228600" algn="l" defTabSz="914400" rtl="0" eaLnBrk="1" latinLnBrk="0" hangingPunct="1">
+              <a:lnSpc>
+                <a:spcPct val="90000"/>
+              </a:lnSpc>
+              <a:spcBef>
+                <a:spcPts val="500"/>
+              </a:spcBef>
+              <a:buFont typeface="Arial" panose="020B0604020202020204" pitchFamily="34" charset="0"/>
+              <a:buChar char="•"/>
+              <a:defRPr sz="1800" kern="1200">
+                <a:solidFill>
+                  <a:schemeClr val="tx1"/>
+                </a:solidFill>
+                <a:latin typeface="+mn-lt"/>
+                <a:ea typeface="+mn-ea"/>
+                <a:cs typeface="+mn-cs"/>
+              </a:defRPr>
+            </a:lvl9pPr>
+          </a:lstStyle>
+          <a:p>
+            <a:pPr marL="0" indent="0">
+              <a:buNone/>
+            </a:pPr>
+            <a:r>
               <a:rPr lang="en-CA" dirty="0">
-                <a:solidFill>
-                  <a:schemeClr val="accent5">
+                <a:latin typeface="Consolas" panose="020B0609020204030204" pitchFamily="49" charset="0"/>
+              </a:rPr>
+              <a:t>Faa </a:t>
+            </a:r>
+            <a:r>
+              <a:rPr lang="en-CA" sz="3200" dirty="0">
+                <a:solidFill>
+                  <a:srgbClr val="FF0000"/>
+                </a:solidFill>
+              </a:rPr>
+              <a:t>B</a:t>
+            </a:r>
+            <a:r>
+              <a:rPr lang="en-CA" dirty="0">
+                <a:latin typeface="Consolas" panose="020B0609020204030204" pitchFamily="49" charset="0"/>
+              </a:rPr>
+              <a:t>;</a:t>
+            </a:r>
+            <a:br>
+              <a:rPr lang="en-CA" dirty="0">
+                <a:latin typeface="Consolas" panose="020B0609020204030204" pitchFamily="49" charset="0"/>
+              </a:rPr>
+            </a:br>
+            <a:r>
+              <a:rPr lang="en-CA" dirty="0">
+                <a:latin typeface="Consolas" panose="020B0609020204030204" pitchFamily="49" charset="0"/>
+              </a:rPr>
+              <a:t>Whatever Faa::operator  ()const;</a:t>
+            </a:r>
+          </a:p>
+          <a:p>
+            <a:pPr marL="0" indent="0">
+              <a:buNone/>
+            </a:pPr>
+            <a:r>
+              <a:rPr lang="en-CA" dirty="0">
+                <a:latin typeface="Consolas" panose="020B0609020204030204" pitchFamily="49" charset="0"/>
+              </a:rPr>
+              <a:t>//</a:t>
+            </a:r>
+            <a:r>
+              <a:rPr lang="en-CA" sz="3200" dirty="0">
+                <a:solidFill>
+                  <a:srgbClr val="FF0000"/>
+                </a:solidFill>
+              </a:rPr>
+              <a:t>*this </a:t>
+            </a:r>
+            <a:r>
+              <a:rPr lang="en-CA" dirty="0">
+                <a:latin typeface="Consolas" panose="020B0609020204030204" pitchFamily="49" charset="0"/>
+              </a:rPr>
+              <a:t>is </a:t>
+            </a:r>
+            <a:r>
+              <a:rPr lang="en-CA" sz="3200" dirty="0">
+                <a:solidFill>
+                  <a:srgbClr val="FF0000"/>
+                </a:solidFill>
+              </a:rPr>
+              <a:t>B</a:t>
+            </a:r>
+            <a:r>
+              <a:rPr lang="en-CA" sz="3200" dirty="0">
+                <a:solidFill>
+                  <a:schemeClr val="accent2">
                     <a:lumMod val="75000"/>
                   </a:schemeClr>
                 </a:solidFill>
               </a:rPr>
-              <a:t>   </a:t>
-            </a:r>
-            <a:endParaRPr lang="en-CA" sz="3600" dirty="0">
-              <a:solidFill>
-                <a:srgbClr val="00B050"/>
-              </a:solidFill>
-              <a:latin typeface="Berlin Sans FB Demi" panose="020E0802020502020306" pitchFamily="34" charset="0"/>
-            </a:endParaRPr>
-          </a:p>
-          <a:p>
-            <a:pPr marL="514350" indent="-514350">
-              <a:buFont typeface="+mj-lt"/>
-              <a:buAutoNum type="arabicPeriod"/>
+              <a:t> </a:t>
+            </a:r>
+            <a:r>
+              <a:rPr lang="en-CA" sz="2000" dirty="0">
+                <a:latin typeface="Consolas" panose="020B0609020204030204" pitchFamily="49" charset="0"/>
+              </a:rPr>
+              <a:t> (Without side-effect, B is read only )</a:t>
+            </a:r>
+          </a:p>
+          <a:p>
+            <a:pPr marL="0" indent="0">
+              <a:buNone/>
             </a:pPr>
             <a:r>
-              <a:rPr lang="en-CA" sz="3600" dirty="0">
-                <a:solidFill>
-                  <a:srgbClr val="00B050"/>
-                </a:solidFill>
-                <a:latin typeface="Berlin Sans FB Demi" panose="020E0802020502020306" pitchFamily="34" charset="0"/>
-              </a:rPr>
-              <a:t>Member operators </a:t>
-            </a:r>
-            <a:r>
-              <a:rPr lang="en-CA" sz="2000" dirty="0">
+              <a:rPr lang="en-CA" sz="3200" dirty="0">
                 <a:solidFill>
                   <a:srgbClr val="FF0000"/>
                 </a:solidFill>
-                <a:latin typeface="Berlin Sans FB Demi" panose="020E0802020502020306" pitchFamily="34" charset="0"/>
-              </a:rPr>
-              <a:t>(preferred)</a:t>
-            </a:r>
-          </a:p>
-          <a:p>
-            <a:pPr marL="457200" lvl="1" indent="0">
+              </a:rPr>
+              <a:t>!B</a:t>
+            </a:r>
+          </a:p>
+          <a:p>
+            <a:pPr marL="0" indent="0">
               <a:buNone/>
             </a:pPr>
             <a:r>
-              <a:rPr lang="en-CA" sz="2800" dirty="0"/>
-              <a:t>The operator functions are member functions of classes involved with the operation. </a:t>
-            </a:r>
-            <a:r>
-              <a:rPr lang="en-CA" sz="2800" dirty="0">
+              <a:rPr lang="en-CA" dirty="0">
+                <a:latin typeface="Consolas" panose="020B0609020204030204" pitchFamily="49" charset="0"/>
+              </a:rPr>
+              <a:t>Whatever Faa::operator  ();</a:t>
+            </a:r>
+          </a:p>
+          <a:p>
+            <a:pPr marL="0" indent="0">
+              <a:buNone/>
+            </a:pPr>
+            <a:r>
+              <a:rPr lang="en-CA" dirty="0">
+                <a:latin typeface="Consolas" panose="020B0609020204030204" pitchFamily="49" charset="0"/>
+              </a:rPr>
+              <a:t>//</a:t>
+            </a:r>
+            <a:r>
+              <a:rPr lang="en-CA" sz="4000" dirty="0">
                 <a:solidFill>
                   <a:srgbClr val="FF0000"/>
                 </a:solidFill>
               </a:rPr>
-              <a:t>Your should always try to use this first</a:t>
-            </a:r>
-            <a:endParaRPr lang="en-CA" dirty="0">
+              <a:t>*this </a:t>
+            </a:r>
+            <a:r>
+              <a:rPr lang="en-CA" dirty="0">
+                <a:latin typeface="Consolas" panose="020B0609020204030204" pitchFamily="49" charset="0"/>
+              </a:rPr>
+              <a:t>is </a:t>
+            </a:r>
+            <a:r>
+              <a:rPr lang="en-CA" sz="4000" dirty="0">
+                <a:solidFill>
+                  <a:srgbClr val="FF0000"/>
+                </a:solidFill>
+              </a:rPr>
+              <a:t>B</a:t>
+            </a:r>
+            <a:r>
+              <a:rPr lang="en-CA" sz="4000" dirty="0">
+                <a:solidFill>
+                  <a:schemeClr val="accent2">
+                    <a:lumMod val="75000"/>
+                  </a:schemeClr>
+                </a:solidFill>
+              </a:rPr>
+              <a:t> </a:t>
+            </a:r>
+            <a:r>
+              <a:rPr lang="en-CA" dirty="0">
+                <a:latin typeface="Consolas" panose="020B0609020204030204" pitchFamily="49" charset="0"/>
+              </a:rPr>
+              <a:t> </a:t>
+            </a:r>
+            <a:br>
+              <a:rPr lang="en-CA" dirty="0">
+                <a:latin typeface="Consolas" panose="020B0609020204030204" pitchFamily="49" charset="0"/>
+              </a:rPr>
+            </a:br>
+            <a:r>
+              <a:rPr lang="en-CA" sz="1800" dirty="0">
+                <a:latin typeface="Consolas" panose="020B0609020204030204" pitchFamily="49" charset="0"/>
+              </a:rPr>
+              <a:t>(With side-effect, B will change)</a:t>
+            </a:r>
+          </a:p>
+          <a:p>
+            <a:pPr marL="0" indent="0">
+              <a:buNone/>
+            </a:pPr>
+            <a:r>
+              <a:rPr lang="en-CA" sz="3200">
+                <a:solidFill>
+                  <a:srgbClr val="FF0000"/>
+                </a:solidFill>
+              </a:rPr>
+              <a:t>++B</a:t>
+            </a:r>
+            <a:endParaRPr lang="en-CA" sz="3200" dirty="0">
               <a:solidFill>
                 <a:srgbClr val="FF0000"/>
               </a:solidFill>
             </a:endParaRPr>
           </a:p>
           <a:p>
-            <a:pPr marL="514350" indent="-514350">
-              <a:buFont typeface="+mj-lt"/>
-              <a:buAutoNum type="arabicPeriod"/>
+            <a:pPr marL="0" indent="0">
+              <a:buNone/>
             </a:pPr>
-            <a:r>
-              <a:rPr lang="en-CA" sz="4400" b="1" dirty="0">
-                <a:solidFill>
-                  <a:srgbClr val="00B050"/>
-                </a:solidFill>
-                <a:latin typeface="Chiller" panose="04020404031007020602" pitchFamily="82" charset="0"/>
-              </a:rPr>
-              <a:t>Non-member or standalone operators</a:t>
-            </a:r>
-            <a:r>
-              <a:rPr lang="en-CA" b="1" dirty="0">
-                <a:solidFill>
-                  <a:srgbClr val="00B050"/>
-                </a:solidFill>
-                <a:latin typeface="Chiller" panose="04020404031007020602" pitchFamily="82" charset="0"/>
-              </a:rPr>
-              <a:t> </a:t>
-            </a:r>
-            <a:br>
-              <a:rPr lang="en-CA" b="1" dirty="0">
-                <a:solidFill>
-                  <a:srgbClr val="00B050"/>
-                </a:solidFill>
-                <a:latin typeface="Chiller" panose="04020404031007020602" pitchFamily="82" charset="0"/>
-              </a:rPr>
-            </a:br>
-            <a:r>
-              <a:rPr lang="en-CA" sz="2400" dirty="0">
-                <a:solidFill>
-                  <a:srgbClr val="00B050"/>
-                </a:solidFill>
-                <a:latin typeface="Chiller" panose="04020404031007020602" pitchFamily="82" charset="0"/>
-              </a:rPr>
-              <a:t>                            </a:t>
-            </a:r>
-            <a:r>
-              <a:rPr lang="en-CA" sz="2400" dirty="0">
-                <a:solidFill>
-                  <a:srgbClr val="00B050"/>
-                </a:solidFill>
-              </a:rPr>
-              <a:t>(these are also called helper functions or helper operators) </a:t>
-            </a:r>
-            <a:br>
-              <a:rPr lang="en-CA" sz="4400" b="1" dirty="0">
-                <a:solidFill>
-                  <a:srgbClr val="00B050"/>
-                </a:solidFill>
-                <a:latin typeface="Chiller" panose="04020404031007020602" pitchFamily="82" charset="0"/>
-              </a:rPr>
-            </a:br>
-            <a:r>
-              <a:rPr lang="en-CA" dirty="0"/>
-              <a:t>The operator functions are NOT member functions. They are standalone  functions that accept operands as arguments. </a:t>
-            </a:r>
-            <a:br>
-              <a:rPr lang="en-CA" dirty="0"/>
-            </a:br>
-            <a:r>
-              <a:rPr lang="en-CA" dirty="0">
-                <a:solidFill>
-                  <a:srgbClr val="FF0000"/>
-                </a:solidFill>
-              </a:rPr>
-              <a:t>You should not use these unless you have to.</a:t>
-            </a:r>
-            <a:endParaRPr lang="en-CA" sz="3600" b="1" dirty="0">
-              <a:solidFill>
-                <a:srgbClr val="FF0000"/>
-              </a:solidFill>
-              <a:latin typeface="Chiller" panose="04020404031007020602" pitchFamily="82" charset="0"/>
+            <a:endParaRPr lang="en-CA" sz="3600" dirty="0">
+              <a:latin typeface="Consolas" panose="020B0609020204030204" pitchFamily="49" charset="0"/>
+            </a:endParaRPr>
+          </a:p>
+        </p:txBody>
+      </p:sp>
+      <p:pic>
+        <p:nvPicPr>
+          <p:cNvPr id="17" name="Content Placeholder 4" descr="Medical">
+            <a:extLst>
+              <a:ext uri="{FF2B5EF4-FFF2-40B4-BE49-F238E27FC236}">
+                <a16:creationId xmlns:a16="http://schemas.microsoft.com/office/drawing/2014/main" id="{B32922FD-12AF-4F2A-B3EA-04CE9DA232C0}"/>
+              </a:ext>
+            </a:extLst>
+          </p:cNvPr>
+          <p:cNvPicPr>
+            <a:picLocks noChangeAspect="1"/>
+          </p:cNvPicPr>
+          <p:nvPr/>
+        </p:nvPicPr>
+        <p:blipFill>
+          <a:blip r:embed="rId2">
+            <a:extLst>
+              <a:ext uri="{28A0092B-C50C-407E-A947-70E740481C1C}">
+                <a14:useLocalDpi xmlns:a14="http://schemas.microsoft.com/office/drawing/2010/main" val="0"/>
+              </a:ext>
+              <a:ext uri="{96DAC541-7B7A-43D3-8B79-37D633B846F1}">
+                <asvg:svgBlip xmlns:asvg="http://schemas.microsoft.com/office/drawing/2016/SVG/main" r:embed="rId3"/>
+              </a:ext>
+            </a:extLst>
+          </a:blip>
+          <a:stretch>
+            <a:fillRect/>
+          </a:stretch>
+        </p:blipFill>
+        <p:spPr>
+          <a:xfrm>
+            <a:off x="7608953" y="2465091"/>
+            <a:ext cx="331325" cy="331325"/>
+          </a:xfrm>
+          <a:prstGeom prst="rect">
+            <a:avLst/>
+          </a:prstGeom>
+        </p:spPr>
+      </p:pic>
+      <p:pic>
+        <p:nvPicPr>
+          <p:cNvPr id="18" name="Content Placeholder 4" descr="Medical">
+            <a:extLst>
+              <a:ext uri="{FF2B5EF4-FFF2-40B4-BE49-F238E27FC236}">
+                <a16:creationId xmlns:a16="http://schemas.microsoft.com/office/drawing/2014/main" id="{2A1D2053-DA21-4601-9C85-1B3F09D915E4}"/>
+              </a:ext>
+            </a:extLst>
+          </p:cNvPr>
+          <p:cNvPicPr>
+            <a:picLocks noChangeAspect="1"/>
+          </p:cNvPicPr>
+          <p:nvPr/>
+        </p:nvPicPr>
+        <p:blipFill>
+          <a:blip r:embed="rId2">
+            <a:extLst>
+              <a:ext uri="{28A0092B-C50C-407E-A947-70E740481C1C}">
+                <a14:useLocalDpi xmlns:a14="http://schemas.microsoft.com/office/drawing/2010/main" val="0"/>
+              </a:ext>
+              <a:ext uri="{96DAC541-7B7A-43D3-8B79-37D633B846F1}">
+                <asvg:svgBlip xmlns:asvg="http://schemas.microsoft.com/office/drawing/2016/SVG/main" r:embed="rId3"/>
+              </a:ext>
+            </a:extLst>
+          </a:blip>
+          <a:stretch>
+            <a:fillRect/>
+          </a:stretch>
+        </p:blipFill>
+        <p:spPr>
+          <a:xfrm>
+            <a:off x="7608953" y="4118876"/>
+            <a:ext cx="331325" cy="331325"/>
+          </a:xfrm>
+          <a:prstGeom prst="rect">
+            <a:avLst/>
+          </a:prstGeom>
+        </p:spPr>
+      </p:pic>
+      <p:sp>
+        <p:nvSpPr>
+          <p:cNvPr id="9" name="Rectangle: Rounded Corners 8">
+            <a:extLst>
+              <a:ext uri="{FF2B5EF4-FFF2-40B4-BE49-F238E27FC236}">
+                <a16:creationId xmlns:a16="http://schemas.microsoft.com/office/drawing/2014/main" id="{B96EBABA-5369-4649-8979-3200CDAAE604}"/>
+              </a:ext>
+            </a:extLst>
+          </p:cNvPr>
+          <p:cNvSpPr/>
+          <p:nvPr/>
+        </p:nvSpPr>
+        <p:spPr>
+          <a:xfrm rot="3084440">
+            <a:off x="-164497" y="4595404"/>
+            <a:ext cx="3072662" cy="1058090"/>
+          </a:xfrm>
+          <a:prstGeom prst="roundRect">
+            <a:avLst/>
+          </a:prstGeom>
+          <a:solidFill>
+            <a:srgbClr val="FF0000"/>
+          </a:solidFill>
+        </p:spPr>
+        <p:style>
+          <a:lnRef idx="2">
+            <a:schemeClr val="accent1">
+              <a:shade val="50000"/>
+            </a:schemeClr>
+          </a:lnRef>
+          <a:fillRef idx="1">
+            <a:schemeClr val="accent1"/>
+          </a:fillRef>
+          <a:effectRef idx="0">
+            <a:schemeClr val="accent1"/>
+          </a:effectRef>
+          <a:fontRef idx="minor">
+            <a:schemeClr val="lt1"/>
+          </a:fontRef>
+        </p:style>
+        <p:txBody>
+          <a:bodyPr rtlCol="0" anchor="ctr"/>
+          <a:lstStyle/>
+          <a:p>
+            <a:pPr algn="ctr"/>
+            <a:r>
+              <a:rPr lang="en-CA" sz="4800" b="1" dirty="0">
+                <a:latin typeface="Bodoni MT Condensed" panose="02070606080606020203" pitchFamily="18" charset="0"/>
+              </a:rPr>
+              <a:t>Unary(prefix)</a:t>
+            </a:r>
+            <a:endParaRPr lang="en-CA" sz="1200" b="1" dirty="0">
+              <a:latin typeface="Bodoni MT Condensed" panose="02070606080606020203" pitchFamily="18" charset="0"/>
             </a:endParaRPr>
           </a:p>
         </p:txBody>
@@ -4309,7 +5248,7 @@
     </p:spTree>
     <p:extLst>
       <p:ext uri="{BB962C8B-B14F-4D97-AF65-F5344CB8AC3E}">
-        <p14:creationId xmlns:p14="http://schemas.microsoft.com/office/powerpoint/2010/main" val="3220026340"/>
+        <p14:creationId xmlns:p14="http://schemas.microsoft.com/office/powerpoint/2010/main" val="2234118281"/>
       </p:ext>
     </p:extLst>
   </p:cSld>
@@ -4398,13 +5337,321 @@
         </p:spPr>
         <p:txBody>
           <a:bodyPr>
+            <a:normAutofit fontScale="77500" lnSpcReduction="20000"/>
+          </a:bodyPr>
+          <a:lstStyle/>
+          <a:p>
+            <a:pPr marL="0" indent="0">
+              <a:buNone/>
+            </a:pPr>
+            <a:r>
+              <a:rPr lang="en-CA" sz="3200" dirty="0"/>
+              <a:t>      </a:t>
+            </a:r>
+            <a:r>
+              <a:rPr lang="en-CA" sz="3200" dirty="0">
+                <a:solidFill>
+                  <a:srgbClr val="FF0000"/>
+                </a:solidFill>
+              </a:rPr>
+              <a:t>B++</a:t>
+            </a:r>
+            <a:br>
+              <a:rPr lang="en-CA" sz="3200" dirty="0">
+                <a:solidFill>
+                  <a:srgbClr val="FF0000"/>
+                </a:solidFill>
+              </a:rPr>
+            </a:br>
+            <a:r>
+              <a:rPr lang="en-CA" sz="3200" dirty="0">
+                <a:solidFill>
+                  <a:srgbClr val="FF0000"/>
+                </a:solidFill>
+              </a:rPr>
+              <a:t>      B--</a:t>
+            </a:r>
+            <a:r>
+              <a:rPr lang="en-CA" sz="3600" dirty="0"/>
+              <a:t> </a:t>
+            </a:r>
+          </a:p>
+        </p:txBody>
+      </p:sp>
+      <p:sp>
+        <p:nvSpPr>
+          <p:cNvPr id="16" name="Content Placeholder 2">
+            <a:extLst>
+              <a:ext uri="{FF2B5EF4-FFF2-40B4-BE49-F238E27FC236}">
+                <a16:creationId xmlns:a16="http://schemas.microsoft.com/office/drawing/2014/main" id="{2525FA46-6E1F-4C7F-91F5-20684ECEF6E9}"/>
+              </a:ext>
+            </a:extLst>
+          </p:cNvPr>
+          <p:cNvSpPr txBox="1">
+            <a:spLocks/>
+          </p:cNvSpPr>
+          <p:nvPr/>
+        </p:nvSpPr>
+        <p:spPr>
+          <a:xfrm>
+            <a:off x="3209925" y="1913039"/>
+            <a:ext cx="8210550" cy="4422911"/>
+          </a:xfrm>
+          <a:prstGeom prst="rect">
+            <a:avLst/>
+          </a:prstGeom>
+        </p:spPr>
+        <p:txBody>
+          <a:bodyPr vert="horz" lIns="91440" tIns="45720" rIns="91440" bIns="45720" rtlCol="0">
             <a:normAutofit/>
           </a:bodyPr>
-          <a:lstStyle/>
+          <a:lstStyle>
+            <a:lvl1pPr marL="228600" indent="-228600" algn="l" defTabSz="914400" rtl="0" eaLnBrk="1" latinLnBrk="0" hangingPunct="1">
+              <a:lnSpc>
+                <a:spcPct val="90000"/>
+              </a:lnSpc>
+              <a:spcBef>
+                <a:spcPts val="1000"/>
+              </a:spcBef>
+              <a:buFont typeface="Arial" panose="020B0604020202020204" pitchFamily="34" charset="0"/>
+              <a:buChar char="•"/>
+              <a:defRPr sz="2800" kern="1200">
+                <a:solidFill>
+                  <a:schemeClr val="tx1"/>
+                </a:solidFill>
+                <a:latin typeface="+mn-lt"/>
+                <a:ea typeface="+mn-ea"/>
+                <a:cs typeface="+mn-cs"/>
+              </a:defRPr>
+            </a:lvl1pPr>
+            <a:lvl2pPr marL="685800" indent="-228600" algn="l" defTabSz="914400" rtl="0" eaLnBrk="1" latinLnBrk="0" hangingPunct="1">
+              <a:lnSpc>
+                <a:spcPct val="90000"/>
+              </a:lnSpc>
+              <a:spcBef>
+                <a:spcPts val="500"/>
+              </a:spcBef>
+              <a:buFont typeface="Arial" panose="020B0604020202020204" pitchFamily="34" charset="0"/>
+              <a:buChar char="•"/>
+              <a:defRPr sz="2400" kern="1200">
+                <a:solidFill>
+                  <a:schemeClr val="tx1"/>
+                </a:solidFill>
+                <a:latin typeface="+mn-lt"/>
+                <a:ea typeface="+mn-ea"/>
+                <a:cs typeface="+mn-cs"/>
+              </a:defRPr>
+            </a:lvl2pPr>
+            <a:lvl3pPr marL="1143000" indent="-228600" algn="l" defTabSz="914400" rtl="0" eaLnBrk="1" latinLnBrk="0" hangingPunct="1">
+              <a:lnSpc>
+                <a:spcPct val="90000"/>
+              </a:lnSpc>
+              <a:spcBef>
+                <a:spcPts val="500"/>
+              </a:spcBef>
+              <a:buFont typeface="Arial" panose="020B0604020202020204" pitchFamily="34" charset="0"/>
+              <a:buChar char="•"/>
+              <a:defRPr sz="2000" kern="1200">
+                <a:solidFill>
+                  <a:schemeClr val="tx1"/>
+                </a:solidFill>
+                <a:latin typeface="+mn-lt"/>
+                <a:ea typeface="+mn-ea"/>
+                <a:cs typeface="+mn-cs"/>
+              </a:defRPr>
+            </a:lvl3pPr>
+            <a:lvl4pPr marL="1600200" indent="-228600" algn="l" defTabSz="914400" rtl="0" eaLnBrk="1" latinLnBrk="0" hangingPunct="1">
+              <a:lnSpc>
+                <a:spcPct val="90000"/>
+              </a:lnSpc>
+              <a:spcBef>
+                <a:spcPts val="500"/>
+              </a:spcBef>
+              <a:buFont typeface="Arial" panose="020B0604020202020204" pitchFamily="34" charset="0"/>
+              <a:buChar char="•"/>
+              <a:defRPr sz="1800" kern="1200">
+                <a:solidFill>
+                  <a:schemeClr val="tx1"/>
+                </a:solidFill>
+                <a:latin typeface="+mn-lt"/>
+                <a:ea typeface="+mn-ea"/>
+                <a:cs typeface="+mn-cs"/>
+              </a:defRPr>
+            </a:lvl4pPr>
+            <a:lvl5pPr marL="2057400" indent="-228600" algn="l" defTabSz="914400" rtl="0" eaLnBrk="1" latinLnBrk="0" hangingPunct="1">
+              <a:lnSpc>
+                <a:spcPct val="90000"/>
+              </a:lnSpc>
+              <a:spcBef>
+                <a:spcPts val="500"/>
+              </a:spcBef>
+              <a:buFont typeface="Arial" panose="020B0604020202020204" pitchFamily="34" charset="0"/>
+              <a:buChar char="•"/>
+              <a:defRPr sz="1800" kern="1200">
+                <a:solidFill>
+                  <a:schemeClr val="tx1"/>
+                </a:solidFill>
+                <a:latin typeface="+mn-lt"/>
+                <a:ea typeface="+mn-ea"/>
+                <a:cs typeface="+mn-cs"/>
+              </a:defRPr>
+            </a:lvl5pPr>
+            <a:lvl6pPr marL="2514600" indent="-228600" algn="l" defTabSz="914400" rtl="0" eaLnBrk="1" latinLnBrk="0" hangingPunct="1">
+              <a:lnSpc>
+                <a:spcPct val="90000"/>
+              </a:lnSpc>
+              <a:spcBef>
+                <a:spcPts val="500"/>
+              </a:spcBef>
+              <a:buFont typeface="Arial" panose="020B0604020202020204" pitchFamily="34" charset="0"/>
+              <a:buChar char="•"/>
+              <a:defRPr sz="1800" kern="1200">
+                <a:solidFill>
+                  <a:schemeClr val="tx1"/>
+                </a:solidFill>
+                <a:latin typeface="+mn-lt"/>
+                <a:ea typeface="+mn-ea"/>
+                <a:cs typeface="+mn-cs"/>
+              </a:defRPr>
+            </a:lvl6pPr>
+            <a:lvl7pPr marL="2971800" indent="-228600" algn="l" defTabSz="914400" rtl="0" eaLnBrk="1" latinLnBrk="0" hangingPunct="1">
+              <a:lnSpc>
+                <a:spcPct val="90000"/>
+              </a:lnSpc>
+              <a:spcBef>
+                <a:spcPts val="500"/>
+              </a:spcBef>
+              <a:buFont typeface="Arial" panose="020B0604020202020204" pitchFamily="34" charset="0"/>
+              <a:buChar char="•"/>
+              <a:defRPr sz="1800" kern="1200">
+                <a:solidFill>
+                  <a:schemeClr val="tx1"/>
+                </a:solidFill>
+                <a:latin typeface="+mn-lt"/>
+                <a:ea typeface="+mn-ea"/>
+                <a:cs typeface="+mn-cs"/>
+              </a:defRPr>
+            </a:lvl7pPr>
+            <a:lvl8pPr marL="3429000" indent="-228600" algn="l" defTabSz="914400" rtl="0" eaLnBrk="1" latinLnBrk="0" hangingPunct="1">
+              <a:lnSpc>
+                <a:spcPct val="90000"/>
+              </a:lnSpc>
+              <a:spcBef>
+                <a:spcPts val="500"/>
+              </a:spcBef>
+              <a:buFont typeface="Arial" panose="020B0604020202020204" pitchFamily="34" charset="0"/>
+              <a:buChar char="•"/>
+              <a:defRPr sz="1800" kern="1200">
+                <a:solidFill>
+                  <a:schemeClr val="tx1"/>
+                </a:solidFill>
+                <a:latin typeface="+mn-lt"/>
+                <a:ea typeface="+mn-ea"/>
+                <a:cs typeface="+mn-cs"/>
+              </a:defRPr>
+            </a:lvl8pPr>
+            <a:lvl9pPr marL="3886200" indent="-228600" algn="l" defTabSz="914400" rtl="0" eaLnBrk="1" latinLnBrk="0" hangingPunct="1">
+              <a:lnSpc>
+                <a:spcPct val="90000"/>
+              </a:lnSpc>
+              <a:spcBef>
+                <a:spcPts val="500"/>
+              </a:spcBef>
+              <a:buFont typeface="Arial" panose="020B0604020202020204" pitchFamily="34" charset="0"/>
+              <a:buChar char="•"/>
+              <a:defRPr sz="1800" kern="1200">
+                <a:solidFill>
+                  <a:schemeClr val="tx1"/>
+                </a:solidFill>
+                <a:latin typeface="+mn-lt"/>
+                <a:ea typeface="+mn-ea"/>
+                <a:cs typeface="+mn-cs"/>
+              </a:defRPr>
+            </a:lvl9pPr>
+          </a:lstStyle>
           <a:p>
             <a:pPr marL="0" indent="0">
               <a:buNone/>
             </a:pPr>
+            <a:r>
+              <a:rPr lang="en-CA" dirty="0">
+                <a:latin typeface="Consolas" panose="020B0609020204030204" pitchFamily="49" charset="0"/>
+              </a:rPr>
+              <a:t>Faa </a:t>
+            </a:r>
+            <a:r>
+              <a:rPr lang="en-CA" sz="3200" dirty="0">
+                <a:solidFill>
+                  <a:srgbClr val="FF0000"/>
+                </a:solidFill>
+              </a:rPr>
+              <a:t>B</a:t>
+            </a:r>
+            <a:r>
+              <a:rPr lang="en-CA" dirty="0">
+                <a:latin typeface="Consolas" panose="020B0609020204030204" pitchFamily="49" charset="0"/>
+              </a:rPr>
+              <a:t>;</a:t>
+            </a:r>
+            <a:br>
+              <a:rPr lang="en-CA" dirty="0">
+                <a:latin typeface="Consolas" panose="020B0609020204030204" pitchFamily="49" charset="0"/>
+              </a:rPr>
+            </a:br>
+            <a:r>
+              <a:rPr lang="en-CA" dirty="0">
+                <a:latin typeface="Consolas" panose="020B0609020204030204" pitchFamily="49" charset="0"/>
+              </a:rPr>
+              <a:t>Whatever Faa::operator--(</a:t>
+            </a:r>
+            <a:r>
+              <a:rPr lang="en-CA" dirty="0">
+                <a:solidFill>
+                  <a:srgbClr val="00B0F0"/>
+                </a:solidFill>
+                <a:latin typeface="Consolas" panose="020B0609020204030204" pitchFamily="49" charset="0"/>
+              </a:rPr>
+              <a:t>int</a:t>
+            </a:r>
+            <a:r>
+              <a:rPr lang="en-CA" dirty="0">
+                <a:latin typeface="Consolas" panose="020B0609020204030204" pitchFamily="49" charset="0"/>
+              </a:rPr>
+              <a:t>)const;</a:t>
+            </a:r>
+          </a:p>
+          <a:p>
+            <a:pPr marL="0" indent="0">
+              <a:buNone/>
+            </a:pPr>
+            <a:r>
+              <a:rPr lang="en-CA" dirty="0">
+                <a:latin typeface="Consolas" panose="020B0609020204030204" pitchFamily="49" charset="0"/>
+              </a:rPr>
+              <a:t>//</a:t>
+            </a:r>
+            <a:r>
+              <a:rPr lang="en-CA" sz="3200" dirty="0">
+                <a:solidFill>
+                  <a:srgbClr val="FF0000"/>
+                </a:solidFill>
+              </a:rPr>
+              <a:t>*this </a:t>
+            </a:r>
+            <a:r>
+              <a:rPr lang="en-CA" dirty="0">
+                <a:latin typeface="Consolas" panose="020B0609020204030204" pitchFamily="49" charset="0"/>
+              </a:rPr>
+              <a:t>is </a:t>
+            </a:r>
+            <a:r>
+              <a:rPr lang="en-CA" sz="3200" dirty="0">
+                <a:solidFill>
+                  <a:srgbClr val="FF0000"/>
+                </a:solidFill>
+              </a:rPr>
+              <a:t>B</a:t>
+            </a:r>
             <a:r>
               <a:rPr lang="en-CA" sz="3200" dirty="0">
                 <a:solidFill>
@@ -4413,72 +5660,143 @@
                   </a:schemeClr>
                 </a:solidFill>
               </a:rPr>
-              <a:t>A</a:t>
-            </a:r>
-            <a:r>
-              <a:rPr lang="en-CA" sz="3200" dirty="0"/>
-              <a:t>      </a:t>
-            </a:r>
+              <a:t> </a:t>
+            </a:r>
+            <a:r>
+              <a:rPr lang="en-CA" sz="2000" dirty="0">
+                <a:latin typeface="Consolas" panose="020B0609020204030204" pitchFamily="49" charset="0"/>
+              </a:rPr>
+              <a:t> (Without side-effect, B is read only )</a:t>
+            </a:r>
+          </a:p>
+          <a:p>
+            <a:pPr marL="0" indent="0">
+              <a:buNone/>
+            </a:pPr>
             <a:r>
               <a:rPr lang="en-CA" sz="3200" dirty="0">
                 <a:solidFill>
                   <a:srgbClr val="FF0000"/>
                 </a:solidFill>
               </a:rPr>
+              <a:t>B--</a:t>
+            </a:r>
+          </a:p>
+          <a:p>
+            <a:pPr marL="0" indent="0">
+              <a:buNone/>
+            </a:pPr>
+            <a:r>
+              <a:rPr lang="en-CA" dirty="0">
+                <a:latin typeface="Consolas" panose="020B0609020204030204" pitchFamily="49" charset="0"/>
+              </a:rPr>
+              <a:t>Whatever Faa::operator++(</a:t>
+            </a:r>
+            <a:r>
+              <a:rPr lang="en-CA" dirty="0">
+                <a:solidFill>
+                  <a:srgbClr val="00B0F0"/>
+                </a:solidFill>
+                <a:latin typeface="Consolas" panose="020B0609020204030204" pitchFamily="49" charset="0"/>
+              </a:rPr>
+              <a:t>int</a:t>
+            </a:r>
+            <a:r>
+              <a:rPr lang="en-CA" dirty="0">
+                <a:latin typeface="Consolas" panose="020B0609020204030204" pitchFamily="49" charset="0"/>
+              </a:rPr>
+              <a:t>);</a:t>
+            </a:r>
+          </a:p>
+          <a:p>
+            <a:pPr marL="0" indent="0">
+              <a:buNone/>
+            </a:pPr>
+            <a:r>
+              <a:rPr lang="en-CA" dirty="0">
+                <a:latin typeface="Consolas" panose="020B0609020204030204" pitchFamily="49" charset="0"/>
+              </a:rPr>
+              <a:t>//</a:t>
+            </a:r>
+            <a:r>
+              <a:rPr lang="en-CA" sz="4000" dirty="0">
+                <a:solidFill>
+                  <a:srgbClr val="FF0000"/>
+                </a:solidFill>
+              </a:rPr>
+              <a:t>*this </a:t>
+            </a:r>
+            <a:r>
+              <a:rPr lang="en-CA" dirty="0">
+                <a:latin typeface="Consolas" panose="020B0609020204030204" pitchFamily="49" charset="0"/>
+              </a:rPr>
+              <a:t>is </a:t>
+            </a:r>
+            <a:r>
+              <a:rPr lang="en-CA" sz="4000" dirty="0">
+                <a:solidFill>
+                  <a:srgbClr val="FF0000"/>
+                </a:solidFill>
+              </a:rPr>
               <a:t>B</a:t>
             </a:r>
             <a:r>
-              <a:rPr lang="en-CA" sz="3600" dirty="0"/>
+              <a:rPr lang="en-CA" sz="4000" dirty="0">
+                <a:solidFill>
+                  <a:schemeClr val="accent2">
+                    <a:lumMod val="75000"/>
+                  </a:schemeClr>
+                </a:solidFill>
+              </a:rPr>
               <a:t> </a:t>
             </a:r>
-          </a:p>
-        </p:txBody>
-      </p:sp>
-      <p:pic>
-        <p:nvPicPr>
-          <p:cNvPr id="4" name="Content Placeholder 4" descr="Medical">
-            <a:extLst>
-              <a:ext uri="{FF2B5EF4-FFF2-40B4-BE49-F238E27FC236}">
-                <a16:creationId xmlns:a16="http://schemas.microsoft.com/office/drawing/2014/main" id="{C4330D96-084C-4217-8A84-3BCFDD7B0AC3}"/>
-              </a:ext>
-            </a:extLst>
-          </p:cNvPr>
-          <p:cNvPicPr>
-            <a:picLocks noChangeAspect="1"/>
-          </p:cNvPicPr>
-          <p:nvPr/>
-        </p:nvPicPr>
-        <p:blipFill>
-          <a:blip r:embed="rId2">
-            <a:extLst>
-              <a:ext uri="{28A0092B-C50C-407E-A947-70E740481C1C}">
-                <a14:useLocalDpi xmlns:a14="http://schemas.microsoft.com/office/drawing/2010/main" val="0"/>
-              </a:ext>
-              <a:ext uri="{96DAC541-7B7A-43D3-8B79-37D633B846F1}">
-                <asvg:svgBlip xmlns:asvg="http://schemas.microsoft.com/office/drawing/2016/SVG/main" r:embed="rId3"/>
-              </a:ext>
-            </a:extLst>
-          </a:blip>
-          <a:stretch>
-            <a:fillRect/>
-          </a:stretch>
-        </p:blipFill>
-        <p:spPr>
-          <a:xfrm>
-            <a:off x="1738281" y="2226619"/>
-            <a:ext cx="331325" cy="331325"/>
-          </a:xfrm>
-          <a:prstGeom prst="rect">
-            <a:avLst/>
-          </a:prstGeom>
-        </p:spPr>
-      </p:pic>
-      <p:sp>
-        <p:nvSpPr>
-          <p:cNvPr id="33" name="Rectangle: Rounded Corners 32">
-            <a:extLst>
-              <a:ext uri="{FF2B5EF4-FFF2-40B4-BE49-F238E27FC236}">
-                <a16:creationId xmlns:a16="http://schemas.microsoft.com/office/drawing/2014/main" id="{163050A5-C655-44C5-852B-0610DEE5B339}"/>
+            <a:r>
+              <a:rPr lang="en-CA" dirty="0">
+                <a:latin typeface="Consolas" panose="020B0609020204030204" pitchFamily="49" charset="0"/>
+              </a:rPr>
+              <a:t> </a:t>
+            </a:r>
+            <a:br>
+              <a:rPr lang="en-CA" dirty="0">
+                <a:latin typeface="Consolas" panose="020B0609020204030204" pitchFamily="49" charset="0"/>
+              </a:rPr>
+            </a:br>
+            <a:r>
+              <a:rPr lang="en-CA" sz="1800" dirty="0">
+                <a:latin typeface="Consolas" panose="020B0609020204030204" pitchFamily="49" charset="0"/>
+              </a:rPr>
+              <a:t>(With side-effect, B will change)</a:t>
+            </a:r>
+          </a:p>
+          <a:p>
+            <a:pPr marL="0" indent="0">
+              <a:buNone/>
+            </a:pPr>
+            <a:r>
+              <a:rPr lang="en-CA" sz="3200" dirty="0">
+                <a:solidFill>
+                  <a:srgbClr val="FF0000"/>
+                </a:solidFill>
+              </a:rPr>
+              <a:t>B++</a:t>
+            </a:r>
+          </a:p>
+          <a:p>
+            <a:pPr marL="0" indent="0">
+              <a:buNone/>
+            </a:pPr>
+            <a:endParaRPr lang="en-CA" sz="3600" dirty="0">
+              <a:latin typeface="Consolas" panose="020B0609020204030204" pitchFamily="49" charset="0"/>
+            </a:endParaRPr>
+          </a:p>
+        </p:txBody>
+      </p:sp>
+      <p:sp>
+        <p:nvSpPr>
+          <p:cNvPr id="10" name="Rectangle: Rounded Corners 9">
+            <a:extLst>
+              <a:ext uri="{FF2B5EF4-FFF2-40B4-BE49-F238E27FC236}">
+                <a16:creationId xmlns:a16="http://schemas.microsoft.com/office/drawing/2014/main" id="{0C44FC09-94B6-40A0-AC26-1FF61CB94CDE}"/>
               </a:ext>
             </a:extLst>
           </p:cNvPr>
@@ -4486,9 +5804,9 @@
           <p:nvPr/>
         </p:nvSpPr>
         <p:spPr>
-          <a:xfrm rot="2511204">
-            <a:off x="-13807" y="4748209"/>
-            <a:ext cx="2823693" cy="1169723"/>
+          <a:xfrm rot="3428798">
+            <a:off x="-204683" y="4388163"/>
+            <a:ext cx="3543027" cy="1058090"/>
           </a:xfrm>
           <a:prstGeom prst="roundRect">
             <a:avLst/>
@@ -4519,521 +5837,21 @@
           <a:p>
             <a:pPr algn="ctr"/>
             <a:r>
-              <a:rPr lang="en-CA" sz="6600" b="1" dirty="0">
+              <a:rPr lang="en-CA" sz="4800" b="1" dirty="0">
                 <a:latin typeface="Bodoni MT Condensed" panose="02070606080606020203" pitchFamily="18" charset="0"/>
               </a:rPr>
-              <a:t>Binary</a:t>
-            </a:r>
-            <a:endParaRPr lang="en-CA" b="1" dirty="0">
+              <a:t>Unary(postfix)</a:t>
+            </a:r>
+            <a:endParaRPr lang="en-CA" sz="1200" b="1" dirty="0">
               <a:latin typeface="Bodoni MT Condensed" panose="02070606080606020203" pitchFamily="18" charset="0"/>
             </a:endParaRPr>
           </a:p>
         </p:txBody>
       </p:sp>
-      <p:sp>
-        <p:nvSpPr>
-          <p:cNvPr id="16" name="Content Placeholder 2">
-            <a:extLst>
-              <a:ext uri="{FF2B5EF4-FFF2-40B4-BE49-F238E27FC236}">
-                <a16:creationId xmlns:a16="http://schemas.microsoft.com/office/drawing/2014/main" id="{2525FA46-6E1F-4C7F-91F5-20684ECEF6E9}"/>
-              </a:ext>
-            </a:extLst>
-          </p:cNvPr>
-          <p:cNvSpPr txBox="1">
-            <a:spLocks/>
-          </p:cNvSpPr>
-          <p:nvPr/>
-        </p:nvSpPr>
-        <p:spPr>
-          <a:xfrm>
-            <a:off x="3209925" y="1920738"/>
-            <a:ext cx="8210550" cy="4422911"/>
-          </a:xfrm>
-          <a:prstGeom prst="rect">
-            <a:avLst/>
-          </a:prstGeom>
-        </p:spPr>
-        <p:txBody>
-          <a:bodyPr vert="horz" lIns="91440" tIns="45720" rIns="91440" bIns="45720" rtlCol="0">
-            <a:normAutofit/>
-          </a:bodyPr>
-          <a:lstStyle>
-            <a:lvl1pPr marL="228600" indent="-228600" algn="l" defTabSz="914400" rtl="0" eaLnBrk="1" latinLnBrk="0" hangingPunct="1">
-              <a:lnSpc>
-                <a:spcPct val="90000"/>
-              </a:lnSpc>
-              <a:spcBef>
-                <a:spcPts val="1000"/>
-              </a:spcBef>
-              <a:buFont typeface="Arial" panose="020B0604020202020204" pitchFamily="34" charset="0"/>
-              <a:buChar char="•"/>
-              <a:defRPr sz="2800" kern="1200">
-                <a:solidFill>
-                  <a:schemeClr val="tx1"/>
-                </a:solidFill>
-                <a:latin typeface="+mn-lt"/>
-                <a:ea typeface="+mn-ea"/>
-                <a:cs typeface="+mn-cs"/>
-              </a:defRPr>
-            </a:lvl1pPr>
-            <a:lvl2pPr marL="685800" indent="-228600" algn="l" defTabSz="914400" rtl="0" eaLnBrk="1" latinLnBrk="0" hangingPunct="1">
-              <a:lnSpc>
-                <a:spcPct val="90000"/>
-              </a:lnSpc>
-              <a:spcBef>
-                <a:spcPts val="500"/>
-              </a:spcBef>
-              <a:buFont typeface="Arial" panose="020B0604020202020204" pitchFamily="34" charset="0"/>
-              <a:buChar char="•"/>
-              <a:defRPr sz="2400" kern="1200">
-                <a:solidFill>
-                  <a:schemeClr val="tx1"/>
-                </a:solidFill>
-                <a:latin typeface="+mn-lt"/>
-                <a:ea typeface="+mn-ea"/>
-                <a:cs typeface="+mn-cs"/>
-              </a:defRPr>
-            </a:lvl2pPr>
-            <a:lvl3pPr marL="1143000" indent="-228600" algn="l" defTabSz="914400" rtl="0" eaLnBrk="1" latinLnBrk="0" hangingPunct="1">
-              <a:lnSpc>
-                <a:spcPct val="90000"/>
-              </a:lnSpc>
-              <a:spcBef>
-                <a:spcPts val="500"/>
-              </a:spcBef>
-              <a:buFont typeface="Arial" panose="020B0604020202020204" pitchFamily="34" charset="0"/>
-              <a:buChar char="•"/>
-              <a:defRPr sz="2000" kern="1200">
-                <a:solidFill>
-                  <a:schemeClr val="tx1"/>
-                </a:solidFill>
-                <a:latin typeface="+mn-lt"/>
-                <a:ea typeface="+mn-ea"/>
-                <a:cs typeface="+mn-cs"/>
-              </a:defRPr>
-            </a:lvl3pPr>
-            <a:lvl4pPr marL="1600200" indent="-228600" algn="l" defTabSz="914400" rtl="0" eaLnBrk="1" latinLnBrk="0" hangingPunct="1">
-              <a:lnSpc>
-                <a:spcPct val="90000"/>
-              </a:lnSpc>
-              <a:spcBef>
-                <a:spcPts val="500"/>
-              </a:spcBef>
-              <a:buFont typeface="Arial" panose="020B0604020202020204" pitchFamily="34" charset="0"/>
-              <a:buChar char="•"/>
-              <a:defRPr sz="1800" kern="1200">
-                <a:solidFill>
-                  <a:schemeClr val="tx1"/>
-                </a:solidFill>
-                <a:latin typeface="+mn-lt"/>
-                <a:ea typeface="+mn-ea"/>
-                <a:cs typeface="+mn-cs"/>
-              </a:defRPr>
-            </a:lvl4pPr>
-            <a:lvl5pPr marL="2057400" indent="-228600" algn="l" defTabSz="914400" rtl="0" eaLnBrk="1" latinLnBrk="0" hangingPunct="1">
-              <a:lnSpc>
-                <a:spcPct val="90000"/>
-              </a:lnSpc>
-              <a:spcBef>
-                <a:spcPts val="500"/>
-              </a:spcBef>
-              <a:buFont typeface="Arial" panose="020B0604020202020204" pitchFamily="34" charset="0"/>
-              <a:buChar char="•"/>
-              <a:defRPr sz="1800" kern="1200">
-                <a:solidFill>
-                  <a:schemeClr val="tx1"/>
-                </a:solidFill>
-                <a:latin typeface="+mn-lt"/>
-                <a:ea typeface="+mn-ea"/>
-                <a:cs typeface="+mn-cs"/>
-              </a:defRPr>
-            </a:lvl5pPr>
-            <a:lvl6pPr marL="2514600" indent="-228600" algn="l" defTabSz="914400" rtl="0" eaLnBrk="1" latinLnBrk="0" hangingPunct="1">
-              <a:lnSpc>
-                <a:spcPct val="90000"/>
-              </a:lnSpc>
-              <a:spcBef>
-                <a:spcPts val="500"/>
-              </a:spcBef>
-              <a:buFont typeface="Arial" panose="020B0604020202020204" pitchFamily="34" charset="0"/>
-              <a:buChar char="•"/>
-              <a:defRPr sz="1800" kern="1200">
-                <a:solidFill>
-                  <a:schemeClr val="tx1"/>
-                </a:solidFill>
-                <a:latin typeface="+mn-lt"/>
-                <a:ea typeface="+mn-ea"/>
-                <a:cs typeface="+mn-cs"/>
-              </a:defRPr>
-            </a:lvl6pPr>
-            <a:lvl7pPr marL="2971800" indent="-228600" algn="l" defTabSz="914400" rtl="0" eaLnBrk="1" latinLnBrk="0" hangingPunct="1">
-              <a:lnSpc>
-                <a:spcPct val="90000"/>
-              </a:lnSpc>
-              <a:spcBef>
-                <a:spcPts val="500"/>
-              </a:spcBef>
-              <a:buFont typeface="Arial" panose="020B0604020202020204" pitchFamily="34" charset="0"/>
-              <a:buChar char="•"/>
-              <a:defRPr sz="1800" kern="1200">
-                <a:solidFill>
-                  <a:schemeClr val="tx1"/>
-                </a:solidFill>
-                <a:latin typeface="+mn-lt"/>
-                <a:ea typeface="+mn-ea"/>
-                <a:cs typeface="+mn-cs"/>
-              </a:defRPr>
-            </a:lvl7pPr>
-            <a:lvl8pPr marL="3429000" indent="-228600" algn="l" defTabSz="914400" rtl="0" eaLnBrk="1" latinLnBrk="0" hangingPunct="1">
-              <a:lnSpc>
-                <a:spcPct val="90000"/>
-              </a:lnSpc>
-              <a:spcBef>
-                <a:spcPts val="500"/>
-              </a:spcBef>
-              <a:buFont typeface="Arial" panose="020B0604020202020204" pitchFamily="34" charset="0"/>
-              <a:buChar char="•"/>
-              <a:defRPr sz="1800" kern="1200">
-                <a:solidFill>
-                  <a:schemeClr val="tx1"/>
-                </a:solidFill>
-                <a:latin typeface="+mn-lt"/>
-                <a:ea typeface="+mn-ea"/>
-                <a:cs typeface="+mn-cs"/>
-              </a:defRPr>
-            </a:lvl8pPr>
-            <a:lvl9pPr marL="3886200" indent="-228600" algn="l" defTabSz="914400" rtl="0" eaLnBrk="1" latinLnBrk="0" hangingPunct="1">
-              <a:lnSpc>
-                <a:spcPct val="90000"/>
-              </a:lnSpc>
-              <a:spcBef>
-                <a:spcPts val="500"/>
-              </a:spcBef>
-              <a:buFont typeface="Arial" panose="020B0604020202020204" pitchFamily="34" charset="0"/>
-              <a:buChar char="•"/>
-              <a:defRPr sz="1800" kern="1200">
-                <a:solidFill>
-                  <a:schemeClr val="tx1"/>
-                </a:solidFill>
-                <a:latin typeface="+mn-lt"/>
-                <a:ea typeface="+mn-ea"/>
-                <a:cs typeface="+mn-cs"/>
-              </a:defRPr>
-            </a:lvl9pPr>
-          </a:lstStyle>
-          <a:p>
-            <a:pPr marL="0" indent="0">
-              <a:buNone/>
-            </a:pPr>
-            <a:r>
-              <a:rPr lang="en-CA" dirty="0">
-                <a:latin typeface="Consolas" panose="020B0609020204030204" pitchFamily="49" charset="0"/>
-              </a:rPr>
-              <a:t>Foo </a:t>
-            </a:r>
-            <a:r>
-              <a:rPr lang="en-CA" sz="3200" dirty="0">
-                <a:solidFill>
-                  <a:schemeClr val="accent2">
-                    <a:lumMod val="75000"/>
-                  </a:schemeClr>
-                </a:solidFill>
-              </a:rPr>
-              <a:t>A</a:t>
-            </a:r>
-            <a:r>
-              <a:rPr lang="en-CA" dirty="0">
-                <a:latin typeface="Consolas" panose="020B0609020204030204" pitchFamily="49" charset="0"/>
-              </a:rPr>
-              <a:t>;</a:t>
-            </a:r>
-            <a:br>
-              <a:rPr lang="en-CA" dirty="0">
-                <a:latin typeface="Consolas" panose="020B0609020204030204" pitchFamily="49" charset="0"/>
-              </a:rPr>
-            </a:br>
-            <a:r>
-              <a:rPr lang="en-CA" dirty="0">
-                <a:latin typeface="Consolas" panose="020B0609020204030204" pitchFamily="49" charset="0"/>
-              </a:rPr>
-              <a:t>Faa </a:t>
-            </a:r>
-            <a:r>
-              <a:rPr lang="en-CA" sz="3200" dirty="0">
-                <a:solidFill>
-                  <a:srgbClr val="FF0000"/>
-                </a:solidFill>
-              </a:rPr>
-              <a:t>B</a:t>
-            </a:r>
-            <a:r>
-              <a:rPr lang="en-CA" dirty="0">
-                <a:latin typeface="Consolas" panose="020B0609020204030204" pitchFamily="49" charset="0"/>
-              </a:rPr>
-              <a:t>;</a:t>
-            </a:r>
-            <a:br>
-              <a:rPr lang="en-CA" dirty="0">
-                <a:latin typeface="Consolas" panose="020B0609020204030204" pitchFamily="49" charset="0"/>
-              </a:rPr>
-            </a:br>
-            <a:r>
-              <a:rPr lang="en-CA" dirty="0">
-                <a:latin typeface="Consolas" panose="020B0609020204030204" pitchFamily="49" charset="0"/>
-              </a:rPr>
-              <a:t>Whatever Foo::operator  (Faa </a:t>
-            </a:r>
-            <a:r>
-              <a:rPr lang="en-CA" sz="3200" dirty="0">
-                <a:solidFill>
-                  <a:srgbClr val="FF0000"/>
-                </a:solidFill>
-              </a:rPr>
-              <a:t>B</a:t>
-            </a:r>
-            <a:r>
-              <a:rPr lang="en-CA" dirty="0">
-                <a:latin typeface="Consolas" panose="020B0609020204030204" pitchFamily="49" charset="0"/>
-              </a:rPr>
-              <a:t>);</a:t>
-            </a:r>
-          </a:p>
-          <a:p>
-            <a:pPr marL="0" indent="0">
-              <a:buNone/>
-            </a:pPr>
-            <a:r>
-              <a:rPr lang="en-CA" dirty="0">
-                <a:latin typeface="Consolas" panose="020B0609020204030204" pitchFamily="49" charset="0"/>
-              </a:rPr>
-              <a:t>// </a:t>
-            </a:r>
-            <a:r>
-              <a:rPr lang="en-CA" sz="3200" dirty="0">
-                <a:solidFill>
-                  <a:schemeClr val="accent2">
-                    <a:lumMod val="75000"/>
-                  </a:schemeClr>
-                </a:solidFill>
-              </a:rPr>
-              <a:t>*this </a:t>
-            </a:r>
-            <a:r>
-              <a:rPr lang="en-CA" dirty="0">
-                <a:latin typeface="Consolas" panose="020B0609020204030204" pitchFamily="49" charset="0"/>
-              </a:rPr>
-              <a:t>is </a:t>
-            </a:r>
-            <a:r>
-              <a:rPr lang="en-CA" sz="3200" dirty="0">
-                <a:solidFill>
-                  <a:schemeClr val="accent2">
-                    <a:lumMod val="75000"/>
-                  </a:schemeClr>
-                </a:solidFill>
-              </a:rPr>
-              <a:t>A </a:t>
-            </a:r>
-            <a:r>
-              <a:rPr lang="en-CA" sz="2000" dirty="0">
-                <a:latin typeface="Consolas" panose="020B0609020204030204" pitchFamily="49" charset="0"/>
-              </a:rPr>
-              <a:t> (With side-effect, A will change)</a:t>
-            </a:r>
-          </a:p>
-          <a:p>
-            <a:pPr marL="0" indent="0">
-              <a:buNone/>
-            </a:pPr>
-            <a:r>
-              <a:rPr lang="en-CA" sz="3200" dirty="0">
-                <a:solidFill>
-                  <a:srgbClr val="FF0000"/>
-                </a:solidFill>
-              </a:rPr>
-              <a:t>A += B</a:t>
-            </a:r>
-          </a:p>
-          <a:p>
-            <a:pPr marL="0" indent="0">
-              <a:buNone/>
-            </a:pPr>
-            <a:r>
-              <a:rPr lang="en-CA" dirty="0">
-                <a:latin typeface="Consolas" panose="020B0609020204030204" pitchFamily="49" charset="0"/>
-              </a:rPr>
-              <a:t>Whatever Foo::operator  (Faa </a:t>
-            </a:r>
-            <a:r>
-              <a:rPr lang="en-CA" sz="3200" dirty="0">
-                <a:solidFill>
-                  <a:srgbClr val="FF0000"/>
-                </a:solidFill>
-              </a:rPr>
-              <a:t>B</a:t>
-            </a:r>
-            <a:r>
-              <a:rPr lang="en-CA" dirty="0">
-                <a:latin typeface="Consolas" panose="020B0609020204030204" pitchFamily="49" charset="0"/>
-              </a:rPr>
-              <a:t>)const;</a:t>
-            </a:r>
-          </a:p>
-          <a:p>
-            <a:pPr marL="0" indent="0">
-              <a:buNone/>
-            </a:pPr>
-            <a:r>
-              <a:rPr lang="en-CA" dirty="0">
-                <a:latin typeface="Consolas" panose="020B0609020204030204" pitchFamily="49" charset="0"/>
-              </a:rPr>
-              <a:t>// </a:t>
-            </a:r>
-            <a:r>
-              <a:rPr lang="en-CA" sz="3200" dirty="0">
-                <a:solidFill>
-                  <a:schemeClr val="accent2">
-                    <a:lumMod val="75000"/>
-                  </a:schemeClr>
-                </a:solidFill>
-              </a:rPr>
-              <a:t>*this </a:t>
-            </a:r>
-            <a:r>
-              <a:rPr lang="en-CA" dirty="0">
-                <a:latin typeface="Consolas" panose="020B0609020204030204" pitchFamily="49" charset="0"/>
-              </a:rPr>
-              <a:t>is </a:t>
-            </a:r>
-            <a:r>
-              <a:rPr lang="en-CA" sz="3200" dirty="0">
-                <a:solidFill>
-                  <a:schemeClr val="accent2">
-                    <a:lumMod val="75000"/>
-                  </a:schemeClr>
-                </a:solidFill>
-              </a:rPr>
-              <a:t>A </a:t>
-            </a:r>
-            <a:r>
-              <a:rPr lang="en-CA" sz="1800" dirty="0">
-                <a:latin typeface="Consolas" panose="020B0609020204030204" pitchFamily="49" charset="0"/>
-              </a:rPr>
-              <a:t>(Without side-effect, A is read only)</a:t>
-            </a:r>
-            <a:endParaRPr lang="en-CA" sz="3200" dirty="0">
-              <a:solidFill>
-                <a:schemeClr val="accent2">
-                  <a:lumMod val="75000"/>
-                </a:schemeClr>
-              </a:solidFill>
-            </a:endParaRPr>
-          </a:p>
-          <a:p>
-            <a:pPr marL="0" indent="0">
-              <a:buNone/>
-            </a:pPr>
-            <a:r>
-              <a:rPr lang="en-CA" sz="3600" dirty="0">
-                <a:solidFill>
-                  <a:srgbClr val="FF0000"/>
-                </a:solidFill>
-              </a:rPr>
-              <a:t>A + B</a:t>
-            </a:r>
-          </a:p>
-          <a:p>
-            <a:pPr marL="0" indent="0">
-              <a:buNone/>
-            </a:pPr>
-            <a:endParaRPr lang="en-CA" sz="3600" dirty="0">
-              <a:latin typeface="Consolas" panose="020B0609020204030204" pitchFamily="49" charset="0"/>
-            </a:endParaRPr>
-          </a:p>
-        </p:txBody>
-      </p:sp>
-      <p:pic>
-        <p:nvPicPr>
-          <p:cNvPr id="17" name="Content Placeholder 4" descr="Medical">
-            <a:extLst>
-              <a:ext uri="{FF2B5EF4-FFF2-40B4-BE49-F238E27FC236}">
-                <a16:creationId xmlns:a16="http://schemas.microsoft.com/office/drawing/2014/main" id="{B32922FD-12AF-4F2A-B3EA-04CE9DA232C0}"/>
-              </a:ext>
-            </a:extLst>
-          </p:cNvPr>
-          <p:cNvPicPr>
-            <a:picLocks noChangeAspect="1"/>
-          </p:cNvPicPr>
-          <p:nvPr/>
-        </p:nvPicPr>
-        <p:blipFill>
-          <a:blip r:embed="rId2">
-            <a:extLst>
-              <a:ext uri="{28A0092B-C50C-407E-A947-70E740481C1C}">
-                <a14:useLocalDpi xmlns:a14="http://schemas.microsoft.com/office/drawing/2010/main" val="0"/>
-              </a:ext>
-              <a:ext uri="{96DAC541-7B7A-43D3-8B79-37D633B846F1}">
-                <asvg:svgBlip xmlns:asvg="http://schemas.microsoft.com/office/drawing/2016/SVG/main" r:embed="rId3"/>
-              </a:ext>
-            </a:extLst>
-          </a:blip>
-          <a:stretch>
-            <a:fillRect/>
-          </a:stretch>
-        </p:blipFill>
-        <p:spPr>
-          <a:xfrm>
-            <a:off x="7612493" y="2916155"/>
-            <a:ext cx="331325" cy="331325"/>
-          </a:xfrm>
-          <a:prstGeom prst="rect">
-            <a:avLst/>
-          </a:prstGeom>
-        </p:spPr>
-      </p:pic>
-      <p:pic>
-        <p:nvPicPr>
-          <p:cNvPr id="18" name="Content Placeholder 4" descr="Medical">
-            <a:extLst>
-              <a:ext uri="{FF2B5EF4-FFF2-40B4-BE49-F238E27FC236}">
-                <a16:creationId xmlns:a16="http://schemas.microsoft.com/office/drawing/2014/main" id="{2A1D2053-DA21-4601-9C85-1B3F09D915E4}"/>
-              </a:ext>
-            </a:extLst>
-          </p:cNvPr>
-          <p:cNvPicPr>
-            <a:picLocks noChangeAspect="1"/>
-          </p:cNvPicPr>
-          <p:nvPr/>
-        </p:nvPicPr>
-        <p:blipFill>
-          <a:blip r:embed="rId2">
-            <a:extLst>
-              <a:ext uri="{28A0092B-C50C-407E-A947-70E740481C1C}">
-                <a14:useLocalDpi xmlns:a14="http://schemas.microsoft.com/office/drawing/2010/main" val="0"/>
-              </a:ext>
-              <a:ext uri="{96DAC541-7B7A-43D3-8B79-37D633B846F1}">
-                <asvg:svgBlip xmlns:asvg="http://schemas.microsoft.com/office/drawing/2016/SVG/main" r:embed="rId3"/>
-              </a:ext>
-            </a:extLst>
-          </a:blip>
-          <a:stretch>
-            <a:fillRect/>
-          </a:stretch>
-        </p:blipFill>
-        <p:spPr>
-          <a:xfrm>
-            <a:off x="7612493" y="4602176"/>
-            <a:ext cx="331325" cy="331325"/>
-          </a:xfrm>
-          <a:prstGeom prst="rect">
-            <a:avLst/>
-          </a:prstGeom>
-        </p:spPr>
-      </p:pic>
     </p:spTree>
     <p:extLst>
       <p:ext uri="{BB962C8B-B14F-4D97-AF65-F5344CB8AC3E}">
-        <p14:creationId xmlns:p14="http://schemas.microsoft.com/office/powerpoint/2010/main" val="1062576644"/>
+        <p14:creationId xmlns:p14="http://schemas.microsoft.com/office/powerpoint/2010/main" val="1403106093"/>
       </p:ext>
     </p:extLst>
   </p:cSld>
@@ -5078,7 +5896,9 @@
         </p:nvSpPr>
         <p:spPr/>
         <p:txBody>
-          <a:bodyPr/>
+          <a:bodyPr>
+            <a:normAutofit fontScale="90000"/>
+          </a:bodyPr>
           <a:lstStyle/>
           <a:p>
             <a:pPr algn="ctr"/>
@@ -5090,7 +5910,7 @@
               <a:rPr lang="en-CA" sz="4800" dirty="0">
                 <a:latin typeface="Berlin Sans FB Demi" panose="020E0802020502020306" pitchFamily="34" charset="0"/>
               </a:rPr>
-              <a:t>Member operators Implementation</a:t>
+              <a:t>Type Conversion operator Implementation</a:t>
             </a:r>
             <a:endParaRPr lang="en-CA" dirty="0">
               <a:latin typeface="Berlin Sans FB Demi" panose="020E0802020502020306" pitchFamily="34" charset="0"/>
@@ -5116,8 +5936,8 @@
         </p:nvSpPr>
         <p:spPr>
           <a:xfrm>
-            <a:off x="1299317" y="2132115"/>
-            <a:ext cx="1540579" cy="701230"/>
+            <a:off x="1257301" y="2132115"/>
+            <a:ext cx="1582596" cy="701230"/>
           </a:xfrm>
         </p:spPr>
         <p:txBody>
@@ -5131,7 +5951,7 @@
             </a:pPr>
             <a:r>
               <a:rPr lang="en-CA" sz="3200" dirty="0"/>
-              <a:t>      </a:t>
+              <a:t>(Foo)</a:t>
             </a:r>
             <a:r>
               <a:rPr lang="en-CA" sz="3200" dirty="0">
@@ -5141,52 +5961,10 @@
               </a:rPr>
               <a:t>B</a:t>
             </a:r>
-            <a:r>
-              <a:rPr lang="en-CA" sz="3600" dirty="0"/>
-              <a:t> </a:t>
-            </a:r>
-          </a:p>
-        </p:txBody>
-      </p:sp>
-      <p:pic>
-        <p:nvPicPr>
-          <p:cNvPr id="4" name="Content Placeholder 4" descr="Medical">
-            <a:extLst>
-              <a:ext uri="{FF2B5EF4-FFF2-40B4-BE49-F238E27FC236}">
-                <a16:creationId xmlns:a16="http://schemas.microsoft.com/office/drawing/2014/main" id="{C4330D96-084C-4217-8A84-3BCFDD7B0AC3}"/>
-              </a:ext>
-            </a:extLst>
-          </p:cNvPr>
-          <p:cNvPicPr>
-            <a:picLocks noChangeAspect="1"/>
-          </p:cNvPicPr>
-          <p:nvPr/>
-        </p:nvPicPr>
-        <p:blipFill>
-          <a:blip r:embed="rId2">
-            <a:extLst>
-              <a:ext uri="{28A0092B-C50C-407E-A947-70E740481C1C}">
-                <a14:useLocalDpi xmlns:a14="http://schemas.microsoft.com/office/drawing/2010/main" val="0"/>
-              </a:ext>
-              <a:ext uri="{96DAC541-7B7A-43D3-8B79-37D633B846F1}">
-                <asvg:svgBlip xmlns:asvg="http://schemas.microsoft.com/office/drawing/2016/SVG/main" r:embed="rId3"/>
-              </a:ext>
-            </a:extLst>
-          </a:blip>
-          <a:stretch>
-            <a:fillRect/>
-          </a:stretch>
-        </p:blipFill>
-        <p:spPr>
-          <a:xfrm>
-            <a:off x="1566831" y="2285324"/>
-            <a:ext cx="331325" cy="331325"/>
-          </a:xfrm>
-          <a:prstGeom prst="rect">
-            <a:avLst/>
-          </a:prstGeom>
-        </p:spPr>
-      </p:pic>
+            <a:endParaRPr lang="en-CA" sz="3600" dirty="0"/>
+          </a:p>
+        </p:txBody>
+      </p:sp>
       <p:sp>
         <p:nvSpPr>
           <p:cNvPr id="16" name="Content Placeholder 2">
@@ -5411,7 +6189,7 @@
               <a:rPr lang="en-CA" dirty="0">
                 <a:latin typeface="Consolas" panose="020B0609020204030204" pitchFamily="49" charset="0"/>
               </a:rPr>
-              <a:t>Whatever Faa::operator  ()const;</a:t>
+              <a:t>Faa::operator Foo()const;</a:t>
             </a:r>
           </a:p>
           <a:p>
@@ -5467,14 +6245,11 @@
             <a:pPr marL="0" indent="0">
               <a:buNone/>
             </a:pPr>
-            <a:r>
-              <a:rPr lang="en-CA" sz="3200" dirty="0">
-                <a:solidFill>
-                  <a:srgbClr val="FF0000"/>
-                </a:solidFill>
-              </a:rPr>
-              <a:t>!B</a:t>
-            </a:r>
+            <a:endParaRPr lang="en-CA" sz="3200" dirty="0">
+              <a:solidFill>
+                <a:srgbClr val="FF0000"/>
+              </a:solidFill>
+            </a:endParaRPr>
           </a:p>
           <a:p>
             <a:pPr marL="0" indent="0">
@@ -5484,7 +6259,7 @@
               <a:rPr lang="en-CA" dirty="0">
                 <a:latin typeface="Consolas" panose="020B0609020204030204" pitchFamily="49" charset="0"/>
               </a:rPr>
-              <a:t>Whatever Faa::operator  ();</a:t>
+              <a:t>Faa::operator Foo();</a:t>
             </a:r>
           </a:p>
           <a:p>
@@ -5544,1958 +6319,18 @@
               <a:rPr lang="en-CA" sz="1800" dirty="0">
                 <a:latin typeface="Consolas" panose="020B0609020204030204" pitchFamily="49" charset="0"/>
               </a:rPr>
-              <a:t>(With side-effect, B will change; very unusual )</a:t>
+              <a:t>(With side-effect, B will change )</a:t>
             </a:r>
           </a:p>
           <a:p>
             <a:pPr marL="0" indent="0">
               <a:buNone/>
             </a:pPr>
-            <a:r>
-              <a:rPr lang="en-CA" sz="3200" dirty="0">
-                <a:solidFill>
-                  <a:srgbClr val="FF0000"/>
-                </a:solidFill>
-              </a:rPr>
-              <a:t>No example</a:t>
-            </a:r>
-          </a:p>
-          <a:p>
-            <a:pPr marL="0" indent="0">
-              <a:buNone/>
-            </a:pPr>
-            <a:endParaRPr lang="en-CA" sz="3600" dirty="0">
-              <a:latin typeface="Consolas" panose="020B0609020204030204" pitchFamily="49" charset="0"/>
+            <a:endParaRPr lang="en-CA" sz="3200" dirty="0">
+              <a:solidFill>
+                <a:srgbClr val="FF0000"/>
+              </a:solidFill>
             </a:endParaRPr>
-          </a:p>
-        </p:txBody>
-      </p:sp>
-      <p:pic>
-        <p:nvPicPr>
-          <p:cNvPr id="17" name="Content Placeholder 4" descr="Medical">
-            <a:extLst>
-              <a:ext uri="{FF2B5EF4-FFF2-40B4-BE49-F238E27FC236}">
-                <a16:creationId xmlns:a16="http://schemas.microsoft.com/office/drawing/2014/main" id="{B32922FD-12AF-4F2A-B3EA-04CE9DA232C0}"/>
-              </a:ext>
-            </a:extLst>
-          </p:cNvPr>
-          <p:cNvPicPr>
-            <a:picLocks noChangeAspect="1"/>
-          </p:cNvPicPr>
-          <p:nvPr/>
-        </p:nvPicPr>
-        <p:blipFill>
-          <a:blip r:embed="rId2">
-            <a:extLst>
-              <a:ext uri="{28A0092B-C50C-407E-A947-70E740481C1C}">
-                <a14:useLocalDpi xmlns:a14="http://schemas.microsoft.com/office/drawing/2010/main" val="0"/>
-              </a:ext>
-              <a:ext uri="{96DAC541-7B7A-43D3-8B79-37D633B846F1}">
-                <asvg:svgBlip xmlns:asvg="http://schemas.microsoft.com/office/drawing/2016/SVG/main" r:embed="rId3"/>
-              </a:ext>
-            </a:extLst>
-          </a:blip>
-          <a:stretch>
-            <a:fillRect/>
-          </a:stretch>
-        </p:blipFill>
-        <p:spPr>
-          <a:xfrm>
-            <a:off x="7608953" y="2465091"/>
-            <a:ext cx="331325" cy="331325"/>
-          </a:xfrm>
-          <a:prstGeom prst="rect">
-            <a:avLst/>
-          </a:prstGeom>
-        </p:spPr>
-      </p:pic>
-      <p:pic>
-        <p:nvPicPr>
-          <p:cNvPr id="18" name="Content Placeholder 4" descr="Medical">
-            <a:extLst>
-              <a:ext uri="{FF2B5EF4-FFF2-40B4-BE49-F238E27FC236}">
-                <a16:creationId xmlns:a16="http://schemas.microsoft.com/office/drawing/2014/main" id="{2A1D2053-DA21-4601-9C85-1B3F09D915E4}"/>
-              </a:ext>
-            </a:extLst>
-          </p:cNvPr>
-          <p:cNvPicPr>
-            <a:picLocks noChangeAspect="1"/>
-          </p:cNvPicPr>
-          <p:nvPr/>
-        </p:nvPicPr>
-        <p:blipFill>
-          <a:blip r:embed="rId2">
-            <a:extLst>
-              <a:ext uri="{28A0092B-C50C-407E-A947-70E740481C1C}">
-                <a14:useLocalDpi xmlns:a14="http://schemas.microsoft.com/office/drawing/2010/main" val="0"/>
-              </a:ext>
-              <a:ext uri="{96DAC541-7B7A-43D3-8B79-37D633B846F1}">
-                <asvg:svgBlip xmlns:asvg="http://schemas.microsoft.com/office/drawing/2016/SVG/main" r:embed="rId3"/>
-              </a:ext>
-            </a:extLst>
-          </a:blip>
-          <a:stretch>
-            <a:fillRect/>
-          </a:stretch>
-        </p:blipFill>
-        <p:spPr>
-          <a:xfrm>
-            <a:off x="7608953" y="4118876"/>
-            <a:ext cx="331325" cy="331325"/>
-          </a:xfrm>
-          <a:prstGeom prst="rect">
-            <a:avLst/>
-          </a:prstGeom>
-        </p:spPr>
-      </p:pic>
-      <p:sp>
-        <p:nvSpPr>
-          <p:cNvPr id="9" name="Rectangle: Rounded Corners 8">
-            <a:extLst>
-              <a:ext uri="{FF2B5EF4-FFF2-40B4-BE49-F238E27FC236}">
-                <a16:creationId xmlns:a16="http://schemas.microsoft.com/office/drawing/2014/main" id="{B96EBABA-5369-4649-8979-3200CDAAE604}"/>
-              </a:ext>
-            </a:extLst>
-          </p:cNvPr>
-          <p:cNvSpPr/>
-          <p:nvPr/>
-        </p:nvSpPr>
-        <p:spPr>
-          <a:xfrm rot="3084440">
-            <a:off x="-164497" y="4595404"/>
-            <a:ext cx="3072662" cy="1058090"/>
-          </a:xfrm>
-          <a:prstGeom prst="roundRect">
-            <a:avLst/>
-          </a:prstGeom>
-          <a:solidFill>
-            <a:srgbClr val="FF0000"/>
-          </a:solidFill>
-        </p:spPr>
-        <p:style>
-          <a:lnRef idx="2">
-            <a:schemeClr val="accent1">
-              <a:shade val="50000"/>
-            </a:schemeClr>
-          </a:lnRef>
-          <a:fillRef idx="1">
-            <a:schemeClr val="accent1"/>
-          </a:fillRef>
-          <a:effectRef idx="0">
-            <a:schemeClr val="accent1"/>
-          </a:effectRef>
-          <a:fontRef idx="minor">
-            <a:schemeClr val="lt1"/>
-          </a:fontRef>
-        </p:style>
-        <p:txBody>
-          <a:bodyPr rtlCol="0" anchor="ctr"/>
-          <a:lstStyle/>
-          <a:p>
-            <a:pPr algn="ctr"/>
-            <a:r>
-              <a:rPr lang="en-CA" sz="4800" b="1" dirty="0">
-                <a:latin typeface="Bodoni MT Condensed" panose="02070606080606020203" pitchFamily="18" charset="0"/>
-              </a:rPr>
-              <a:t>Unary(prefix)</a:t>
-            </a:r>
-            <a:endParaRPr lang="en-CA" sz="1200" b="1" dirty="0">
-              <a:latin typeface="Bodoni MT Condensed" panose="02070606080606020203" pitchFamily="18" charset="0"/>
-            </a:endParaRPr>
-          </a:p>
-        </p:txBody>
-      </p:sp>
-    </p:spTree>
-    <p:extLst>
-      <p:ext uri="{BB962C8B-B14F-4D97-AF65-F5344CB8AC3E}">
-        <p14:creationId xmlns:p14="http://schemas.microsoft.com/office/powerpoint/2010/main" val="2234118281"/>
-      </p:ext>
-    </p:extLst>
-  </p:cSld>
-  <p:clrMapOvr>
-    <a:masterClrMapping/>
-  </p:clrMapOvr>
-</p:sld>
-</file>
-
-<file path=ppt/slides/slide17.xml><?xml version="1.0" encoding="utf-8"?>
-<p:sld xmlns:a="http://schemas.openxmlformats.org/drawingml/2006/main" xmlns:r="http://schemas.openxmlformats.org/officeDocument/2006/relationships" xmlns:p="http://schemas.openxmlformats.org/presentationml/2006/main">
-  <p:cSld>
-    <p:spTree>
-      <p:nvGrpSpPr>
-        <p:cNvPr id="1" name=""/>
-        <p:cNvGrpSpPr/>
-        <p:nvPr/>
-      </p:nvGrpSpPr>
-      <p:grpSpPr>
-        <a:xfrm>
-          <a:off x="0" y="0"/>
-          <a:ext cx="0" cy="0"/>
-          <a:chOff x="0" y="0"/>
-          <a:chExt cx="0" cy="0"/>
-        </a:xfrm>
-      </p:grpSpPr>
-      <p:sp>
-        <p:nvSpPr>
-          <p:cNvPr id="2" name="Title 1">
-            <a:extLst>
-              <a:ext uri="{FF2B5EF4-FFF2-40B4-BE49-F238E27FC236}">
-                <a16:creationId xmlns:a16="http://schemas.microsoft.com/office/drawing/2014/main" id="{5B6EFDB8-2E15-45B9-A739-BEFFDFBED9B8}"/>
-              </a:ext>
-            </a:extLst>
-          </p:cNvPr>
-          <p:cNvSpPr>
-            <a:spLocks noGrp="1"/>
-          </p:cNvSpPr>
-          <p:nvPr>
-            <p:ph type="title"/>
-          </p:nvPr>
-        </p:nvSpPr>
-        <p:spPr/>
-        <p:txBody>
-          <a:bodyPr/>
-          <a:lstStyle/>
-          <a:p>
-            <a:pPr algn="ctr"/>
-            <a:r>
-              <a:rPr lang="en-CA" dirty="0"/>
-              <a:t> </a:t>
-            </a:r>
-            <a:r>
-              <a:rPr lang="en-CA" sz="4800" dirty="0">
-                <a:latin typeface="Berlin Sans FB Demi" panose="020E0802020502020306" pitchFamily="34" charset="0"/>
-              </a:rPr>
-              <a:t>Member operators Implementation</a:t>
-            </a:r>
-            <a:endParaRPr lang="en-CA" dirty="0">
-              <a:latin typeface="Berlin Sans FB Demi" panose="020E0802020502020306" pitchFamily="34" charset="0"/>
-            </a:endParaRPr>
-          </a:p>
-        </p:txBody>
-      </p:sp>
-      <p:sp>
-        <p:nvSpPr>
-          <p:cNvPr id="3" name="Content Placeholder 2">
-            <a:extLst>
-              <a:ext uri="{FF2B5EF4-FFF2-40B4-BE49-F238E27FC236}">
-                <a16:creationId xmlns:a16="http://schemas.microsoft.com/office/drawing/2014/main" id="{BA8DE507-D10A-4A9B-9D96-2820FC34328D}"/>
-              </a:ext>
-            </a:extLst>
-          </p:cNvPr>
-          <p:cNvSpPr>
-            <a:spLocks noGrp="1"/>
-          </p:cNvSpPr>
-          <p:nvPr>
-            <p:ph idx="1"/>
-          </p:nvPr>
-        </p:nvSpPr>
-        <p:spPr>
-          <a:xfrm>
-            <a:off x="1299317" y="2132115"/>
-            <a:ext cx="1540579" cy="701230"/>
-          </a:xfrm>
-        </p:spPr>
-        <p:txBody>
-          <a:bodyPr>
-            <a:normAutofit/>
-          </a:bodyPr>
-          <a:lstStyle/>
-          <a:p>
-            <a:pPr marL="0" indent="0">
-              <a:buNone/>
-            </a:pPr>
-            <a:r>
-              <a:rPr lang="en-CA" sz="3200" dirty="0"/>
-              <a:t>      </a:t>
-            </a:r>
-            <a:r>
-              <a:rPr lang="en-CA" sz="3200" dirty="0">
-                <a:solidFill>
-                  <a:srgbClr val="FF0000"/>
-                </a:solidFill>
-              </a:rPr>
-              <a:t>B</a:t>
-            </a:r>
-            <a:r>
-              <a:rPr lang="en-CA" sz="3600" dirty="0"/>
-              <a:t> </a:t>
-            </a:r>
-          </a:p>
-        </p:txBody>
-      </p:sp>
-      <p:pic>
-        <p:nvPicPr>
-          <p:cNvPr id="4" name="Content Placeholder 4" descr="Medical">
-            <a:extLst>
-              <a:ext uri="{FF2B5EF4-FFF2-40B4-BE49-F238E27FC236}">
-                <a16:creationId xmlns:a16="http://schemas.microsoft.com/office/drawing/2014/main" id="{C4330D96-084C-4217-8A84-3BCFDD7B0AC3}"/>
-              </a:ext>
-            </a:extLst>
-          </p:cNvPr>
-          <p:cNvPicPr>
-            <a:picLocks noChangeAspect="1"/>
-          </p:cNvPicPr>
-          <p:nvPr/>
-        </p:nvPicPr>
-        <p:blipFill>
-          <a:blip r:embed="rId2">
-            <a:extLst>
-              <a:ext uri="{28A0092B-C50C-407E-A947-70E740481C1C}">
-                <a14:useLocalDpi xmlns:a14="http://schemas.microsoft.com/office/drawing/2010/main" val="0"/>
-              </a:ext>
-              <a:ext uri="{96DAC541-7B7A-43D3-8B79-37D633B846F1}">
-                <asvg:svgBlip xmlns:asvg="http://schemas.microsoft.com/office/drawing/2016/SVG/main" r:embed="rId3"/>
-              </a:ext>
-            </a:extLst>
-          </a:blip>
-          <a:stretch>
-            <a:fillRect/>
-          </a:stretch>
-        </p:blipFill>
-        <p:spPr>
-          <a:xfrm>
-            <a:off x="2214531" y="2248810"/>
-            <a:ext cx="331325" cy="331325"/>
-          </a:xfrm>
-          <a:prstGeom prst="rect">
-            <a:avLst/>
-          </a:prstGeom>
-        </p:spPr>
-      </p:pic>
-      <p:sp>
-        <p:nvSpPr>
-          <p:cNvPr id="16" name="Content Placeholder 2">
-            <a:extLst>
-              <a:ext uri="{FF2B5EF4-FFF2-40B4-BE49-F238E27FC236}">
-                <a16:creationId xmlns:a16="http://schemas.microsoft.com/office/drawing/2014/main" id="{2525FA46-6E1F-4C7F-91F5-20684ECEF6E9}"/>
-              </a:ext>
-            </a:extLst>
-          </p:cNvPr>
-          <p:cNvSpPr txBox="1">
-            <a:spLocks/>
-          </p:cNvSpPr>
-          <p:nvPr/>
-        </p:nvSpPr>
-        <p:spPr>
-          <a:xfrm>
-            <a:off x="3209925" y="1913039"/>
-            <a:ext cx="8210550" cy="4422911"/>
-          </a:xfrm>
-          <a:prstGeom prst="rect">
-            <a:avLst/>
-          </a:prstGeom>
-        </p:spPr>
-        <p:txBody>
-          <a:bodyPr vert="horz" lIns="91440" tIns="45720" rIns="91440" bIns="45720" rtlCol="0">
-            <a:normAutofit/>
-          </a:bodyPr>
-          <a:lstStyle>
-            <a:lvl1pPr marL="228600" indent="-228600" algn="l" defTabSz="914400" rtl="0" eaLnBrk="1" latinLnBrk="0" hangingPunct="1">
-              <a:lnSpc>
-                <a:spcPct val="90000"/>
-              </a:lnSpc>
-              <a:spcBef>
-                <a:spcPts val="1000"/>
-              </a:spcBef>
-              <a:buFont typeface="Arial" panose="020B0604020202020204" pitchFamily="34" charset="0"/>
-              <a:buChar char="•"/>
-              <a:defRPr sz="2800" kern="1200">
-                <a:solidFill>
-                  <a:schemeClr val="tx1"/>
-                </a:solidFill>
-                <a:latin typeface="+mn-lt"/>
-                <a:ea typeface="+mn-ea"/>
-                <a:cs typeface="+mn-cs"/>
-              </a:defRPr>
-            </a:lvl1pPr>
-            <a:lvl2pPr marL="685800" indent="-228600" algn="l" defTabSz="914400" rtl="0" eaLnBrk="1" latinLnBrk="0" hangingPunct="1">
-              <a:lnSpc>
-                <a:spcPct val="90000"/>
-              </a:lnSpc>
-              <a:spcBef>
-                <a:spcPts val="500"/>
-              </a:spcBef>
-              <a:buFont typeface="Arial" panose="020B0604020202020204" pitchFamily="34" charset="0"/>
-              <a:buChar char="•"/>
-              <a:defRPr sz="2400" kern="1200">
-                <a:solidFill>
-                  <a:schemeClr val="tx1"/>
-                </a:solidFill>
-                <a:latin typeface="+mn-lt"/>
-                <a:ea typeface="+mn-ea"/>
-                <a:cs typeface="+mn-cs"/>
-              </a:defRPr>
-            </a:lvl2pPr>
-            <a:lvl3pPr marL="1143000" indent="-228600" algn="l" defTabSz="914400" rtl="0" eaLnBrk="1" latinLnBrk="0" hangingPunct="1">
-              <a:lnSpc>
-                <a:spcPct val="90000"/>
-              </a:lnSpc>
-              <a:spcBef>
-                <a:spcPts val="500"/>
-              </a:spcBef>
-              <a:buFont typeface="Arial" panose="020B0604020202020204" pitchFamily="34" charset="0"/>
-              <a:buChar char="•"/>
-              <a:defRPr sz="2000" kern="1200">
-                <a:solidFill>
-                  <a:schemeClr val="tx1"/>
-                </a:solidFill>
-                <a:latin typeface="+mn-lt"/>
-                <a:ea typeface="+mn-ea"/>
-                <a:cs typeface="+mn-cs"/>
-              </a:defRPr>
-            </a:lvl3pPr>
-            <a:lvl4pPr marL="1600200" indent="-228600" algn="l" defTabSz="914400" rtl="0" eaLnBrk="1" latinLnBrk="0" hangingPunct="1">
-              <a:lnSpc>
-                <a:spcPct val="90000"/>
-              </a:lnSpc>
-              <a:spcBef>
-                <a:spcPts val="500"/>
-              </a:spcBef>
-              <a:buFont typeface="Arial" panose="020B0604020202020204" pitchFamily="34" charset="0"/>
-              <a:buChar char="•"/>
-              <a:defRPr sz="1800" kern="1200">
-                <a:solidFill>
-                  <a:schemeClr val="tx1"/>
-                </a:solidFill>
-                <a:latin typeface="+mn-lt"/>
-                <a:ea typeface="+mn-ea"/>
-                <a:cs typeface="+mn-cs"/>
-              </a:defRPr>
-            </a:lvl4pPr>
-            <a:lvl5pPr marL="2057400" indent="-228600" algn="l" defTabSz="914400" rtl="0" eaLnBrk="1" latinLnBrk="0" hangingPunct="1">
-              <a:lnSpc>
-                <a:spcPct val="90000"/>
-              </a:lnSpc>
-              <a:spcBef>
-                <a:spcPts val="500"/>
-              </a:spcBef>
-              <a:buFont typeface="Arial" panose="020B0604020202020204" pitchFamily="34" charset="0"/>
-              <a:buChar char="•"/>
-              <a:defRPr sz="1800" kern="1200">
-                <a:solidFill>
-                  <a:schemeClr val="tx1"/>
-                </a:solidFill>
-                <a:latin typeface="+mn-lt"/>
-                <a:ea typeface="+mn-ea"/>
-                <a:cs typeface="+mn-cs"/>
-              </a:defRPr>
-            </a:lvl5pPr>
-            <a:lvl6pPr marL="2514600" indent="-228600" algn="l" defTabSz="914400" rtl="0" eaLnBrk="1" latinLnBrk="0" hangingPunct="1">
-              <a:lnSpc>
-                <a:spcPct val="90000"/>
-              </a:lnSpc>
-              <a:spcBef>
-                <a:spcPts val="500"/>
-              </a:spcBef>
-              <a:buFont typeface="Arial" panose="020B0604020202020204" pitchFamily="34" charset="0"/>
-              <a:buChar char="•"/>
-              <a:defRPr sz="1800" kern="1200">
-                <a:solidFill>
-                  <a:schemeClr val="tx1"/>
-                </a:solidFill>
-                <a:latin typeface="+mn-lt"/>
-                <a:ea typeface="+mn-ea"/>
-                <a:cs typeface="+mn-cs"/>
-              </a:defRPr>
-            </a:lvl6pPr>
-            <a:lvl7pPr marL="2971800" indent="-228600" algn="l" defTabSz="914400" rtl="0" eaLnBrk="1" latinLnBrk="0" hangingPunct="1">
-              <a:lnSpc>
-                <a:spcPct val="90000"/>
-              </a:lnSpc>
-              <a:spcBef>
-                <a:spcPts val="500"/>
-              </a:spcBef>
-              <a:buFont typeface="Arial" panose="020B0604020202020204" pitchFamily="34" charset="0"/>
-              <a:buChar char="•"/>
-              <a:defRPr sz="1800" kern="1200">
-                <a:solidFill>
-                  <a:schemeClr val="tx1"/>
-                </a:solidFill>
-                <a:latin typeface="+mn-lt"/>
-                <a:ea typeface="+mn-ea"/>
-                <a:cs typeface="+mn-cs"/>
-              </a:defRPr>
-            </a:lvl7pPr>
-            <a:lvl8pPr marL="3429000" indent="-228600" algn="l" defTabSz="914400" rtl="0" eaLnBrk="1" latinLnBrk="0" hangingPunct="1">
-              <a:lnSpc>
-                <a:spcPct val="90000"/>
-              </a:lnSpc>
-              <a:spcBef>
-                <a:spcPts val="500"/>
-              </a:spcBef>
-              <a:buFont typeface="Arial" panose="020B0604020202020204" pitchFamily="34" charset="0"/>
-              <a:buChar char="•"/>
-              <a:defRPr sz="1800" kern="1200">
-                <a:solidFill>
-                  <a:schemeClr val="tx1"/>
-                </a:solidFill>
-                <a:latin typeface="+mn-lt"/>
-                <a:ea typeface="+mn-ea"/>
-                <a:cs typeface="+mn-cs"/>
-              </a:defRPr>
-            </a:lvl8pPr>
-            <a:lvl9pPr marL="3886200" indent="-228600" algn="l" defTabSz="914400" rtl="0" eaLnBrk="1" latinLnBrk="0" hangingPunct="1">
-              <a:lnSpc>
-                <a:spcPct val="90000"/>
-              </a:lnSpc>
-              <a:spcBef>
-                <a:spcPts val="500"/>
-              </a:spcBef>
-              <a:buFont typeface="Arial" panose="020B0604020202020204" pitchFamily="34" charset="0"/>
-              <a:buChar char="•"/>
-              <a:defRPr sz="1800" kern="1200">
-                <a:solidFill>
-                  <a:schemeClr val="tx1"/>
-                </a:solidFill>
-                <a:latin typeface="+mn-lt"/>
-                <a:ea typeface="+mn-ea"/>
-                <a:cs typeface="+mn-cs"/>
-              </a:defRPr>
-            </a:lvl9pPr>
-          </a:lstStyle>
-          <a:p>
-            <a:pPr marL="0" indent="0">
-              <a:buNone/>
-            </a:pPr>
-            <a:r>
-              <a:rPr lang="en-CA" dirty="0">
-                <a:latin typeface="Consolas" panose="020B0609020204030204" pitchFamily="49" charset="0"/>
-              </a:rPr>
-              <a:t>Faa </a:t>
-            </a:r>
-            <a:r>
-              <a:rPr lang="en-CA" sz="3200" dirty="0">
-                <a:solidFill>
-                  <a:srgbClr val="FF0000"/>
-                </a:solidFill>
-              </a:rPr>
-              <a:t>B</a:t>
-            </a:r>
-            <a:r>
-              <a:rPr lang="en-CA" dirty="0">
-                <a:latin typeface="Consolas" panose="020B0609020204030204" pitchFamily="49" charset="0"/>
-              </a:rPr>
-              <a:t>;</a:t>
-            </a:r>
-            <a:br>
-              <a:rPr lang="en-CA" dirty="0">
-                <a:latin typeface="Consolas" panose="020B0609020204030204" pitchFamily="49" charset="0"/>
-              </a:rPr>
-            </a:br>
-            <a:r>
-              <a:rPr lang="en-CA" dirty="0">
-                <a:latin typeface="Consolas" panose="020B0609020204030204" pitchFamily="49" charset="0"/>
-              </a:rPr>
-              <a:t>Whatever Faa::operator  (</a:t>
-            </a:r>
-            <a:r>
-              <a:rPr lang="en-CA" dirty="0">
-                <a:solidFill>
-                  <a:srgbClr val="00B0F0"/>
-                </a:solidFill>
-                <a:latin typeface="Consolas" panose="020B0609020204030204" pitchFamily="49" charset="0"/>
-              </a:rPr>
-              <a:t>int</a:t>
-            </a:r>
-            <a:r>
-              <a:rPr lang="en-CA" dirty="0">
-                <a:latin typeface="Consolas" panose="020B0609020204030204" pitchFamily="49" charset="0"/>
-              </a:rPr>
-              <a:t>)const;</a:t>
-            </a:r>
-          </a:p>
-          <a:p>
-            <a:pPr marL="0" indent="0">
-              <a:buNone/>
-            </a:pPr>
-            <a:r>
-              <a:rPr lang="en-CA" dirty="0">
-                <a:latin typeface="Consolas" panose="020B0609020204030204" pitchFamily="49" charset="0"/>
-              </a:rPr>
-              <a:t>//</a:t>
-            </a:r>
-            <a:r>
-              <a:rPr lang="en-CA" sz="3200" dirty="0">
-                <a:solidFill>
-                  <a:srgbClr val="FF0000"/>
-                </a:solidFill>
-              </a:rPr>
-              <a:t>*this </a:t>
-            </a:r>
-            <a:r>
-              <a:rPr lang="en-CA" dirty="0">
-                <a:latin typeface="Consolas" panose="020B0609020204030204" pitchFamily="49" charset="0"/>
-              </a:rPr>
-              <a:t>is </a:t>
-            </a:r>
-            <a:r>
-              <a:rPr lang="en-CA" sz="3200" dirty="0">
-                <a:solidFill>
-                  <a:srgbClr val="FF0000"/>
-                </a:solidFill>
-              </a:rPr>
-              <a:t>B</a:t>
-            </a:r>
-            <a:r>
-              <a:rPr lang="en-CA" sz="3200" dirty="0">
-                <a:solidFill>
-                  <a:schemeClr val="accent2">
-                    <a:lumMod val="75000"/>
-                  </a:schemeClr>
-                </a:solidFill>
-              </a:rPr>
-              <a:t> </a:t>
-            </a:r>
-            <a:r>
-              <a:rPr lang="en-CA" sz="2000" dirty="0">
-                <a:latin typeface="Consolas" panose="020B0609020204030204" pitchFamily="49" charset="0"/>
-              </a:rPr>
-              <a:t> (Without side-effect, B is read only )</a:t>
-            </a:r>
-          </a:p>
-          <a:p>
-            <a:pPr marL="0" indent="0">
-              <a:buNone/>
-            </a:pPr>
-            <a:r>
-              <a:rPr lang="en-CA" sz="3200" dirty="0">
-                <a:solidFill>
-                  <a:srgbClr val="FF0000"/>
-                </a:solidFill>
-              </a:rPr>
-              <a:t>!B</a:t>
-            </a:r>
-          </a:p>
-          <a:p>
-            <a:pPr marL="0" indent="0">
-              <a:buNone/>
-            </a:pPr>
-            <a:r>
-              <a:rPr lang="en-CA" dirty="0">
-                <a:latin typeface="Consolas" panose="020B0609020204030204" pitchFamily="49" charset="0"/>
-              </a:rPr>
-              <a:t>Whatever Faa::operator  (</a:t>
-            </a:r>
-            <a:r>
-              <a:rPr lang="en-CA" dirty="0">
-                <a:solidFill>
-                  <a:srgbClr val="00B0F0"/>
-                </a:solidFill>
-                <a:latin typeface="Consolas" panose="020B0609020204030204" pitchFamily="49" charset="0"/>
-              </a:rPr>
-              <a:t>int</a:t>
-            </a:r>
-            <a:r>
-              <a:rPr lang="en-CA" dirty="0">
-                <a:latin typeface="Consolas" panose="020B0609020204030204" pitchFamily="49" charset="0"/>
-              </a:rPr>
-              <a:t>);</a:t>
-            </a:r>
-          </a:p>
-          <a:p>
-            <a:pPr marL="0" indent="0">
-              <a:buNone/>
-            </a:pPr>
-            <a:r>
-              <a:rPr lang="en-CA" dirty="0">
-                <a:latin typeface="Consolas" panose="020B0609020204030204" pitchFamily="49" charset="0"/>
-              </a:rPr>
-              <a:t>//</a:t>
-            </a:r>
-            <a:r>
-              <a:rPr lang="en-CA" sz="4000" dirty="0">
-                <a:solidFill>
-                  <a:srgbClr val="FF0000"/>
-                </a:solidFill>
-              </a:rPr>
-              <a:t>*this </a:t>
-            </a:r>
-            <a:r>
-              <a:rPr lang="en-CA" dirty="0">
-                <a:latin typeface="Consolas" panose="020B0609020204030204" pitchFamily="49" charset="0"/>
-              </a:rPr>
-              <a:t>is </a:t>
-            </a:r>
-            <a:r>
-              <a:rPr lang="en-CA" sz="4000" dirty="0">
-                <a:solidFill>
-                  <a:srgbClr val="FF0000"/>
-                </a:solidFill>
-              </a:rPr>
-              <a:t>B</a:t>
-            </a:r>
-            <a:r>
-              <a:rPr lang="en-CA" sz="4000" dirty="0">
-                <a:solidFill>
-                  <a:schemeClr val="accent2">
-                    <a:lumMod val="75000"/>
-                  </a:schemeClr>
-                </a:solidFill>
-              </a:rPr>
-              <a:t> </a:t>
-            </a:r>
-            <a:r>
-              <a:rPr lang="en-CA" dirty="0">
-                <a:latin typeface="Consolas" panose="020B0609020204030204" pitchFamily="49" charset="0"/>
-              </a:rPr>
-              <a:t> </a:t>
-            </a:r>
-            <a:br>
-              <a:rPr lang="en-CA" dirty="0">
-                <a:latin typeface="Consolas" panose="020B0609020204030204" pitchFamily="49" charset="0"/>
-              </a:rPr>
-            </a:br>
-            <a:r>
-              <a:rPr lang="en-CA" sz="1800" dirty="0">
-                <a:latin typeface="Consolas" panose="020B0609020204030204" pitchFamily="49" charset="0"/>
-              </a:rPr>
-              <a:t>(With side-effect, B will change; very unusual )</a:t>
-            </a:r>
-          </a:p>
-          <a:p>
-            <a:pPr marL="0" indent="0">
-              <a:buNone/>
-            </a:pPr>
-            <a:r>
-              <a:rPr lang="en-CA" sz="3200" dirty="0">
-                <a:solidFill>
-                  <a:srgbClr val="FF0000"/>
-                </a:solidFill>
-              </a:rPr>
-              <a:t>No example</a:t>
-            </a:r>
-          </a:p>
-          <a:p>
-            <a:pPr marL="0" indent="0">
-              <a:buNone/>
-            </a:pPr>
-            <a:endParaRPr lang="en-CA" sz="3600" dirty="0">
-              <a:latin typeface="Consolas" panose="020B0609020204030204" pitchFamily="49" charset="0"/>
-            </a:endParaRPr>
-          </a:p>
-        </p:txBody>
-      </p:sp>
-      <p:pic>
-        <p:nvPicPr>
-          <p:cNvPr id="17" name="Content Placeholder 4" descr="Medical">
-            <a:extLst>
-              <a:ext uri="{FF2B5EF4-FFF2-40B4-BE49-F238E27FC236}">
-                <a16:creationId xmlns:a16="http://schemas.microsoft.com/office/drawing/2014/main" id="{B32922FD-12AF-4F2A-B3EA-04CE9DA232C0}"/>
-              </a:ext>
-            </a:extLst>
-          </p:cNvPr>
-          <p:cNvPicPr>
-            <a:picLocks noChangeAspect="1"/>
-          </p:cNvPicPr>
-          <p:nvPr/>
-        </p:nvPicPr>
-        <p:blipFill>
-          <a:blip r:embed="rId2">
-            <a:extLst>
-              <a:ext uri="{28A0092B-C50C-407E-A947-70E740481C1C}">
-                <a14:useLocalDpi xmlns:a14="http://schemas.microsoft.com/office/drawing/2010/main" val="0"/>
-              </a:ext>
-              <a:ext uri="{96DAC541-7B7A-43D3-8B79-37D633B846F1}">
-                <asvg:svgBlip xmlns:asvg="http://schemas.microsoft.com/office/drawing/2016/SVG/main" r:embed="rId3"/>
-              </a:ext>
-            </a:extLst>
-          </a:blip>
-          <a:stretch>
-            <a:fillRect/>
-          </a:stretch>
-        </p:blipFill>
-        <p:spPr>
-          <a:xfrm>
-            <a:off x="7608953" y="2465091"/>
-            <a:ext cx="331325" cy="331325"/>
-          </a:xfrm>
-          <a:prstGeom prst="rect">
-            <a:avLst/>
-          </a:prstGeom>
-        </p:spPr>
-      </p:pic>
-      <p:pic>
-        <p:nvPicPr>
-          <p:cNvPr id="18" name="Content Placeholder 4" descr="Medical">
-            <a:extLst>
-              <a:ext uri="{FF2B5EF4-FFF2-40B4-BE49-F238E27FC236}">
-                <a16:creationId xmlns:a16="http://schemas.microsoft.com/office/drawing/2014/main" id="{2A1D2053-DA21-4601-9C85-1B3F09D915E4}"/>
-              </a:ext>
-            </a:extLst>
-          </p:cNvPr>
-          <p:cNvPicPr>
-            <a:picLocks noChangeAspect="1"/>
-          </p:cNvPicPr>
-          <p:nvPr/>
-        </p:nvPicPr>
-        <p:blipFill>
-          <a:blip r:embed="rId2">
-            <a:extLst>
-              <a:ext uri="{28A0092B-C50C-407E-A947-70E740481C1C}">
-                <a14:useLocalDpi xmlns:a14="http://schemas.microsoft.com/office/drawing/2010/main" val="0"/>
-              </a:ext>
-              <a:ext uri="{96DAC541-7B7A-43D3-8B79-37D633B846F1}">
-                <asvg:svgBlip xmlns:asvg="http://schemas.microsoft.com/office/drawing/2016/SVG/main" r:embed="rId3"/>
-              </a:ext>
-            </a:extLst>
-          </a:blip>
-          <a:stretch>
-            <a:fillRect/>
-          </a:stretch>
-        </p:blipFill>
-        <p:spPr>
-          <a:xfrm>
-            <a:off x="7608953" y="4118876"/>
-            <a:ext cx="331325" cy="331325"/>
-          </a:xfrm>
-          <a:prstGeom prst="rect">
-            <a:avLst/>
-          </a:prstGeom>
-        </p:spPr>
-      </p:pic>
-      <p:sp>
-        <p:nvSpPr>
-          <p:cNvPr id="10" name="Rectangle: Rounded Corners 9">
-            <a:extLst>
-              <a:ext uri="{FF2B5EF4-FFF2-40B4-BE49-F238E27FC236}">
-                <a16:creationId xmlns:a16="http://schemas.microsoft.com/office/drawing/2014/main" id="{0C44FC09-94B6-40A0-AC26-1FF61CB94CDE}"/>
-              </a:ext>
-            </a:extLst>
-          </p:cNvPr>
-          <p:cNvSpPr/>
-          <p:nvPr/>
-        </p:nvSpPr>
-        <p:spPr>
-          <a:xfrm rot="3428798">
-            <a:off x="-204683" y="4388163"/>
-            <a:ext cx="3543027" cy="1058090"/>
-          </a:xfrm>
-          <a:prstGeom prst="roundRect">
-            <a:avLst/>
-          </a:prstGeom>
-          <a:solidFill>
-            <a:srgbClr val="FF0000"/>
-          </a:solidFill>
-        </p:spPr>
-        <p:style>
-          <a:lnRef idx="2">
-            <a:schemeClr val="accent1">
-              <a:shade val="50000"/>
-            </a:schemeClr>
-          </a:lnRef>
-          <a:fillRef idx="1">
-            <a:schemeClr val="accent1"/>
-          </a:fillRef>
-          <a:effectRef idx="0">
-            <a:schemeClr val="accent1"/>
-          </a:effectRef>
-          <a:fontRef idx="minor">
-            <a:schemeClr val="lt1"/>
-          </a:fontRef>
-        </p:style>
-        <p:txBody>
-          <a:bodyPr rtlCol="0" anchor="ctr"/>
-          <a:lstStyle/>
-          <a:p>
-            <a:pPr algn="ctr"/>
-            <a:r>
-              <a:rPr lang="en-CA" sz="4800" b="1" dirty="0">
-                <a:latin typeface="Bodoni MT Condensed" panose="02070606080606020203" pitchFamily="18" charset="0"/>
-              </a:rPr>
-              <a:t>Unary(postfix)</a:t>
-            </a:r>
-            <a:endParaRPr lang="en-CA" sz="1200" b="1" dirty="0">
-              <a:latin typeface="Bodoni MT Condensed" panose="02070606080606020203" pitchFamily="18" charset="0"/>
-            </a:endParaRPr>
-          </a:p>
-        </p:txBody>
-      </p:sp>
-    </p:spTree>
-    <p:extLst>
-      <p:ext uri="{BB962C8B-B14F-4D97-AF65-F5344CB8AC3E}">
-        <p14:creationId xmlns:p14="http://schemas.microsoft.com/office/powerpoint/2010/main" val="1403106093"/>
-      </p:ext>
-    </p:extLst>
-  </p:cSld>
-  <p:clrMapOvr>
-    <a:masterClrMapping/>
-  </p:clrMapOvr>
-</p:sld>
-</file>
-
-<file path=ppt/slides/slide18.xml><?xml version="1.0" encoding="utf-8"?>
-<p:sld xmlns:a="http://schemas.openxmlformats.org/drawingml/2006/main" xmlns:r="http://schemas.openxmlformats.org/officeDocument/2006/relationships" xmlns:p="http://schemas.openxmlformats.org/presentationml/2006/main">
-  <p:cSld>
-    <p:spTree>
-      <p:nvGrpSpPr>
-        <p:cNvPr id="1" name=""/>
-        <p:cNvGrpSpPr/>
-        <p:nvPr/>
-      </p:nvGrpSpPr>
-      <p:grpSpPr>
-        <a:xfrm>
-          <a:off x="0" y="0"/>
-          <a:ext cx="0" cy="0"/>
-          <a:chOff x="0" y="0"/>
-          <a:chExt cx="0" cy="0"/>
-        </a:xfrm>
-      </p:grpSpPr>
-      <p:sp>
-        <p:nvSpPr>
-          <p:cNvPr id="2" name="Title 1">
-            <a:extLst>
-              <a:ext uri="{FF2B5EF4-FFF2-40B4-BE49-F238E27FC236}">
-                <a16:creationId xmlns:a16="http://schemas.microsoft.com/office/drawing/2014/main" id="{5B6EFDB8-2E15-45B9-A739-BEFFDFBED9B8}"/>
-              </a:ext>
-            </a:extLst>
-          </p:cNvPr>
-          <p:cNvSpPr>
-            <a:spLocks noGrp="1"/>
-          </p:cNvSpPr>
-          <p:nvPr>
-            <p:ph type="title"/>
-          </p:nvPr>
-        </p:nvSpPr>
-        <p:spPr/>
-        <p:txBody>
-          <a:bodyPr/>
-          <a:lstStyle/>
-          <a:p>
-            <a:pPr algn="ctr"/>
-            <a:r>
-              <a:rPr lang="en-CA" dirty="0"/>
-              <a:t> </a:t>
-            </a:r>
-            <a:r>
-              <a:rPr lang="en-CA" sz="4800" dirty="0">
-                <a:latin typeface="Berlin Sans FB Demi" panose="020E0802020502020306" pitchFamily="34" charset="0"/>
-              </a:rPr>
-              <a:t>Index operator Implementation</a:t>
-            </a:r>
-            <a:endParaRPr lang="en-CA" dirty="0">
-              <a:latin typeface="Berlin Sans FB Demi" panose="020E0802020502020306" pitchFamily="34" charset="0"/>
-            </a:endParaRPr>
-          </a:p>
-        </p:txBody>
-      </p:sp>
-      <p:sp>
-        <p:nvSpPr>
-          <p:cNvPr id="3" name="Content Placeholder 2">
-            <a:extLst>
-              <a:ext uri="{FF2B5EF4-FFF2-40B4-BE49-F238E27FC236}">
-                <a16:creationId xmlns:a16="http://schemas.microsoft.com/office/drawing/2014/main" id="{BA8DE507-D10A-4A9B-9D96-2820FC34328D}"/>
-              </a:ext>
-            </a:extLst>
-          </p:cNvPr>
-          <p:cNvSpPr>
-            <a:spLocks noGrp="1"/>
-          </p:cNvSpPr>
-          <p:nvPr>
-            <p:ph idx="1"/>
-          </p:nvPr>
-        </p:nvSpPr>
-        <p:spPr>
-          <a:xfrm>
-            <a:off x="1299317" y="2132115"/>
-            <a:ext cx="1540579" cy="701230"/>
-          </a:xfrm>
-        </p:spPr>
-        <p:txBody>
-          <a:bodyPr>
-            <a:normAutofit/>
-          </a:bodyPr>
-          <a:lstStyle/>
-          <a:p>
-            <a:pPr marL="0" indent="0">
-              <a:buNone/>
-            </a:pPr>
-            <a:r>
-              <a:rPr lang="en-CA" sz="3200" dirty="0"/>
-              <a:t>      </a:t>
-            </a:r>
-            <a:r>
-              <a:rPr lang="en-CA" sz="3200" dirty="0">
-                <a:solidFill>
-                  <a:srgbClr val="FF0000"/>
-                </a:solidFill>
-              </a:rPr>
-              <a:t>B[n]</a:t>
-            </a:r>
-            <a:r>
-              <a:rPr lang="en-CA" sz="3600" dirty="0"/>
-              <a:t> </a:t>
-            </a:r>
-          </a:p>
-        </p:txBody>
-      </p:sp>
-      <p:sp>
-        <p:nvSpPr>
-          <p:cNvPr id="16" name="Content Placeholder 2">
-            <a:extLst>
-              <a:ext uri="{FF2B5EF4-FFF2-40B4-BE49-F238E27FC236}">
-                <a16:creationId xmlns:a16="http://schemas.microsoft.com/office/drawing/2014/main" id="{2525FA46-6E1F-4C7F-91F5-20684ECEF6E9}"/>
-              </a:ext>
-            </a:extLst>
-          </p:cNvPr>
-          <p:cNvSpPr txBox="1">
-            <a:spLocks/>
-          </p:cNvSpPr>
-          <p:nvPr/>
-        </p:nvSpPr>
-        <p:spPr>
-          <a:xfrm>
-            <a:off x="3209925" y="1913039"/>
-            <a:ext cx="8210550" cy="4422911"/>
-          </a:xfrm>
-          <a:prstGeom prst="rect">
-            <a:avLst/>
-          </a:prstGeom>
-        </p:spPr>
-        <p:txBody>
-          <a:bodyPr vert="horz" lIns="91440" tIns="45720" rIns="91440" bIns="45720" rtlCol="0">
-            <a:normAutofit/>
-          </a:bodyPr>
-          <a:lstStyle>
-            <a:lvl1pPr marL="228600" indent="-228600" algn="l" defTabSz="914400" rtl="0" eaLnBrk="1" latinLnBrk="0" hangingPunct="1">
-              <a:lnSpc>
-                <a:spcPct val="90000"/>
-              </a:lnSpc>
-              <a:spcBef>
-                <a:spcPts val="1000"/>
-              </a:spcBef>
-              <a:buFont typeface="Arial" panose="020B0604020202020204" pitchFamily="34" charset="0"/>
-              <a:buChar char="•"/>
-              <a:defRPr sz="2800" kern="1200">
-                <a:solidFill>
-                  <a:schemeClr val="tx1"/>
-                </a:solidFill>
-                <a:latin typeface="+mn-lt"/>
-                <a:ea typeface="+mn-ea"/>
-                <a:cs typeface="+mn-cs"/>
-              </a:defRPr>
-            </a:lvl1pPr>
-            <a:lvl2pPr marL="685800" indent="-228600" algn="l" defTabSz="914400" rtl="0" eaLnBrk="1" latinLnBrk="0" hangingPunct="1">
-              <a:lnSpc>
-                <a:spcPct val="90000"/>
-              </a:lnSpc>
-              <a:spcBef>
-                <a:spcPts val="500"/>
-              </a:spcBef>
-              <a:buFont typeface="Arial" panose="020B0604020202020204" pitchFamily="34" charset="0"/>
-              <a:buChar char="•"/>
-              <a:defRPr sz="2400" kern="1200">
-                <a:solidFill>
-                  <a:schemeClr val="tx1"/>
-                </a:solidFill>
-                <a:latin typeface="+mn-lt"/>
-                <a:ea typeface="+mn-ea"/>
-                <a:cs typeface="+mn-cs"/>
-              </a:defRPr>
-            </a:lvl2pPr>
-            <a:lvl3pPr marL="1143000" indent="-228600" algn="l" defTabSz="914400" rtl="0" eaLnBrk="1" latinLnBrk="0" hangingPunct="1">
-              <a:lnSpc>
-                <a:spcPct val="90000"/>
-              </a:lnSpc>
-              <a:spcBef>
-                <a:spcPts val="500"/>
-              </a:spcBef>
-              <a:buFont typeface="Arial" panose="020B0604020202020204" pitchFamily="34" charset="0"/>
-              <a:buChar char="•"/>
-              <a:defRPr sz="2000" kern="1200">
-                <a:solidFill>
-                  <a:schemeClr val="tx1"/>
-                </a:solidFill>
-                <a:latin typeface="+mn-lt"/>
-                <a:ea typeface="+mn-ea"/>
-                <a:cs typeface="+mn-cs"/>
-              </a:defRPr>
-            </a:lvl3pPr>
-            <a:lvl4pPr marL="1600200" indent="-228600" algn="l" defTabSz="914400" rtl="0" eaLnBrk="1" latinLnBrk="0" hangingPunct="1">
-              <a:lnSpc>
-                <a:spcPct val="90000"/>
-              </a:lnSpc>
-              <a:spcBef>
-                <a:spcPts val="500"/>
-              </a:spcBef>
-              <a:buFont typeface="Arial" panose="020B0604020202020204" pitchFamily="34" charset="0"/>
-              <a:buChar char="•"/>
-              <a:defRPr sz="1800" kern="1200">
-                <a:solidFill>
-                  <a:schemeClr val="tx1"/>
-                </a:solidFill>
-                <a:latin typeface="+mn-lt"/>
-                <a:ea typeface="+mn-ea"/>
-                <a:cs typeface="+mn-cs"/>
-              </a:defRPr>
-            </a:lvl4pPr>
-            <a:lvl5pPr marL="2057400" indent="-228600" algn="l" defTabSz="914400" rtl="0" eaLnBrk="1" latinLnBrk="0" hangingPunct="1">
-              <a:lnSpc>
-                <a:spcPct val="90000"/>
-              </a:lnSpc>
-              <a:spcBef>
-                <a:spcPts val="500"/>
-              </a:spcBef>
-              <a:buFont typeface="Arial" panose="020B0604020202020204" pitchFamily="34" charset="0"/>
-              <a:buChar char="•"/>
-              <a:defRPr sz="1800" kern="1200">
-                <a:solidFill>
-                  <a:schemeClr val="tx1"/>
-                </a:solidFill>
-                <a:latin typeface="+mn-lt"/>
-                <a:ea typeface="+mn-ea"/>
-                <a:cs typeface="+mn-cs"/>
-              </a:defRPr>
-            </a:lvl5pPr>
-            <a:lvl6pPr marL="2514600" indent="-228600" algn="l" defTabSz="914400" rtl="0" eaLnBrk="1" latinLnBrk="0" hangingPunct="1">
-              <a:lnSpc>
-                <a:spcPct val="90000"/>
-              </a:lnSpc>
-              <a:spcBef>
-                <a:spcPts val="500"/>
-              </a:spcBef>
-              <a:buFont typeface="Arial" panose="020B0604020202020204" pitchFamily="34" charset="0"/>
-              <a:buChar char="•"/>
-              <a:defRPr sz="1800" kern="1200">
-                <a:solidFill>
-                  <a:schemeClr val="tx1"/>
-                </a:solidFill>
-                <a:latin typeface="+mn-lt"/>
-                <a:ea typeface="+mn-ea"/>
-                <a:cs typeface="+mn-cs"/>
-              </a:defRPr>
-            </a:lvl6pPr>
-            <a:lvl7pPr marL="2971800" indent="-228600" algn="l" defTabSz="914400" rtl="0" eaLnBrk="1" latinLnBrk="0" hangingPunct="1">
-              <a:lnSpc>
-                <a:spcPct val="90000"/>
-              </a:lnSpc>
-              <a:spcBef>
-                <a:spcPts val="500"/>
-              </a:spcBef>
-              <a:buFont typeface="Arial" panose="020B0604020202020204" pitchFamily="34" charset="0"/>
-              <a:buChar char="•"/>
-              <a:defRPr sz="1800" kern="1200">
-                <a:solidFill>
-                  <a:schemeClr val="tx1"/>
-                </a:solidFill>
-                <a:latin typeface="+mn-lt"/>
-                <a:ea typeface="+mn-ea"/>
-                <a:cs typeface="+mn-cs"/>
-              </a:defRPr>
-            </a:lvl7pPr>
-            <a:lvl8pPr marL="3429000" indent="-228600" algn="l" defTabSz="914400" rtl="0" eaLnBrk="1" latinLnBrk="0" hangingPunct="1">
-              <a:lnSpc>
-                <a:spcPct val="90000"/>
-              </a:lnSpc>
-              <a:spcBef>
-                <a:spcPts val="500"/>
-              </a:spcBef>
-              <a:buFont typeface="Arial" panose="020B0604020202020204" pitchFamily="34" charset="0"/>
-              <a:buChar char="•"/>
-              <a:defRPr sz="1800" kern="1200">
-                <a:solidFill>
-                  <a:schemeClr val="tx1"/>
-                </a:solidFill>
-                <a:latin typeface="+mn-lt"/>
-                <a:ea typeface="+mn-ea"/>
-                <a:cs typeface="+mn-cs"/>
-              </a:defRPr>
-            </a:lvl8pPr>
-            <a:lvl9pPr marL="3886200" indent="-228600" algn="l" defTabSz="914400" rtl="0" eaLnBrk="1" latinLnBrk="0" hangingPunct="1">
-              <a:lnSpc>
-                <a:spcPct val="90000"/>
-              </a:lnSpc>
-              <a:spcBef>
-                <a:spcPts val="500"/>
-              </a:spcBef>
-              <a:buFont typeface="Arial" panose="020B0604020202020204" pitchFamily="34" charset="0"/>
-              <a:buChar char="•"/>
-              <a:defRPr sz="1800" kern="1200">
-                <a:solidFill>
-                  <a:schemeClr val="tx1"/>
-                </a:solidFill>
-                <a:latin typeface="+mn-lt"/>
-                <a:ea typeface="+mn-ea"/>
-                <a:cs typeface="+mn-cs"/>
-              </a:defRPr>
-            </a:lvl9pPr>
-          </a:lstStyle>
-          <a:p>
-            <a:pPr marL="0" indent="0">
-              <a:buNone/>
-            </a:pPr>
-            <a:r>
-              <a:rPr lang="en-CA" dirty="0">
-                <a:latin typeface="Consolas" panose="020B0609020204030204" pitchFamily="49" charset="0"/>
-              </a:rPr>
-              <a:t>Faa </a:t>
-            </a:r>
-            <a:r>
-              <a:rPr lang="en-CA" sz="3200" dirty="0">
-                <a:solidFill>
-                  <a:srgbClr val="FF0000"/>
-                </a:solidFill>
-              </a:rPr>
-              <a:t>B</a:t>
-            </a:r>
-            <a:r>
-              <a:rPr lang="en-CA" dirty="0">
-                <a:latin typeface="Consolas" panose="020B0609020204030204" pitchFamily="49" charset="0"/>
-              </a:rPr>
-              <a:t>;</a:t>
-            </a:r>
-            <a:br>
-              <a:rPr lang="en-CA" dirty="0">
-                <a:latin typeface="Consolas" panose="020B0609020204030204" pitchFamily="49" charset="0"/>
-              </a:rPr>
-            </a:br>
-            <a:r>
-              <a:rPr lang="en-CA" dirty="0">
-                <a:latin typeface="Consolas" panose="020B0609020204030204" pitchFamily="49" charset="0"/>
-              </a:rPr>
-              <a:t>Whatever Faa::operator[] (</a:t>
-            </a:r>
-            <a:r>
-              <a:rPr lang="en-CA" dirty="0">
-                <a:solidFill>
-                  <a:srgbClr val="00B0F0"/>
-                </a:solidFill>
-                <a:latin typeface="Consolas" panose="020B0609020204030204" pitchFamily="49" charset="0"/>
-              </a:rPr>
-              <a:t>int n</a:t>
-            </a:r>
-            <a:r>
-              <a:rPr lang="en-CA" dirty="0">
-                <a:latin typeface="Consolas" panose="020B0609020204030204" pitchFamily="49" charset="0"/>
-              </a:rPr>
-              <a:t>)const;</a:t>
-            </a:r>
-          </a:p>
-          <a:p>
-            <a:pPr marL="0" indent="0">
-              <a:buNone/>
-            </a:pPr>
-            <a:r>
-              <a:rPr lang="en-CA" dirty="0">
-                <a:latin typeface="Consolas" panose="020B0609020204030204" pitchFamily="49" charset="0"/>
-              </a:rPr>
-              <a:t>//</a:t>
-            </a:r>
-            <a:r>
-              <a:rPr lang="en-CA" sz="3200" dirty="0">
-                <a:solidFill>
-                  <a:srgbClr val="FF0000"/>
-                </a:solidFill>
-              </a:rPr>
-              <a:t>*this </a:t>
-            </a:r>
-            <a:r>
-              <a:rPr lang="en-CA" dirty="0">
-                <a:latin typeface="Consolas" panose="020B0609020204030204" pitchFamily="49" charset="0"/>
-              </a:rPr>
-              <a:t>is </a:t>
-            </a:r>
-            <a:r>
-              <a:rPr lang="en-CA" sz="3200" dirty="0">
-                <a:solidFill>
-                  <a:srgbClr val="FF0000"/>
-                </a:solidFill>
-              </a:rPr>
-              <a:t>B</a:t>
-            </a:r>
-            <a:r>
-              <a:rPr lang="en-CA" sz="3200" dirty="0">
-                <a:solidFill>
-                  <a:schemeClr val="accent2">
-                    <a:lumMod val="75000"/>
-                  </a:schemeClr>
-                </a:solidFill>
-              </a:rPr>
-              <a:t> </a:t>
-            </a:r>
-            <a:r>
-              <a:rPr lang="en-CA" sz="2000" dirty="0">
-                <a:latin typeface="Consolas" panose="020B0609020204030204" pitchFamily="49" charset="0"/>
-              </a:rPr>
-              <a:t> (Without side-effect, B is read only )</a:t>
-            </a:r>
-          </a:p>
-          <a:p>
-            <a:pPr marL="0" indent="0">
-              <a:buNone/>
-            </a:pPr>
-            <a:r>
-              <a:rPr lang="en-CA" sz="3200" dirty="0">
-                <a:solidFill>
-                  <a:srgbClr val="FF0000"/>
-                </a:solidFill>
-              </a:rPr>
-              <a:t>B[5]</a:t>
-            </a:r>
-          </a:p>
-          <a:p>
-            <a:pPr marL="0" indent="0">
-              <a:buNone/>
-            </a:pPr>
-            <a:r>
-              <a:rPr lang="en-CA" dirty="0">
-                <a:latin typeface="Consolas" panose="020B0609020204030204" pitchFamily="49" charset="0"/>
-              </a:rPr>
-              <a:t>Whatever Faa::operator[] (</a:t>
-            </a:r>
-            <a:r>
-              <a:rPr lang="en-CA" dirty="0">
-                <a:solidFill>
-                  <a:srgbClr val="00B0F0"/>
-                </a:solidFill>
-                <a:latin typeface="Consolas" panose="020B0609020204030204" pitchFamily="49" charset="0"/>
-              </a:rPr>
-              <a:t>int n</a:t>
-            </a:r>
-            <a:r>
-              <a:rPr lang="en-CA" dirty="0">
-                <a:latin typeface="Consolas" panose="020B0609020204030204" pitchFamily="49" charset="0"/>
-              </a:rPr>
-              <a:t>);</a:t>
-            </a:r>
-          </a:p>
-          <a:p>
-            <a:pPr marL="0" indent="0">
-              <a:buNone/>
-            </a:pPr>
-            <a:r>
-              <a:rPr lang="en-CA" dirty="0">
-                <a:latin typeface="Consolas" panose="020B0609020204030204" pitchFamily="49" charset="0"/>
-              </a:rPr>
-              <a:t>//</a:t>
-            </a:r>
-            <a:r>
-              <a:rPr lang="en-CA" sz="4000" dirty="0">
-                <a:solidFill>
-                  <a:srgbClr val="FF0000"/>
-                </a:solidFill>
-              </a:rPr>
-              <a:t>*this </a:t>
-            </a:r>
-            <a:r>
-              <a:rPr lang="en-CA" dirty="0">
-                <a:latin typeface="Consolas" panose="020B0609020204030204" pitchFamily="49" charset="0"/>
-              </a:rPr>
-              <a:t>is </a:t>
-            </a:r>
-            <a:r>
-              <a:rPr lang="en-CA" sz="4000" dirty="0">
-                <a:solidFill>
-                  <a:srgbClr val="FF0000"/>
-                </a:solidFill>
-              </a:rPr>
-              <a:t>B</a:t>
-            </a:r>
-            <a:r>
-              <a:rPr lang="en-CA" sz="4000" dirty="0">
-                <a:solidFill>
-                  <a:schemeClr val="accent2">
-                    <a:lumMod val="75000"/>
-                  </a:schemeClr>
-                </a:solidFill>
-              </a:rPr>
-              <a:t> </a:t>
-            </a:r>
-            <a:r>
-              <a:rPr lang="en-CA" dirty="0">
-                <a:latin typeface="Consolas" panose="020B0609020204030204" pitchFamily="49" charset="0"/>
-              </a:rPr>
-              <a:t> </a:t>
-            </a:r>
-            <a:br>
-              <a:rPr lang="en-CA" dirty="0">
-                <a:latin typeface="Consolas" panose="020B0609020204030204" pitchFamily="49" charset="0"/>
-              </a:rPr>
-            </a:br>
-            <a:r>
-              <a:rPr lang="en-CA" sz="1800" dirty="0">
-                <a:latin typeface="Consolas" panose="020B0609020204030204" pitchFamily="49" charset="0"/>
-              </a:rPr>
-              <a:t>(With side-effect, B will change )</a:t>
-            </a:r>
-          </a:p>
-          <a:p>
-            <a:pPr marL="0" indent="0">
-              <a:buNone/>
-            </a:pPr>
-            <a:r>
-              <a:rPr lang="en-CA" sz="3200" dirty="0">
-                <a:solidFill>
-                  <a:srgbClr val="FF0000"/>
-                </a:solidFill>
-              </a:rPr>
-              <a:t>B[5]</a:t>
-            </a:r>
-          </a:p>
-          <a:p>
-            <a:pPr marL="0" indent="0">
-              <a:buNone/>
-            </a:pPr>
-            <a:endParaRPr lang="en-CA" sz="3600" dirty="0">
-              <a:latin typeface="Consolas" panose="020B0609020204030204" pitchFamily="49" charset="0"/>
-            </a:endParaRPr>
-          </a:p>
-        </p:txBody>
-      </p:sp>
-      <p:sp>
-        <p:nvSpPr>
-          <p:cNvPr id="9" name="Rectangle: Rounded Corners 8">
-            <a:extLst>
-              <a:ext uri="{FF2B5EF4-FFF2-40B4-BE49-F238E27FC236}">
-                <a16:creationId xmlns:a16="http://schemas.microsoft.com/office/drawing/2014/main" id="{8717F8D3-3C3C-4B30-A0F2-CD6EFF391AAA}"/>
-              </a:ext>
-            </a:extLst>
-          </p:cNvPr>
-          <p:cNvSpPr/>
-          <p:nvPr/>
-        </p:nvSpPr>
-        <p:spPr>
-          <a:xfrm>
-            <a:off x="6453386" y="5500211"/>
-            <a:ext cx="4900414" cy="1058090"/>
-          </a:xfrm>
-          <a:prstGeom prst="roundRect">
-            <a:avLst/>
-          </a:prstGeom>
-          <a:solidFill>
-            <a:srgbClr val="FF0000"/>
-          </a:solidFill>
-        </p:spPr>
-        <p:style>
-          <a:lnRef idx="2">
-            <a:schemeClr val="accent1">
-              <a:shade val="50000"/>
-            </a:schemeClr>
-          </a:lnRef>
-          <a:fillRef idx="1">
-            <a:schemeClr val="accent1"/>
-          </a:fillRef>
-          <a:effectRef idx="0">
-            <a:schemeClr val="accent1"/>
-          </a:effectRef>
-          <a:fontRef idx="minor">
-            <a:schemeClr val="lt1"/>
-          </a:fontRef>
-        </p:style>
-        <p:txBody>
-          <a:bodyPr rtlCol="0" anchor="ctr"/>
-          <a:lstStyle/>
-          <a:p>
-            <a:pPr algn="ctr"/>
-            <a:r>
-              <a:rPr lang="en-CA" sz="4800" b="1" dirty="0">
-                <a:latin typeface="Bodoni MT Condensed" panose="02070606080606020203" pitchFamily="18" charset="0"/>
-              </a:rPr>
-              <a:t>Indexing Operator</a:t>
-            </a:r>
-            <a:endParaRPr lang="en-CA" sz="1200" b="1" dirty="0">
-              <a:latin typeface="Bodoni MT Condensed" panose="02070606080606020203" pitchFamily="18" charset="0"/>
-            </a:endParaRPr>
-          </a:p>
-        </p:txBody>
-      </p:sp>
-    </p:spTree>
-    <p:extLst>
-      <p:ext uri="{BB962C8B-B14F-4D97-AF65-F5344CB8AC3E}">
-        <p14:creationId xmlns:p14="http://schemas.microsoft.com/office/powerpoint/2010/main" val="1451816706"/>
-      </p:ext>
-    </p:extLst>
-  </p:cSld>
-  <p:clrMapOvr>
-    <a:masterClrMapping/>
-  </p:clrMapOvr>
-</p:sld>
-</file>
-
-<file path=ppt/slides/slide19.xml><?xml version="1.0" encoding="utf-8"?>
-<p:sld xmlns:a="http://schemas.openxmlformats.org/drawingml/2006/main" xmlns:r="http://schemas.openxmlformats.org/officeDocument/2006/relationships" xmlns:p="http://schemas.openxmlformats.org/presentationml/2006/main">
-  <p:cSld>
-    <p:spTree>
-      <p:nvGrpSpPr>
-        <p:cNvPr id="1" name=""/>
-        <p:cNvGrpSpPr/>
-        <p:nvPr/>
-      </p:nvGrpSpPr>
-      <p:grpSpPr>
-        <a:xfrm>
-          <a:off x="0" y="0"/>
-          <a:ext cx="0" cy="0"/>
-          <a:chOff x="0" y="0"/>
-          <a:chExt cx="0" cy="0"/>
-        </a:xfrm>
-      </p:grpSpPr>
-      <p:sp>
-        <p:nvSpPr>
-          <p:cNvPr id="2" name="Title 1">
-            <a:extLst>
-              <a:ext uri="{FF2B5EF4-FFF2-40B4-BE49-F238E27FC236}">
-                <a16:creationId xmlns:a16="http://schemas.microsoft.com/office/drawing/2014/main" id="{5B6EFDB8-2E15-45B9-A739-BEFFDFBED9B8}"/>
-              </a:ext>
-            </a:extLst>
-          </p:cNvPr>
-          <p:cNvSpPr>
-            <a:spLocks noGrp="1"/>
-          </p:cNvSpPr>
-          <p:nvPr>
-            <p:ph type="title"/>
-          </p:nvPr>
-        </p:nvSpPr>
-        <p:spPr/>
-        <p:txBody>
-          <a:bodyPr>
-            <a:normAutofit fontScale="90000"/>
-          </a:bodyPr>
-          <a:lstStyle/>
-          <a:p>
-            <a:pPr algn="ctr"/>
-            <a:r>
-              <a:rPr lang="en-CA" dirty="0"/>
-              <a:t> </a:t>
-            </a:r>
-            <a:r>
-              <a:rPr lang="en-CA" sz="4800" dirty="0">
-                <a:latin typeface="Berlin Sans FB Demi" panose="020E0802020502020306" pitchFamily="34" charset="0"/>
-              </a:rPr>
-              <a:t>Type Conversion operator Implementation</a:t>
-            </a:r>
-            <a:endParaRPr lang="en-CA" dirty="0">
-              <a:latin typeface="Berlin Sans FB Demi" panose="020E0802020502020306" pitchFamily="34" charset="0"/>
-            </a:endParaRPr>
-          </a:p>
-        </p:txBody>
-      </p:sp>
-      <p:sp>
-        <p:nvSpPr>
-          <p:cNvPr id="3" name="Content Placeholder 2">
-            <a:extLst>
-              <a:ext uri="{FF2B5EF4-FFF2-40B4-BE49-F238E27FC236}">
-                <a16:creationId xmlns:a16="http://schemas.microsoft.com/office/drawing/2014/main" id="{BA8DE507-D10A-4A9B-9D96-2820FC34328D}"/>
-              </a:ext>
-            </a:extLst>
-          </p:cNvPr>
-          <p:cNvSpPr>
-            <a:spLocks noGrp="1"/>
-          </p:cNvSpPr>
-          <p:nvPr>
-            <p:ph idx="1"/>
-          </p:nvPr>
-        </p:nvSpPr>
-        <p:spPr>
-          <a:xfrm>
-            <a:off x="1257301" y="2132115"/>
-            <a:ext cx="1582596" cy="701230"/>
-          </a:xfrm>
-        </p:spPr>
-        <p:txBody>
-          <a:bodyPr>
-            <a:normAutofit/>
-          </a:bodyPr>
-          <a:lstStyle/>
-          <a:p>
-            <a:pPr marL="0" indent="0">
-              <a:buNone/>
-            </a:pPr>
-            <a:r>
-              <a:rPr lang="en-CA" sz="3200" dirty="0"/>
-              <a:t>(Foo)</a:t>
-            </a:r>
-            <a:r>
-              <a:rPr lang="en-CA" sz="3200" dirty="0">
-                <a:solidFill>
-                  <a:srgbClr val="FF0000"/>
-                </a:solidFill>
-              </a:rPr>
-              <a:t>B</a:t>
-            </a:r>
-            <a:endParaRPr lang="en-CA" sz="3600" dirty="0"/>
-          </a:p>
-        </p:txBody>
-      </p:sp>
-      <p:sp>
-        <p:nvSpPr>
-          <p:cNvPr id="16" name="Content Placeholder 2">
-            <a:extLst>
-              <a:ext uri="{FF2B5EF4-FFF2-40B4-BE49-F238E27FC236}">
-                <a16:creationId xmlns:a16="http://schemas.microsoft.com/office/drawing/2014/main" id="{2525FA46-6E1F-4C7F-91F5-20684ECEF6E9}"/>
-              </a:ext>
-            </a:extLst>
-          </p:cNvPr>
-          <p:cNvSpPr txBox="1">
-            <a:spLocks/>
-          </p:cNvSpPr>
-          <p:nvPr/>
-        </p:nvSpPr>
-        <p:spPr>
-          <a:xfrm>
-            <a:off x="3209925" y="1913039"/>
-            <a:ext cx="8210550" cy="4422911"/>
-          </a:xfrm>
-          <a:prstGeom prst="rect">
-            <a:avLst/>
-          </a:prstGeom>
-        </p:spPr>
-        <p:txBody>
-          <a:bodyPr vert="horz" lIns="91440" tIns="45720" rIns="91440" bIns="45720" rtlCol="0">
-            <a:normAutofit/>
-          </a:bodyPr>
-          <a:lstStyle>
-            <a:lvl1pPr marL="228600" indent="-228600" algn="l" defTabSz="914400" rtl="0" eaLnBrk="1" latinLnBrk="0" hangingPunct="1">
-              <a:lnSpc>
-                <a:spcPct val="90000"/>
-              </a:lnSpc>
-              <a:spcBef>
-                <a:spcPts val="1000"/>
-              </a:spcBef>
-              <a:buFont typeface="Arial" panose="020B0604020202020204" pitchFamily="34" charset="0"/>
-              <a:buChar char="•"/>
-              <a:defRPr sz="2800" kern="1200">
-                <a:solidFill>
-                  <a:schemeClr val="tx1"/>
-                </a:solidFill>
-                <a:latin typeface="+mn-lt"/>
-                <a:ea typeface="+mn-ea"/>
-                <a:cs typeface="+mn-cs"/>
-              </a:defRPr>
-            </a:lvl1pPr>
-            <a:lvl2pPr marL="685800" indent="-228600" algn="l" defTabSz="914400" rtl="0" eaLnBrk="1" latinLnBrk="0" hangingPunct="1">
-              <a:lnSpc>
-                <a:spcPct val="90000"/>
-              </a:lnSpc>
-              <a:spcBef>
-                <a:spcPts val="500"/>
-              </a:spcBef>
-              <a:buFont typeface="Arial" panose="020B0604020202020204" pitchFamily="34" charset="0"/>
-              <a:buChar char="•"/>
-              <a:defRPr sz="2400" kern="1200">
-                <a:solidFill>
-                  <a:schemeClr val="tx1"/>
-                </a:solidFill>
-                <a:latin typeface="+mn-lt"/>
-                <a:ea typeface="+mn-ea"/>
-                <a:cs typeface="+mn-cs"/>
-              </a:defRPr>
-            </a:lvl2pPr>
-            <a:lvl3pPr marL="1143000" indent="-228600" algn="l" defTabSz="914400" rtl="0" eaLnBrk="1" latinLnBrk="0" hangingPunct="1">
-              <a:lnSpc>
-                <a:spcPct val="90000"/>
-              </a:lnSpc>
-              <a:spcBef>
-                <a:spcPts val="500"/>
-              </a:spcBef>
-              <a:buFont typeface="Arial" panose="020B0604020202020204" pitchFamily="34" charset="0"/>
-              <a:buChar char="•"/>
-              <a:defRPr sz="2000" kern="1200">
-                <a:solidFill>
-                  <a:schemeClr val="tx1"/>
-                </a:solidFill>
-                <a:latin typeface="+mn-lt"/>
-                <a:ea typeface="+mn-ea"/>
-                <a:cs typeface="+mn-cs"/>
-              </a:defRPr>
-            </a:lvl3pPr>
-            <a:lvl4pPr marL="1600200" indent="-228600" algn="l" defTabSz="914400" rtl="0" eaLnBrk="1" latinLnBrk="0" hangingPunct="1">
-              <a:lnSpc>
-                <a:spcPct val="90000"/>
-              </a:lnSpc>
-              <a:spcBef>
-                <a:spcPts val="500"/>
-              </a:spcBef>
-              <a:buFont typeface="Arial" panose="020B0604020202020204" pitchFamily="34" charset="0"/>
-              <a:buChar char="•"/>
-              <a:defRPr sz="1800" kern="1200">
-                <a:solidFill>
-                  <a:schemeClr val="tx1"/>
-                </a:solidFill>
-                <a:latin typeface="+mn-lt"/>
-                <a:ea typeface="+mn-ea"/>
-                <a:cs typeface="+mn-cs"/>
-              </a:defRPr>
-            </a:lvl4pPr>
-            <a:lvl5pPr marL="2057400" indent="-228600" algn="l" defTabSz="914400" rtl="0" eaLnBrk="1" latinLnBrk="0" hangingPunct="1">
-              <a:lnSpc>
-                <a:spcPct val="90000"/>
-              </a:lnSpc>
-              <a:spcBef>
-                <a:spcPts val="500"/>
-              </a:spcBef>
-              <a:buFont typeface="Arial" panose="020B0604020202020204" pitchFamily="34" charset="0"/>
-              <a:buChar char="•"/>
-              <a:defRPr sz="1800" kern="1200">
-                <a:solidFill>
-                  <a:schemeClr val="tx1"/>
-                </a:solidFill>
-                <a:latin typeface="+mn-lt"/>
-                <a:ea typeface="+mn-ea"/>
-                <a:cs typeface="+mn-cs"/>
-              </a:defRPr>
-            </a:lvl5pPr>
-            <a:lvl6pPr marL="2514600" indent="-228600" algn="l" defTabSz="914400" rtl="0" eaLnBrk="1" latinLnBrk="0" hangingPunct="1">
-              <a:lnSpc>
-                <a:spcPct val="90000"/>
-              </a:lnSpc>
-              <a:spcBef>
-                <a:spcPts val="500"/>
-              </a:spcBef>
-              <a:buFont typeface="Arial" panose="020B0604020202020204" pitchFamily="34" charset="0"/>
-              <a:buChar char="•"/>
-              <a:defRPr sz="1800" kern="1200">
-                <a:solidFill>
-                  <a:schemeClr val="tx1"/>
-                </a:solidFill>
-                <a:latin typeface="+mn-lt"/>
-                <a:ea typeface="+mn-ea"/>
-                <a:cs typeface="+mn-cs"/>
-              </a:defRPr>
-            </a:lvl6pPr>
-            <a:lvl7pPr marL="2971800" indent="-228600" algn="l" defTabSz="914400" rtl="0" eaLnBrk="1" latinLnBrk="0" hangingPunct="1">
-              <a:lnSpc>
-                <a:spcPct val="90000"/>
-              </a:lnSpc>
-              <a:spcBef>
-                <a:spcPts val="500"/>
-              </a:spcBef>
-              <a:buFont typeface="Arial" panose="020B0604020202020204" pitchFamily="34" charset="0"/>
-              <a:buChar char="•"/>
-              <a:defRPr sz="1800" kern="1200">
-                <a:solidFill>
-                  <a:schemeClr val="tx1"/>
-                </a:solidFill>
-                <a:latin typeface="+mn-lt"/>
-                <a:ea typeface="+mn-ea"/>
-                <a:cs typeface="+mn-cs"/>
-              </a:defRPr>
-            </a:lvl7pPr>
-            <a:lvl8pPr marL="3429000" indent="-228600" algn="l" defTabSz="914400" rtl="0" eaLnBrk="1" latinLnBrk="0" hangingPunct="1">
-              <a:lnSpc>
-                <a:spcPct val="90000"/>
-              </a:lnSpc>
-              <a:spcBef>
-                <a:spcPts val="500"/>
-              </a:spcBef>
-              <a:buFont typeface="Arial" panose="020B0604020202020204" pitchFamily="34" charset="0"/>
-              <a:buChar char="•"/>
-              <a:defRPr sz="1800" kern="1200">
-                <a:solidFill>
-                  <a:schemeClr val="tx1"/>
-                </a:solidFill>
-                <a:latin typeface="+mn-lt"/>
-                <a:ea typeface="+mn-ea"/>
-                <a:cs typeface="+mn-cs"/>
-              </a:defRPr>
-            </a:lvl8pPr>
-            <a:lvl9pPr marL="3886200" indent="-228600" algn="l" defTabSz="914400" rtl="0" eaLnBrk="1" latinLnBrk="0" hangingPunct="1">
-              <a:lnSpc>
-                <a:spcPct val="90000"/>
-              </a:lnSpc>
-              <a:spcBef>
-                <a:spcPts val="500"/>
-              </a:spcBef>
-              <a:buFont typeface="Arial" panose="020B0604020202020204" pitchFamily="34" charset="0"/>
-              <a:buChar char="•"/>
-              <a:defRPr sz="1800" kern="1200">
-                <a:solidFill>
-                  <a:schemeClr val="tx1"/>
-                </a:solidFill>
-                <a:latin typeface="+mn-lt"/>
-                <a:ea typeface="+mn-ea"/>
-                <a:cs typeface="+mn-cs"/>
-              </a:defRPr>
-            </a:lvl9pPr>
-          </a:lstStyle>
-          <a:p>
-            <a:pPr marL="0" indent="0">
-              <a:buNone/>
-            </a:pPr>
-            <a:r>
-              <a:rPr lang="en-CA" dirty="0">
-                <a:latin typeface="Consolas" panose="020B0609020204030204" pitchFamily="49" charset="0"/>
-              </a:rPr>
-              <a:t>Faa </a:t>
-            </a:r>
-            <a:r>
-              <a:rPr lang="en-CA" sz="3200" dirty="0">
-                <a:solidFill>
-                  <a:srgbClr val="FF0000"/>
-                </a:solidFill>
-              </a:rPr>
-              <a:t>B</a:t>
-            </a:r>
-            <a:r>
-              <a:rPr lang="en-CA" dirty="0">
-                <a:latin typeface="Consolas" panose="020B0609020204030204" pitchFamily="49" charset="0"/>
-              </a:rPr>
-              <a:t>;</a:t>
-            </a:r>
-            <a:br>
-              <a:rPr lang="en-CA" dirty="0">
-                <a:latin typeface="Consolas" panose="020B0609020204030204" pitchFamily="49" charset="0"/>
-              </a:rPr>
-            </a:br>
-            <a:r>
-              <a:rPr lang="en-CA" dirty="0">
-                <a:latin typeface="Consolas" panose="020B0609020204030204" pitchFamily="49" charset="0"/>
-              </a:rPr>
-              <a:t>Faa::operator Foo()const;</a:t>
-            </a:r>
-          </a:p>
-          <a:p>
-            <a:pPr marL="0" indent="0">
-              <a:buNone/>
-            </a:pPr>
-            <a:r>
-              <a:rPr lang="en-CA" dirty="0">
-                <a:latin typeface="Consolas" panose="020B0609020204030204" pitchFamily="49" charset="0"/>
-              </a:rPr>
-              <a:t>//</a:t>
-            </a:r>
-            <a:r>
-              <a:rPr lang="en-CA" sz="3200" dirty="0">
-                <a:solidFill>
-                  <a:srgbClr val="FF0000"/>
-                </a:solidFill>
-              </a:rPr>
-              <a:t>*this </a:t>
-            </a:r>
-            <a:r>
-              <a:rPr lang="en-CA" dirty="0">
-                <a:latin typeface="Consolas" panose="020B0609020204030204" pitchFamily="49" charset="0"/>
-              </a:rPr>
-              <a:t>is </a:t>
-            </a:r>
-            <a:r>
-              <a:rPr lang="en-CA" sz="3200" dirty="0">
-                <a:solidFill>
-                  <a:srgbClr val="FF0000"/>
-                </a:solidFill>
-              </a:rPr>
-              <a:t>B</a:t>
-            </a:r>
-            <a:r>
-              <a:rPr lang="en-CA" sz="3200" dirty="0">
-                <a:solidFill>
-                  <a:schemeClr val="accent2">
-                    <a:lumMod val="75000"/>
-                  </a:schemeClr>
-                </a:solidFill>
-              </a:rPr>
-              <a:t> </a:t>
-            </a:r>
-            <a:r>
-              <a:rPr lang="en-CA" sz="2000" dirty="0">
-                <a:latin typeface="Consolas" panose="020B0609020204030204" pitchFamily="49" charset="0"/>
-              </a:rPr>
-              <a:t> (Without side-effect, B is read only )</a:t>
-            </a:r>
-          </a:p>
-          <a:p>
-            <a:pPr marL="0" indent="0">
-              <a:buNone/>
-            </a:pPr>
-            <a:r>
-              <a:rPr lang="en-CA" sz="3200" dirty="0">
-                <a:solidFill>
-                  <a:srgbClr val="FF0000"/>
-                </a:solidFill>
-              </a:rPr>
-              <a:t>B[5]</a:t>
-            </a:r>
-          </a:p>
-          <a:p>
-            <a:pPr marL="0" indent="0">
-              <a:buNone/>
-            </a:pPr>
-            <a:r>
-              <a:rPr lang="en-CA" dirty="0">
-                <a:latin typeface="Consolas" panose="020B0609020204030204" pitchFamily="49" charset="0"/>
-              </a:rPr>
-              <a:t>Faa::operator </a:t>
-            </a:r>
-            <a:r>
-              <a:rPr lang="en-CA">
-                <a:latin typeface="Consolas" panose="020B0609020204030204" pitchFamily="49" charset="0"/>
-              </a:rPr>
-              <a:t>Foo();</a:t>
-            </a:r>
-            <a:endParaRPr lang="en-CA" dirty="0">
-              <a:latin typeface="Consolas" panose="020B0609020204030204" pitchFamily="49" charset="0"/>
-            </a:endParaRPr>
-          </a:p>
-          <a:p>
-            <a:pPr marL="0" indent="0">
-              <a:buNone/>
-            </a:pPr>
-            <a:r>
-              <a:rPr lang="en-CA" dirty="0">
-                <a:latin typeface="Consolas" panose="020B0609020204030204" pitchFamily="49" charset="0"/>
-              </a:rPr>
-              <a:t>//</a:t>
-            </a:r>
-            <a:r>
-              <a:rPr lang="en-CA" sz="4000" dirty="0">
-                <a:solidFill>
-                  <a:srgbClr val="FF0000"/>
-                </a:solidFill>
-              </a:rPr>
-              <a:t>*this </a:t>
-            </a:r>
-            <a:r>
-              <a:rPr lang="en-CA" dirty="0">
-                <a:latin typeface="Consolas" panose="020B0609020204030204" pitchFamily="49" charset="0"/>
-              </a:rPr>
-              <a:t>is </a:t>
-            </a:r>
-            <a:r>
-              <a:rPr lang="en-CA" sz="4000" dirty="0">
-                <a:solidFill>
-                  <a:srgbClr val="FF0000"/>
-                </a:solidFill>
-              </a:rPr>
-              <a:t>B</a:t>
-            </a:r>
-            <a:r>
-              <a:rPr lang="en-CA" sz="4000" dirty="0">
-                <a:solidFill>
-                  <a:schemeClr val="accent2">
-                    <a:lumMod val="75000"/>
-                  </a:schemeClr>
-                </a:solidFill>
-              </a:rPr>
-              <a:t> </a:t>
-            </a:r>
-            <a:r>
-              <a:rPr lang="en-CA" dirty="0">
-                <a:latin typeface="Consolas" panose="020B0609020204030204" pitchFamily="49" charset="0"/>
-              </a:rPr>
-              <a:t> </a:t>
-            </a:r>
-            <a:br>
-              <a:rPr lang="en-CA" dirty="0">
-                <a:latin typeface="Consolas" panose="020B0609020204030204" pitchFamily="49" charset="0"/>
-              </a:rPr>
-            </a:br>
-            <a:r>
-              <a:rPr lang="en-CA" sz="1800" dirty="0">
-                <a:latin typeface="Consolas" panose="020B0609020204030204" pitchFamily="49" charset="0"/>
-              </a:rPr>
-              <a:t>(With side-effect, B will change )</a:t>
-            </a:r>
-          </a:p>
-          <a:p>
-            <a:pPr marL="0" indent="0">
-              <a:buNone/>
-            </a:pPr>
-            <a:r>
-              <a:rPr lang="en-CA" sz="3200" dirty="0">
-                <a:solidFill>
-                  <a:srgbClr val="FF0000"/>
-                </a:solidFill>
-              </a:rPr>
-              <a:t>B[5]</a:t>
-            </a:r>
           </a:p>
           <a:p>
             <a:pPr marL="0" indent="0">
